--- a/folded_gilbert/seminar/20231205/めも.pptx
+++ b/folded_gilbert/seminar/20231205/めも.pptx
@@ -10,6 +10,7 @@
     <p:sldId id="258" r:id="rId4"/>
     <p:sldId id="259" r:id="rId5"/>
     <p:sldId id="260" r:id="rId6"/>
+    <p:sldId id="261" r:id="rId7"/>
   </p:sldIdLst>
   <p:sldSz cx="12192000" cy="6858000"/>
   <p:notesSz cx="6858000" cy="9144000"/>
@@ -263,7 +264,7 @@
           <a:p>
             <a:fld id="{FA014DDC-67F7-42FD-960F-8443CFFC6889}" type="datetimeFigureOut">
               <a:rPr kumimoji="1" lang="ja-JP" altLang="en-US" smtClean="0"/>
-              <a:t>2023/11/21</a:t>
+              <a:t>2023/11/23</a:t>
             </a:fld>
             <a:endParaRPr kumimoji="1" lang="ja-JP" altLang="en-US"/>
           </a:p>
@@ -493,7 +494,7 @@
           <a:p>
             <a:fld id="{FA014DDC-67F7-42FD-960F-8443CFFC6889}" type="datetimeFigureOut">
               <a:rPr kumimoji="1" lang="ja-JP" altLang="en-US" smtClean="0"/>
-              <a:t>2023/11/21</a:t>
+              <a:t>2023/11/23</a:t>
             </a:fld>
             <a:endParaRPr kumimoji="1" lang="ja-JP" altLang="en-US"/>
           </a:p>
@@ -733,7 +734,7 @@
           <a:p>
             <a:fld id="{FA014DDC-67F7-42FD-960F-8443CFFC6889}" type="datetimeFigureOut">
               <a:rPr kumimoji="1" lang="ja-JP" altLang="en-US" smtClean="0"/>
-              <a:t>2023/11/21</a:t>
+              <a:t>2023/11/23</a:t>
             </a:fld>
             <a:endParaRPr kumimoji="1" lang="ja-JP" altLang="en-US"/>
           </a:p>
@@ -963,7 +964,7 @@
           <a:p>
             <a:fld id="{FA014DDC-67F7-42FD-960F-8443CFFC6889}" type="datetimeFigureOut">
               <a:rPr kumimoji="1" lang="ja-JP" altLang="en-US" smtClean="0"/>
-              <a:t>2023/11/21</a:t>
+              <a:t>2023/11/23</a:t>
             </a:fld>
             <a:endParaRPr kumimoji="1" lang="ja-JP" altLang="en-US"/>
           </a:p>
@@ -1238,7 +1239,7 @@
           <a:p>
             <a:fld id="{FA014DDC-67F7-42FD-960F-8443CFFC6889}" type="datetimeFigureOut">
               <a:rPr kumimoji="1" lang="ja-JP" altLang="en-US" smtClean="0"/>
-              <a:t>2023/11/21</a:t>
+              <a:t>2023/11/23</a:t>
             </a:fld>
             <a:endParaRPr kumimoji="1" lang="ja-JP" altLang="en-US"/>
           </a:p>
@@ -1567,7 +1568,7 @@
           <a:p>
             <a:fld id="{FA014DDC-67F7-42FD-960F-8443CFFC6889}" type="datetimeFigureOut">
               <a:rPr kumimoji="1" lang="ja-JP" altLang="en-US" smtClean="0"/>
-              <a:t>2023/11/21</a:t>
+              <a:t>2023/11/23</a:t>
             </a:fld>
             <a:endParaRPr kumimoji="1" lang="ja-JP" altLang="en-US"/>
           </a:p>
@@ -2043,7 +2044,7 @@
           <a:p>
             <a:fld id="{FA014DDC-67F7-42FD-960F-8443CFFC6889}" type="datetimeFigureOut">
               <a:rPr kumimoji="1" lang="ja-JP" altLang="en-US" smtClean="0"/>
-              <a:t>2023/11/21</a:t>
+              <a:t>2023/11/23</a:t>
             </a:fld>
             <a:endParaRPr kumimoji="1" lang="ja-JP" altLang="en-US"/>
           </a:p>
@@ -2184,7 +2185,7 @@
           <a:p>
             <a:fld id="{FA014DDC-67F7-42FD-960F-8443CFFC6889}" type="datetimeFigureOut">
               <a:rPr kumimoji="1" lang="ja-JP" altLang="en-US" smtClean="0"/>
-              <a:t>2023/11/21</a:t>
+              <a:t>2023/11/23</a:t>
             </a:fld>
             <a:endParaRPr kumimoji="1" lang="ja-JP" altLang="en-US"/>
           </a:p>
@@ -2297,7 +2298,7 @@
           <a:p>
             <a:fld id="{FA014DDC-67F7-42FD-960F-8443CFFC6889}" type="datetimeFigureOut">
               <a:rPr kumimoji="1" lang="ja-JP" altLang="en-US" smtClean="0"/>
-              <a:t>2023/11/21</a:t>
+              <a:t>2023/11/23</a:t>
             </a:fld>
             <a:endParaRPr kumimoji="1" lang="ja-JP" altLang="en-US"/>
           </a:p>
@@ -2640,7 +2641,7 @@
           <a:p>
             <a:fld id="{FA014DDC-67F7-42FD-960F-8443CFFC6889}" type="datetimeFigureOut">
               <a:rPr kumimoji="1" lang="ja-JP" altLang="en-US" smtClean="0"/>
-              <a:t>2023/11/21</a:t>
+              <a:t>2023/11/23</a:t>
             </a:fld>
             <a:endParaRPr kumimoji="1" lang="ja-JP" altLang="en-US"/>
           </a:p>
@@ -2928,7 +2929,7 @@
           <a:p>
             <a:fld id="{FA014DDC-67F7-42FD-960F-8443CFFC6889}" type="datetimeFigureOut">
               <a:rPr kumimoji="1" lang="ja-JP" altLang="en-US" smtClean="0"/>
-              <a:t>2023/11/21</a:t>
+              <a:t>2023/11/23</a:t>
             </a:fld>
             <a:endParaRPr kumimoji="1" lang="ja-JP" altLang="en-US"/>
           </a:p>
@@ -3201,7 +3202,7 @@
           <a:p>
             <a:fld id="{FA014DDC-67F7-42FD-960F-8443CFFC6889}" type="datetimeFigureOut">
               <a:rPr kumimoji="1" lang="ja-JP" altLang="en-US" smtClean="0"/>
-              <a:t>2023/11/21</a:t>
+              <a:t>2023/11/23</a:t>
             </a:fld>
             <a:endParaRPr kumimoji="1" lang="ja-JP" altLang="en-US"/>
           </a:p>
@@ -3720,22 +3721,130 @@
           <a:lstStyle/>
           <a:p>
             <a:r>
-              <a:rPr kumimoji="1" lang="en-US" altLang="ja-JP" dirty="0" err="1"/>
-              <a:t>NtoN</a:t>
-            </a:r>
-            <a:r>
               <a:rPr kumimoji="1" lang="ja-JP" altLang="en-US" dirty="0"/>
-              <a:t>の設計手順</a:t>
-            </a:r>
+              <a:t>カレントミラーを用いた折り畳みカスコードギルバート乗算回路の設計手順</a:t>
+            </a:r>
+          </a:p>
+        </p:txBody>
+      </p:sp>
+      <p:sp>
+        <p:nvSpPr>
+          <p:cNvPr id="5" name="テキスト ボックス 4">
+            <a:extLst>
+              <a:ext uri="{FF2B5EF4-FFF2-40B4-BE49-F238E27FC236}">
+                <a16:creationId xmlns:a16="http://schemas.microsoft.com/office/drawing/2014/main" id="{24B1DD37-629C-55AE-0A7D-E84DE91A50C5}"/>
+              </a:ext>
+            </a:extLst>
+          </p:cNvPr>
+          <p:cNvSpPr txBox="1"/>
+          <p:nvPr/>
+        </p:nvSpPr>
+        <p:spPr>
+          <a:xfrm>
+            <a:off x="8377381" y="4334251"/>
+            <a:ext cx="3639486" cy="2308324"/>
+          </a:xfrm>
+          <a:prstGeom prst="rect">
+            <a:avLst/>
+          </a:prstGeom>
+          <a:noFill/>
+        </p:spPr>
+        <p:txBody>
+          <a:bodyPr wrap="square" rtlCol="0">
+            <a:spAutoFit/>
+          </a:bodyPr>
+          <a:lstStyle/>
+          <a:p>
+            <a:pPr marL="342900" indent="-342900">
+              <a:buFont typeface="+mj-lt"/>
+              <a:buAutoNum type="arabicPeriod"/>
+            </a:pPr>
+            <a:r>
+              <a:rPr kumimoji="1" lang="ja-JP" altLang="en-US" dirty="0"/>
+              <a:t>現実的なバイアス電圧を決める</a:t>
+            </a:r>
+            <a:endParaRPr kumimoji="1" lang="en-US" altLang="ja-JP" dirty="0"/>
+          </a:p>
+          <a:p>
+            <a:pPr marL="342900" indent="-342900">
+              <a:buFont typeface="+mj-lt"/>
+              <a:buAutoNum type="arabicPeriod"/>
+            </a:pPr>
+            <a:r>
+              <a:rPr kumimoji="1" lang="ja-JP" altLang="en-US" dirty="0"/>
+              <a:t>そのうえで</a:t>
+            </a:r>
+            <a:r>
+              <a:rPr kumimoji="1" lang="en-US" altLang="ja-JP" dirty="0"/>
+              <a:t>MA</a:t>
+            </a:r>
+            <a:r>
+              <a:rPr kumimoji="1" lang="ja-JP" altLang="en-US" dirty="0"/>
+              <a:t>のサイズをなるべく小さくなるように決める</a:t>
+            </a:r>
+            <a:endParaRPr kumimoji="1" lang="en-US" altLang="ja-JP" dirty="0"/>
+          </a:p>
+          <a:p>
+            <a:pPr marL="342900" indent="-342900">
+              <a:buFont typeface="+mj-lt"/>
+              <a:buAutoNum type="arabicPeriod"/>
+            </a:pPr>
+            <a:r>
+              <a:rPr lang="en-US" altLang="ja-JP" dirty="0"/>
+              <a:t>MB</a:t>
+            </a:r>
+            <a:r>
+              <a:rPr lang="ja-JP" altLang="en-US" dirty="0"/>
+              <a:t>のサイズを</a:t>
+            </a:r>
+            <a:r>
+              <a:rPr lang="en-US" altLang="ja-JP" dirty="0"/>
+              <a:t>MA</a:t>
+            </a:r>
+            <a:r>
+              <a:rPr lang="ja-JP" altLang="en-US" dirty="0"/>
+              <a:t>同様決める</a:t>
+            </a:r>
+            <a:endParaRPr lang="en-US" altLang="ja-JP" dirty="0"/>
+          </a:p>
+          <a:p>
+            <a:pPr marL="342900" indent="-342900">
+              <a:buFont typeface="+mj-lt"/>
+              <a:buAutoNum type="arabicPeriod"/>
+            </a:pPr>
+            <a:r>
+              <a:rPr kumimoji="1" lang="en-US" altLang="ja-JP" dirty="0"/>
+              <a:t>MC,MMB</a:t>
+            </a:r>
+            <a:r>
+              <a:rPr kumimoji="1" lang="ja-JP" altLang="en-US" dirty="0"/>
+              <a:t>のサイズを決める</a:t>
+            </a:r>
+            <a:endParaRPr kumimoji="1" lang="en-US" altLang="ja-JP" dirty="0"/>
+          </a:p>
+          <a:p>
+            <a:pPr marL="342900" indent="-342900">
+              <a:buFont typeface="+mj-lt"/>
+              <a:buAutoNum type="arabicPeriod"/>
+            </a:pPr>
+            <a:r>
+              <a:rPr lang="en-US" altLang="ja-JP" dirty="0"/>
+              <a:t>MMA</a:t>
+            </a:r>
+            <a:r>
+              <a:rPr lang="ja-JP" altLang="en-US" dirty="0"/>
+              <a:t>をバイアスと左右の電流比からサイズを決める</a:t>
+            </a:r>
+            <a:endParaRPr kumimoji="1" lang="ja-JP" altLang="en-US" dirty="0"/>
           </a:p>
         </p:txBody>
       </p:sp>
       <p:pic>
         <p:nvPicPr>
-          <p:cNvPr id="4" name="図 3" descr="背景パターン&#10;&#10;低い精度で自動的に生成された説明">
-            <a:extLst>
-              <a:ext uri="{FF2B5EF4-FFF2-40B4-BE49-F238E27FC236}">
-                <a16:creationId xmlns:a16="http://schemas.microsoft.com/office/drawing/2014/main" id="{7247A4E3-98A2-F6BB-2F01-FD7231A72688}"/>
+          <p:cNvPr id="10" name="図 9" descr="背景パターン&#10;&#10;自動的に生成された説明">
+            <a:extLst>
+              <a:ext uri="{FF2B5EF4-FFF2-40B4-BE49-F238E27FC236}">
+                <a16:creationId xmlns:a16="http://schemas.microsoft.com/office/drawing/2014/main" id="{708ACA06-7278-83D9-7A45-2F55C4DA99E9}"/>
               </a:ext>
             </a:extLst>
           </p:cNvPr>
@@ -3758,126 +3867,14 @@
         </p:blipFill>
         <p:spPr>
           <a:xfrm>
-            <a:off x="0" y="1690688"/>
-            <a:ext cx="9528067" cy="5038354"/>
+            <a:off x="-312106" y="1810502"/>
+            <a:ext cx="9528067" cy="5047498"/>
           </a:xfrm>
           <a:prstGeom prst="rect">
             <a:avLst/>
           </a:prstGeom>
         </p:spPr>
       </p:pic>
-      <p:sp>
-        <p:nvSpPr>
-          <p:cNvPr id="5" name="テキスト ボックス 4">
-            <a:extLst>
-              <a:ext uri="{FF2B5EF4-FFF2-40B4-BE49-F238E27FC236}">
-                <a16:creationId xmlns:a16="http://schemas.microsoft.com/office/drawing/2014/main" id="{24B1DD37-629C-55AE-0A7D-E84DE91A50C5}"/>
-              </a:ext>
-            </a:extLst>
-          </p:cNvPr>
-          <p:cNvSpPr txBox="1"/>
-          <p:nvPr/>
-        </p:nvSpPr>
-        <p:spPr>
-          <a:xfrm>
-            <a:off x="9312676" y="1873188"/>
-            <a:ext cx="2565646" cy="3693319"/>
-          </a:xfrm>
-          <a:prstGeom prst="rect">
-            <a:avLst/>
-          </a:prstGeom>
-          <a:noFill/>
-        </p:spPr>
-        <p:txBody>
-          <a:bodyPr wrap="square" rtlCol="0">
-            <a:spAutoFit/>
-          </a:bodyPr>
-          <a:lstStyle/>
-          <a:p>
-            <a:pPr marL="342900" indent="-342900">
-              <a:buFont typeface="+mj-lt"/>
-              <a:buAutoNum type="arabicPeriod"/>
-            </a:pPr>
-            <a:r>
-              <a:rPr kumimoji="1" lang="ja-JP" altLang="en-US" dirty="0"/>
-              <a:t>現実的なバイアス電圧を決める</a:t>
-            </a:r>
-            <a:endParaRPr kumimoji="1" lang="en-US" altLang="ja-JP" dirty="0"/>
-          </a:p>
-          <a:p>
-            <a:pPr marL="342900" indent="-342900">
-              <a:buFont typeface="+mj-lt"/>
-              <a:buAutoNum type="arabicPeriod"/>
-            </a:pPr>
-            <a:r>
-              <a:rPr kumimoji="1" lang="ja-JP" altLang="en-US" dirty="0"/>
-              <a:t>そのうえで</a:t>
-            </a:r>
-            <a:r>
-              <a:rPr kumimoji="1" lang="en-US" altLang="ja-JP" dirty="0"/>
-              <a:t>MA</a:t>
-            </a:r>
-            <a:r>
-              <a:rPr kumimoji="1" lang="ja-JP" altLang="en-US" dirty="0"/>
-              <a:t>のサイズをなるべく小さくなるように決める</a:t>
-            </a:r>
-            <a:endParaRPr kumimoji="1" lang="en-US" altLang="ja-JP" dirty="0"/>
-          </a:p>
-          <a:p>
-            <a:pPr marL="342900" indent="-342900">
-              <a:buFont typeface="+mj-lt"/>
-              <a:buAutoNum type="arabicPeriod"/>
-            </a:pPr>
-            <a:r>
-              <a:rPr lang="en-US" altLang="ja-JP" dirty="0"/>
-              <a:t>MB</a:t>
-            </a:r>
-            <a:r>
-              <a:rPr lang="ja-JP" altLang="en-US" dirty="0"/>
-              <a:t>のサイズを</a:t>
-            </a:r>
-            <a:r>
-              <a:rPr lang="en-US" altLang="ja-JP" dirty="0"/>
-              <a:t>MA</a:t>
-            </a:r>
-            <a:r>
-              <a:rPr lang="ja-JP" altLang="en-US" dirty="0"/>
-              <a:t>同様決める</a:t>
-            </a:r>
-            <a:endParaRPr lang="en-US" altLang="ja-JP" dirty="0"/>
-          </a:p>
-          <a:p>
-            <a:pPr marL="342900" indent="-342900">
-              <a:buFont typeface="+mj-lt"/>
-              <a:buAutoNum type="arabicPeriod"/>
-            </a:pPr>
-            <a:r>
-              <a:rPr kumimoji="1" lang="en-US" altLang="ja-JP" dirty="0"/>
-              <a:t>MC,MMB</a:t>
-            </a:r>
-            <a:r>
-              <a:rPr kumimoji="1" lang="ja-JP" altLang="en-US" dirty="0"/>
-              <a:t>のサイズを決める</a:t>
-            </a:r>
-            <a:endParaRPr kumimoji="1" lang="en-US" altLang="ja-JP" dirty="0"/>
-          </a:p>
-          <a:p>
-            <a:pPr marL="342900" indent="-342900">
-              <a:buFont typeface="+mj-lt"/>
-              <a:buAutoNum type="arabicPeriod"/>
-            </a:pPr>
-            <a:r>
-              <a:rPr lang="en-US" altLang="ja-JP" dirty="0"/>
-              <a:t>MMA</a:t>
-            </a:r>
-            <a:r>
-              <a:rPr lang="ja-JP" altLang="en-US" dirty="0"/>
-              <a:t>をバイアスと左右の電流比からサイズを決める</a:t>
-            </a:r>
-            <a:endParaRPr kumimoji="1" lang="ja-JP" altLang="en-US" dirty="0"/>
-          </a:p>
-        </p:txBody>
-      </p:sp>
     </p:spTree>
     <p:extLst>
       <p:ext uri="{BB962C8B-B14F-4D97-AF65-F5344CB8AC3E}">
@@ -4085,7 +4082,10 @@
           <a:bodyPr/>
           <a:lstStyle/>
           <a:p>
-            <a:endParaRPr kumimoji="1" lang="ja-JP" altLang="en-US" dirty="0"/>
+            <a:r>
+              <a:rPr kumimoji="1" lang="ja-JP" altLang="en-US" dirty="0"/>
+              <a:t>以前検討していたバッファ回路</a:t>
+            </a:r>
           </a:p>
         </p:txBody>
       </p:sp>
@@ -4153,8 +4153,8 @@
         </p:blipFill>
         <p:spPr>
           <a:xfrm>
-            <a:off x="6539300" y="578818"/>
-            <a:ext cx="5221235" cy="6126492"/>
+            <a:off x="7234336" y="1825432"/>
+            <a:ext cx="4119464" cy="4833696"/>
           </a:xfrm>
           <a:prstGeom prst="rect">
             <a:avLst/>
@@ -4176,7 +4176,7 @@
         <p:spPr>
           <a:xfrm>
             <a:off x="603682" y="2130641"/>
-            <a:ext cx="2325949" cy="2031325"/>
+            <a:ext cx="3829773" cy="1754326"/>
           </a:xfrm>
           <a:prstGeom prst="rect">
             <a:avLst/>
@@ -4207,14 +4207,22 @@
             </a:r>
             <a:r>
               <a:rPr kumimoji="1" lang="ja-JP" altLang="en-US" dirty="0"/>
-              <a:t>のみ見える</a:t>
+              <a:t>のみ見える。</a:t>
             </a:r>
             <a:endParaRPr kumimoji="1" lang="en-US" altLang="ja-JP" dirty="0"/>
           </a:p>
           <a:p>
             <a:r>
               <a:rPr lang="ja-JP" altLang="en-US" dirty="0"/>
-              <a:t>⇒まずは</a:t>
+              <a:t>しかし、</a:t>
+            </a:r>
+            <a:r>
+              <a:rPr lang="en-US" altLang="ja-JP" dirty="0" err="1"/>
+              <a:t>mos</a:t>
+            </a:r>
+            <a:r>
+              <a:rPr lang="ja-JP" altLang="en-US" dirty="0"/>
+              <a:t>のみで</a:t>
             </a:r>
             <a:r>
               <a:rPr lang="en-US" altLang="ja-JP" dirty="0"/>
@@ -4222,17 +4230,16 @@
             </a:r>
             <a:r>
               <a:rPr lang="ja-JP" altLang="en-US" dirty="0"/>
-              <a:t>の</a:t>
-            </a:r>
-            <a:r>
-              <a:rPr lang="en-US" altLang="ja-JP" dirty="0" err="1"/>
-              <a:t>mos</a:t>
-            </a:r>
-            <a:r>
-              <a:rPr lang="ja-JP" altLang="en-US" dirty="0"/>
-              <a:t>のサイズを決め、それからしきい値や基盤バイアス効果を考える</a:t>
-            </a:r>
-            <a:endParaRPr kumimoji="1" lang="ja-JP" altLang="en-US" dirty="0"/>
+              <a:t>を達成しようとするとサイズが大きくなり、電流も増える。</a:t>
+            </a:r>
+            <a:endParaRPr lang="en-US" altLang="ja-JP" dirty="0"/>
+          </a:p>
+          <a:p>
+            <a:r>
+              <a:rPr kumimoji="1" lang="ja-JP" altLang="en-US" dirty="0"/>
+              <a:t>⇒抵抗を使ってコンダクタンスを分配する。</a:t>
+            </a:r>
+            <a:endParaRPr kumimoji="1" lang="en-US" altLang="ja-JP" dirty="0"/>
           </a:p>
         </p:txBody>
       </p:sp>
@@ -4287,14 +4294,2347 @@
           <a:bodyPr/>
           <a:lstStyle/>
           <a:p>
-            <a:endParaRPr kumimoji="1" lang="ja-JP" altLang="en-US"/>
-          </a:p>
-        </p:txBody>
-      </p:sp>
+            <a:r>
+              <a:rPr kumimoji="1" lang="ja-JP" altLang="en-US" dirty="0"/>
+              <a:t>考案するバッファ回路</a:t>
+            </a:r>
+          </a:p>
+        </p:txBody>
+      </p:sp>
+      <mc:AlternateContent xmlns:mc="http://schemas.openxmlformats.org/markup-compatibility/2006">
+        <mc:Choice xmlns:a14="http://schemas.microsoft.com/office/drawing/2010/main" Requires="a14">
+          <p:sp>
+            <p:nvSpPr>
+              <p:cNvPr id="5" name="テキスト ボックス 4">
+                <a:extLst>
+                  <a:ext uri="{FF2B5EF4-FFF2-40B4-BE49-F238E27FC236}">
+                    <a16:creationId xmlns:a16="http://schemas.microsoft.com/office/drawing/2014/main" id="{1D691765-4C8A-2311-E940-C7BEA3300B16}"/>
+                  </a:ext>
+                </a:extLst>
+              </p:cNvPr>
+              <p:cNvSpPr txBox="1"/>
+              <p:nvPr/>
+            </p:nvSpPr>
+            <p:spPr>
+              <a:xfrm>
+                <a:off x="838200" y="1939637"/>
+                <a:ext cx="6227618" cy="5111271"/>
+              </a:xfrm>
+              <a:prstGeom prst="rect">
+                <a:avLst/>
+              </a:prstGeom>
+              <a:noFill/>
+            </p:spPr>
+            <p:txBody>
+              <a:bodyPr wrap="square" rtlCol="0">
+                <a:spAutoFit/>
+              </a:bodyPr>
+              <a:lstStyle/>
+              <a:p>
+                <a:r>
+                  <a:rPr lang="ja-JP" altLang="en-US" dirty="0"/>
+                  <a:t>出力インピーダンスは</a:t>
+                </a:r>
+                <a14:m>
+                  <m:oMath xmlns:m="http://schemas.openxmlformats.org/officeDocument/2006/math">
+                    <m:sSub>
+                      <m:sSubPr>
+                        <m:ctrlPr>
+                          <a:rPr lang="en-US" altLang="ja-JP" b="0" i="1" smtClean="0">
+                            <a:latin typeface="Cambria Math" panose="02040503050406030204" pitchFamily="18" charset="0"/>
+                          </a:rPr>
+                        </m:ctrlPr>
+                      </m:sSubPr>
+                      <m:e>
+                        <m:r>
+                          <a:rPr lang="en-US" altLang="ja-JP" b="0" i="1" smtClean="0">
+                            <a:latin typeface="Cambria Math" panose="02040503050406030204" pitchFamily="18" charset="0"/>
+                          </a:rPr>
+                          <m:t>𝑀</m:t>
+                        </m:r>
+                      </m:e>
+                      <m:sub>
+                        <m:r>
+                          <a:rPr lang="en-US" altLang="ja-JP" b="0" i="1" smtClean="0">
+                            <a:latin typeface="Cambria Math" panose="02040503050406030204" pitchFamily="18" charset="0"/>
+                          </a:rPr>
+                          <m:t>𝐵</m:t>
+                        </m:r>
+                      </m:sub>
+                    </m:sSub>
+                  </m:oMath>
+                </a14:m>
+                <a:r>
+                  <a:rPr kumimoji="1" lang="ja-JP" altLang="en-US" dirty="0"/>
+                  <a:t>のトランスコンダクタンス</a:t>
+                </a:r>
+                <a14:m>
+                  <m:oMath xmlns:m="http://schemas.openxmlformats.org/officeDocument/2006/math">
+                    <m:sSub>
+                      <m:sSubPr>
+                        <m:ctrlPr>
+                          <a:rPr kumimoji="1" lang="en-US" altLang="ja-JP" b="0" i="1" smtClean="0">
+                            <a:latin typeface="Cambria Math" panose="02040503050406030204" pitchFamily="18" charset="0"/>
+                          </a:rPr>
+                        </m:ctrlPr>
+                      </m:sSubPr>
+                      <m:e>
+                        <m:r>
+                          <a:rPr kumimoji="1" lang="en-US" altLang="ja-JP" b="0" i="1" smtClean="0">
+                            <a:latin typeface="Cambria Math" panose="02040503050406030204" pitchFamily="18" charset="0"/>
+                          </a:rPr>
+                          <m:t>𝑔</m:t>
+                        </m:r>
+                      </m:e>
+                      <m:sub>
+                        <m:r>
+                          <a:rPr kumimoji="1" lang="en-US" altLang="ja-JP" b="0" i="1" smtClean="0">
+                            <a:latin typeface="Cambria Math" panose="02040503050406030204" pitchFamily="18" charset="0"/>
+                          </a:rPr>
+                          <m:t>𝑚</m:t>
+                        </m:r>
+                      </m:sub>
+                    </m:sSub>
+                  </m:oMath>
+                </a14:m>
+                <a:r>
+                  <a:rPr kumimoji="1" lang="ja-JP" altLang="en-US" dirty="0"/>
+                  <a:t>と二つの抵抗</a:t>
+                </a:r>
+                <a14:m>
+                  <m:oMath xmlns:m="http://schemas.openxmlformats.org/officeDocument/2006/math">
+                    <m:sSub>
+                      <m:sSubPr>
+                        <m:ctrlPr>
+                          <a:rPr kumimoji="1" lang="en-US" altLang="ja-JP" b="0" i="1" smtClean="0">
+                            <a:latin typeface="Cambria Math" panose="02040503050406030204" pitchFamily="18" charset="0"/>
+                          </a:rPr>
+                        </m:ctrlPr>
+                      </m:sSubPr>
+                      <m:e>
+                        <m:r>
+                          <a:rPr kumimoji="1" lang="en-US" altLang="ja-JP" b="0" i="1" smtClean="0">
+                            <a:latin typeface="Cambria Math" panose="02040503050406030204" pitchFamily="18" charset="0"/>
+                          </a:rPr>
+                          <m:t>𝑔</m:t>
+                        </m:r>
+                      </m:e>
+                      <m:sub>
+                        <m:r>
+                          <a:rPr kumimoji="1" lang="en-US" altLang="ja-JP" b="0" i="1" smtClean="0">
+                            <a:latin typeface="Cambria Math" panose="02040503050406030204" pitchFamily="18" charset="0"/>
+                          </a:rPr>
+                          <m:t>𝑈</m:t>
+                        </m:r>
+                      </m:sub>
+                    </m:sSub>
+                    <m:r>
+                      <a:rPr lang="ja-JP" altLang="en-US" i="1">
+                        <a:latin typeface="Cambria Math" panose="02040503050406030204" pitchFamily="18" charset="0"/>
+                      </a:rPr>
+                      <m:t>、</m:t>
+                    </m:r>
+                    <m:sSub>
+                      <m:sSubPr>
+                        <m:ctrlPr>
+                          <a:rPr kumimoji="1" lang="en-US" altLang="ja-JP" b="0" i="1" smtClean="0">
+                            <a:latin typeface="Cambria Math" panose="02040503050406030204" pitchFamily="18" charset="0"/>
+                          </a:rPr>
+                        </m:ctrlPr>
+                      </m:sSubPr>
+                      <m:e>
+                        <m:r>
+                          <a:rPr kumimoji="1" lang="en-US" altLang="ja-JP" b="0" i="1" smtClean="0">
+                            <a:latin typeface="Cambria Math" panose="02040503050406030204" pitchFamily="18" charset="0"/>
+                          </a:rPr>
+                          <m:t>𝑔</m:t>
+                        </m:r>
+                      </m:e>
+                      <m:sub>
+                        <m:r>
+                          <a:rPr kumimoji="1" lang="en-US" altLang="ja-JP" b="0" i="1" smtClean="0">
+                            <a:latin typeface="Cambria Math" panose="02040503050406030204" pitchFamily="18" charset="0"/>
+                          </a:rPr>
+                          <m:t>𝐿</m:t>
+                        </m:r>
+                      </m:sub>
+                    </m:sSub>
+                  </m:oMath>
+                </a14:m>
+                <a:r>
+                  <a:rPr kumimoji="1" lang="ja-JP" altLang="en-US" dirty="0"/>
+                  <a:t>の和になる。</a:t>
+                </a:r>
+                <a:endParaRPr kumimoji="1" lang="en-US" altLang="ja-JP" dirty="0"/>
+              </a:p>
+              <a:p>
+                <a14:m>
+                  <m:oMath xmlns:m="http://schemas.openxmlformats.org/officeDocument/2006/math">
+                    <m:sSub>
+                      <m:sSubPr>
+                        <m:ctrlPr>
+                          <a:rPr kumimoji="1" lang="en-US" altLang="ja-JP" b="0" i="1" smtClean="0">
+                            <a:latin typeface="Cambria Math" panose="02040503050406030204" pitchFamily="18" charset="0"/>
+                          </a:rPr>
+                        </m:ctrlPr>
+                      </m:sSubPr>
+                      <m:e>
+                        <m:r>
+                          <a:rPr kumimoji="1" lang="en-US" altLang="ja-JP" b="0" i="1" smtClean="0">
+                            <a:latin typeface="Cambria Math" panose="02040503050406030204" pitchFamily="18" charset="0"/>
+                          </a:rPr>
+                          <m:t>𝑅</m:t>
+                        </m:r>
+                      </m:e>
+                      <m:sub>
+                        <m:r>
+                          <a:rPr kumimoji="1" lang="en-US" altLang="ja-JP" b="0" i="1" smtClean="0">
+                            <a:latin typeface="Cambria Math" panose="02040503050406030204" pitchFamily="18" charset="0"/>
+                          </a:rPr>
+                          <m:t>𝐿</m:t>
+                        </m:r>
+                      </m:sub>
+                    </m:sSub>
+                    <m:r>
+                      <a:rPr lang="ja-JP" altLang="en-US" i="1">
+                        <a:latin typeface="Cambria Math" panose="02040503050406030204" pitchFamily="18" charset="0"/>
+                      </a:rPr>
+                      <m:t>には</m:t>
+                    </m:r>
+                  </m:oMath>
+                </a14:m>
+                <a:r>
+                  <a:rPr kumimoji="1" lang="ja-JP" altLang="en-US" dirty="0"/>
+                  <a:t>比較的大きな電流が流れるので</a:t>
+                </a:r>
+                <a14:m>
+                  <m:oMath xmlns:m="http://schemas.openxmlformats.org/officeDocument/2006/math">
+                    <m:sSub>
+                      <m:sSubPr>
+                        <m:ctrlPr>
+                          <a:rPr kumimoji="1" lang="en-US" altLang="ja-JP" b="0" i="1" smtClean="0">
+                            <a:latin typeface="Cambria Math" panose="02040503050406030204" pitchFamily="18" charset="0"/>
+                          </a:rPr>
+                        </m:ctrlPr>
+                      </m:sSubPr>
+                      <m:e>
+                        <m:r>
+                          <a:rPr kumimoji="1" lang="en-US" altLang="ja-JP" b="0" i="1" smtClean="0">
+                            <a:latin typeface="Cambria Math" panose="02040503050406030204" pitchFamily="18" charset="0"/>
+                          </a:rPr>
+                          <m:t>𝑔</m:t>
+                        </m:r>
+                      </m:e>
+                      <m:sub>
+                        <m:r>
+                          <a:rPr kumimoji="1" lang="en-US" altLang="ja-JP" b="0" i="1" smtClean="0">
+                            <a:latin typeface="Cambria Math" panose="02040503050406030204" pitchFamily="18" charset="0"/>
+                          </a:rPr>
+                          <m:t>𝑈</m:t>
+                        </m:r>
+                      </m:sub>
+                    </m:sSub>
+                  </m:oMath>
+                </a14:m>
+                <a:r>
+                  <a:rPr kumimoji="1" lang="ja-JP" altLang="en-US" dirty="0"/>
+                  <a:t>からも電流を供給すればトランジスタのサイズは無理に大きくする必要がなくなる。</a:t>
+                </a:r>
+                <a:endParaRPr kumimoji="1" lang="en-US" altLang="ja-JP" dirty="0"/>
+              </a:p>
+              <a:p>
+                <a:endParaRPr lang="en-US" altLang="ja-JP" dirty="0"/>
+              </a:p>
+              <a:p>
+                <a:r>
+                  <a:rPr lang="ja-JP" altLang="en-US" dirty="0"/>
+                  <a:t>この時満たすべき方程式は</a:t>
+                </a:r>
+                <a:endParaRPr lang="en-US" altLang="ja-JP" dirty="0"/>
+              </a:p>
+              <a:p>
+                <a14:m>
+                  <m:oMathPara xmlns:m="http://schemas.openxmlformats.org/officeDocument/2006/math">
+                    <m:oMathParaPr>
+                      <m:jc m:val="centerGroup"/>
+                    </m:oMathParaPr>
+                    <m:oMath xmlns:m="http://schemas.openxmlformats.org/officeDocument/2006/math">
+                      <m:sSub>
+                        <m:sSubPr>
+                          <m:ctrlPr>
+                            <a:rPr lang="en-US" altLang="ja-JP" b="0" i="1" smtClean="0">
+                              <a:latin typeface="Cambria Math" panose="02040503050406030204" pitchFamily="18" charset="0"/>
+                            </a:rPr>
+                          </m:ctrlPr>
+                        </m:sSubPr>
+                        <m:e>
+                          <m:r>
+                            <a:rPr lang="en-US" altLang="ja-JP" b="0" i="1" smtClean="0">
+                              <a:latin typeface="Cambria Math" panose="02040503050406030204" pitchFamily="18" charset="0"/>
+                            </a:rPr>
+                            <m:t>𝑔</m:t>
+                          </m:r>
+                        </m:e>
+                        <m:sub>
+                          <m:r>
+                            <a:rPr lang="en-US" altLang="ja-JP" b="0" i="1" smtClean="0">
+                              <a:latin typeface="Cambria Math" panose="02040503050406030204" pitchFamily="18" charset="0"/>
+                            </a:rPr>
+                            <m:t>𝑚</m:t>
+                          </m:r>
+                        </m:sub>
+                      </m:sSub>
+                      <m:r>
+                        <a:rPr lang="en-US" altLang="ja-JP" b="0" i="1" smtClean="0">
+                          <a:latin typeface="Cambria Math" panose="02040503050406030204" pitchFamily="18" charset="0"/>
+                        </a:rPr>
+                        <m:t>+</m:t>
+                      </m:r>
+                      <m:sSub>
+                        <m:sSubPr>
+                          <m:ctrlPr>
+                            <a:rPr lang="en-US" altLang="ja-JP" b="0" i="1" smtClean="0">
+                              <a:latin typeface="Cambria Math" panose="02040503050406030204" pitchFamily="18" charset="0"/>
+                            </a:rPr>
+                          </m:ctrlPr>
+                        </m:sSubPr>
+                        <m:e>
+                          <m:r>
+                            <a:rPr lang="en-US" altLang="ja-JP" b="0" i="1" smtClean="0">
+                              <a:latin typeface="Cambria Math" panose="02040503050406030204" pitchFamily="18" charset="0"/>
+                            </a:rPr>
+                            <m:t>𝑔</m:t>
+                          </m:r>
+                        </m:e>
+                        <m:sub>
+                          <m:r>
+                            <a:rPr lang="en-US" altLang="ja-JP" b="0" i="1" smtClean="0">
+                              <a:latin typeface="Cambria Math" panose="02040503050406030204" pitchFamily="18" charset="0"/>
+                            </a:rPr>
+                            <m:t>𝑈</m:t>
+                          </m:r>
+                        </m:sub>
+                      </m:sSub>
+                      <m:r>
+                        <a:rPr lang="en-US" altLang="ja-JP" b="0" i="1" smtClean="0">
+                          <a:latin typeface="Cambria Math" panose="02040503050406030204" pitchFamily="18" charset="0"/>
+                        </a:rPr>
+                        <m:t>+</m:t>
+                      </m:r>
+                      <m:sSub>
+                        <m:sSubPr>
+                          <m:ctrlPr>
+                            <a:rPr lang="en-US" altLang="ja-JP" b="0" i="1" smtClean="0">
+                              <a:latin typeface="Cambria Math" panose="02040503050406030204" pitchFamily="18" charset="0"/>
+                            </a:rPr>
+                          </m:ctrlPr>
+                        </m:sSubPr>
+                        <m:e>
+                          <m:r>
+                            <a:rPr lang="en-US" altLang="ja-JP" b="0" i="1" smtClean="0">
+                              <a:latin typeface="Cambria Math" panose="02040503050406030204" pitchFamily="18" charset="0"/>
+                            </a:rPr>
+                            <m:t>𝑔</m:t>
+                          </m:r>
+                        </m:e>
+                        <m:sub>
+                          <m:r>
+                            <a:rPr lang="en-US" altLang="ja-JP" b="0" i="1" smtClean="0">
+                              <a:latin typeface="Cambria Math" panose="02040503050406030204" pitchFamily="18" charset="0"/>
+                            </a:rPr>
+                            <m:t>𝐿</m:t>
+                          </m:r>
+                        </m:sub>
+                      </m:sSub>
+                      <m:r>
+                        <a:rPr lang="en-US" altLang="ja-JP" b="0" i="1" smtClean="0">
+                          <a:latin typeface="Cambria Math" panose="02040503050406030204" pitchFamily="18" charset="0"/>
+                        </a:rPr>
+                        <m:t>=20 </m:t>
+                      </m:r>
+                      <m:r>
+                        <a:rPr lang="en-US" altLang="ja-JP" b="0" i="1" smtClean="0">
+                          <a:latin typeface="Cambria Math" panose="02040503050406030204" pitchFamily="18" charset="0"/>
+                        </a:rPr>
+                        <m:t>𝑚𝑆</m:t>
+                      </m:r>
+                    </m:oMath>
+                  </m:oMathPara>
+                </a14:m>
+                <a:endParaRPr lang="en-US" altLang="ja-JP" b="0" dirty="0"/>
+              </a:p>
+              <a:p>
+                <a14:m>
+                  <m:oMathPara xmlns:m="http://schemas.openxmlformats.org/officeDocument/2006/math">
+                    <m:oMathParaPr>
+                      <m:jc m:val="centerGroup"/>
+                    </m:oMathParaPr>
+                    <m:oMath xmlns:m="http://schemas.openxmlformats.org/officeDocument/2006/math">
+                      <m:sSub>
+                        <m:sSubPr>
+                          <m:ctrlPr>
+                            <a:rPr lang="en-US" altLang="ja-JP" b="0" i="1" smtClean="0">
+                              <a:latin typeface="Cambria Math" panose="02040503050406030204" pitchFamily="18" charset="0"/>
+                            </a:rPr>
+                          </m:ctrlPr>
+                        </m:sSubPr>
+                        <m:e>
+                          <m:r>
+                            <a:rPr lang="en-US" altLang="ja-JP" b="0" i="1" smtClean="0">
+                              <a:latin typeface="Cambria Math" panose="02040503050406030204" pitchFamily="18" charset="0"/>
+                            </a:rPr>
+                            <m:t>𝑖</m:t>
+                          </m:r>
+                        </m:e>
+                        <m:sub>
+                          <m:r>
+                            <a:rPr lang="en-US" altLang="ja-JP" b="0" i="1" smtClean="0">
+                              <a:latin typeface="Cambria Math" panose="02040503050406030204" pitchFamily="18" charset="0"/>
+                            </a:rPr>
+                            <m:t>𝑚</m:t>
+                          </m:r>
+                        </m:sub>
+                      </m:sSub>
+                      <m:r>
+                        <a:rPr lang="en-US" altLang="ja-JP" b="0" i="1" smtClean="0">
+                          <a:latin typeface="Cambria Math" panose="02040503050406030204" pitchFamily="18" charset="0"/>
+                        </a:rPr>
+                        <m:t>+</m:t>
+                      </m:r>
+                      <m:d>
+                        <m:dPr>
+                          <m:begChr m:val="{"/>
+                          <m:endChr m:val="}"/>
+                          <m:ctrlPr>
+                            <a:rPr lang="en-US" altLang="ja-JP" b="0" i="1" smtClean="0">
+                              <a:latin typeface="Cambria Math" panose="02040503050406030204" pitchFamily="18" charset="0"/>
+                            </a:rPr>
+                          </m:ctrlPr>
+                        </m:dPr>
+                        <m:e>
+                          <m:sSub>
+                            <m:sSubPr>
+                              <m:ctrlPr>
+                                <a:rPr lang="en-US" altLang="ja-JP" b="0" i="1" smtClean="0">
+                                  <a:latin typeface="Cambria Math" panose="02040503050406030204" pitchFamily="18" charset="0"/>
+                                </a:rPr>
+                              </m:ctrlPr>
+                            </m:sSubPr>
+                            <m:e>
+                              <m:r>
+                                <a:rPr lang="en-US" altLang="ja-JP" b="0" i="1" smtClean="0">
+                                  <a:latin typeface="Cambria Math" panose="02040503050406030204" pitchFamily="18" charset="0"/>
+                                </a:rPr>
+                                <m:t>𝑉</m:t>
+                              </m:r>
+                            </m:e>
+                            <m:sub>
+                              <m:r>
+                                <a:rPr lang="en-US" altLang="ja-JP" b="0" i="1" smtClean="0">
+                                  <a:latin typeface="Cambria Math" panose="02040503050406030204" pitchFamily="18" charset="0"/>
+                                </a:rPr>
+                                <m:t>𝑑𝑑</m:t>
+                              </m:r>
+                            </m:sub>
+                          </m:sSub>
+                          <m:r>
+                            <a:rPr lang="en-US" altLang="ja-JP" b="0" i="1" smtClean="0">
+                              <a:latin typeface="Cambria Math" panose="02040503050406030204" pitchFamily="18" charset="0"/>
+                            </a:rPr>
+                            <m:t>−</m:t>
+                          </m:r>
+                          <m:d>
+                            <m:dPr>
+                              <m:ctrlPr>
+                                <a:rPr lang="en-US" altLang="ja-JP" b="0" i="1" smtClean="0">
+                                  <a:latin typeface="Cambria Math" panose="02040503050406030204" pitchFamily="18" charset="0"/>
+                                </a:rPr>
+                              </m:ctrlPr>
+                            </m:dPr>
+                            <m:e>
+                              <m:sSub>
+                                <m:sSubPr>
+                                  <m:ctrlPr>
+                                    <a:rPr lang="en-US" altLang="ja-JP" b="0" i="1" smtClean="0">
+                                      <a:latin typeface="Cambria Math" panose="02040503050406030204" pitchFamily="18" charset="0"/>
+                                    </a:rPr>
+                                  </m:ctrlPr>
+                                </m:sSubPr>
+                                <m:e>
+                                  <m:r>
+                                    <a:rPr lang="en-US" altLang="ja-JP" b="0" i="1" smtClean="0">
+                                      <a:latin typeface="Cambria Math" panose="02040503050406030204" pitchFamily="18" charset="0"/>
+                                    </a:rPr>
+                                    <m:t>𝑉</m:t>
+                                  </m:r>
+                                </m:e>
+                                <m:sub>
+                                  <m:r>
+                                    <a:rPr lang="en-US" altLang="ja-JP" b="0" i="1" smtClean="0">
+                                      <a:latin typeface="Cambria Math" panose="02040503050406030204" pitchFamily="18" charset="0"/>
+                                    </a:rPr>
+                                    <m:t>𝑜𝑢𝑡</m:t>
+                                  </m:r>
+                                </m:sub>
+                              </m:sSub>
+                              <m:r>
+                                <a:rPr lang="en-US" altLang="ja-JP" b="0" i="1" smtClean="0">
+                                  <a:latin typeface="Cambria Math" panose="02040503050406030204" pitchFamily="18" charset="0"/>
+                                </a:rPr>
+                                <m:t>+</m:t>
+                              </m:r>
+                              <m:sSub>
+                                <m:sSubPr>
+                                  <m:ctrlPr>
+                                    <a:rPr lang="en-US" altLang="ja-JP" b="0" i="1" smtClean="0">
+                                      <a:latin typeface="Cambria Math" panose="02040503050406030204" pitchFamily="18" charset="0"/>
+                                    </a:rPr>
+                                  </m:ctrlPr>
+                                </m:sSubPr>
+                                <m:e>
+                                  <m:r>
+                                    <a:rPr lang="en-US" altLang="ja-JP" b="0" i="1" smtClean="0">
+                                      <a:latin typeface="Cambria Math" panose="02040503050406030204" pitchFamily="18" charset="0"/>
+                                    </a:rPr>
+                                    <m:t>𝑣</m:t>
+                                  </m:r>
+                                </m:e>
+                                <m:sub>
+                                  <m:r>
+                                    <a:rPr lang="en-US" altLang="ja-JP" b="0" i="1" smtClean="0">
+                                      <a:latin typeface="Cambria Math" panose="02040503050406030204" pitchFamily="18" charset="0"/>
+                                    </a:rPr>
+                                    <m:t>𝑜𝑢𝑡</m:t>
+                                  </m:r>
+                                </m:sub>
+                              </m:sSub>
+                            </m:e>
+                          </m:d>
+                        </m:e>
+                      </m:d>
+                      <m:sSub>
+                        <m:sSubPr>
+                          <m:ctrlPr>
+                            <a:rPr lang="en-US" altLang="ja-JP" b="0" i="1" smtClean="0">
+                              <a:latin typeface="Cambria Math" panose="02040503050406030204" pitchFamily="18" charset="0"/>
+                            </a:rPr>
+                          </m:ctrlPr>
+                        </m:sSubPr>
+                        <m:e>
+                          <m:r>
+                            <a:rPr lang="en-US" altLang="ja-JP" b="0" i="1" smtClean="0">
+                              <a:latin typeface="Cambria Math" panose="02040503050406030204" pitchFamily="18" charset="0"/>
+                            </a:rPr>
+                            <m:t>𝑔</m:t>
+                          </m:r>
+                        </m:e>
+                        <m:sub>
+                          <m:r>
+                            <a:rPr lang="en-US" altLang="ja-JP" b="0" i="1" smtClean="0">
+                              <a:latin typeface="Cambria Math" panose="02040503050406030204" pitchFamily="18" charset="0"/>
+                            </a:rPr>
+                            <m:t>𝑈</m:t>
+                          </m:r>
+                        </m:sub>
+                      </m:sSub>
+                      <m:r>
+                        <a:rPr lang="en-US" altLang="ja-JP" b="0" i="1" smtClean="0">
+                          <a:latin typeface="Cambria Math" panose="02040503050406030204" pitchFamily="18" charset="0"/>
+                        </a:rPr>
+                        <m:t>=(</m:t>
+                      </m:r>
+                      <m:sSub>
+                        <m:sSubPr>
+                          <m:ctrlPr>
+                            <a:rPr lang="en-US" altLang="ja-JP" b="0" i="1" smtClean="0">
+                              <a:latin typeface="Cambria Math" panose="02040503050406030204" pitchFamily="18" charset="0"/>
+                            </a:rPr>
+                          </m:ctrlPr>
+                        </m:sSubPr>
+                        <m:e>
+                          <m:r>
+                            <a:rPr lang="en-US" altLang="ja-JP" b="0" i="1" smtClean="0">
+                              <a:latin typeface="Cambria Math" panose="02040503050406030204" pitchFamily="18" charset="0"/>
+                            </a:rPr>
+                            <m:t>𝑔</m:t>
+                          </m:r>
+                        </m:e>
+                        <m:sub>
+                          <m:r>
+                            <a:rPr lang="en-US" altLang="ja-JP" b="0" i="1" smtClean="0">
+                              <a:latin typeface="Cambria Math" panose="02040503050406030204" pitchFamily="18" charset="0"/>
+                            </a:rPr>
+                            <m:t>𝐿</m:t>
+                          </m:r>
+                        </m:sub>
+                      </m:sSub>
+                      <m:r>
+                        <a:rPr lang="en-US" altLang="ja-JP" b="0" i="1" smtClean="0">
+                          <a:latin typeface="Cambria Math" panose="02040503050406030204" pitchFamily="18" charset="0"/>
+                        </a:rPr>
+                        <m:t>+20)(</m:t>
+                      </m:r>
+                      <m:sSub>
+                        <m:sSubPr>
+                          <m:ctrlPr>
+                            <a:rPr lang="en-US" altLang="ja-JP" b="0" i="1" smtClean="0">
+                              <a:latin typeface="Cambria Math" panose="02040503050406030204" pitchFamily="18" charset="0"/>
+                            </a:rPr>
+                          </m:ctrlPr>
+                        </m:sSubPr>
+                        <m:e>
+                          <m:r>
+                            <a:rPr lang="en-US" altLang="ja-JP" b="0" i="1" smtClean="0">
+                              <a:latin typeface="Cambria Math" panose="02040503050406030204" pitchFamily="18" charset="0"/>
+                            </a:rPr>
+                            <m:t>𝑉</m:t>
+                          </m:r>
+                        </m:e>
+                        <m:sub>
+                          <m:r>
+                            <a:rPr lang="en-US" altLang="ja-JP" b="0" i="1" smtClean="0">
+                              <a:latin typeface="Cambria Math" panose="02040503050406030204" pitchFamily="18" charset="0"/>
+                            </a:rPr>
+                            <m:t>𝑜𝑢𝑡</m:t>
+                          </m:r>
+                        </m:sub>
+                      </m:sSub>
+                      <m:r>
+                        <a:rPr lang="en-US" altLang="ja-JP" b="0" i="1" smtClean="0">
+                          <a:latin typeface="Cambria Math" panose="02040503050406030204" pitchFamily="18" charset="0"/>
+                        </a:rPr>
+                        <m:t>+</m:t>
+                      </m:r>
+                      <m:sSub>
+                        <m:sSubPr>
+                          <m:ctrlPr>
+                            <a:rPr lang="en-US" altLang="ja-JP" b="0" i="1" smtClean="0">
+                              <a:latin typeface="Cambria Math" panose="02040503050406030204" pitchFamily="18" charset="0"/>
+                            </a:rPr>
+                          </m:ctrlPr>
+                        </m:sSubPr>
+                        <m:e>
+                          <m:r>
+                            <a:rPr lang="en-US" altLang="ja-JP" b="0" i="1" smtClean="0">
+                              <a:latin typeface="Cambria Math" panose="02040503050406030204" pitchFamily="18" charset="0"/>
+                            </a:rPr>
+                            <m:t>𝑣</m:t>
+                          </m:r>
+                        </m:e>
+                        <m:sub>
+                          <m:r>
+                            <a:rPr lang="en-US" altLang="ja-JP" b="0" i="1" smtClean="0">
+                              <a:latin typeface="Cambria Math" panose="02040503050406030204" pitchFamily="18" charset="0"/>
+                            </a:rPr>
+                            <m:t>𝑜𝑢𝑡</m:t>
+                          </m:r>
+                        </m:sub>
+                      </m:sSub>
+                      <m:r>
+                        <a:rPr lang="en-US" altLang="ja-JP" b="0" i="1" smtClean="0">
+                          <a:latin typeface="Cambria Math" panose="02040503050406030204" pitchFamily="18" charset="0"/>
+                        </a:rPr>
+                        <m:t>)</m:t>
+                      </m:r>
+                    </m:oMath>
+                  </m:oMathPara>
+                </a14:m>
+                <a:endParaRPr lang="en-US" altLang="ja-JP" dirty="0"/>
+              </a:p>
+              <a:p>
+                <a14:m>
+                  <m:oMathPara xmlns:m="http://schemas.openxmlformats.org/officeDocument/2006/math">
+                    <m:oMathParaPr>
+                      <m:jc m:val="centerGroup"/>
+                    </m:oMathParaPr>
+                    <m:oMath xmlns:m="http://schemas.openxmlformats.org/officeDocument/2006/math">
+                      <m:sSub>
+                        <m:sSubPr>
+                          <m:ctrlPr>
+                            <a:rPr lang="en-US" altLang="ja-JP" b="0" i="1" smtClean="0">
+                              <a:latin typeface="Cambria Math" panose="02040503050406030204" pitchFamily="18" charset="0"/>
+                            </a:rPr>
+                          </m:ctrlPr>
+                        </m:sSubPr>
+                        <m:e>
+                          <m:r>
+                            <a:rPr lang="en-US" altLang="ja-JP" b="0" i="1" smtClean="0">
+                              <a:latin typeface="Cambria Math" panose="02040503050406030204" pitchFamily="18" charset="0"/>
+                            </a:rPr>
+                            <m:t>𝑖</m:t>
+                          </m:r>
+                        </m:e>
+                        <m:sub>
+                          <m:r>
+                            <a:rPr lang="en-US" altLang="ja-JP" b="0" i="1" smtClean="0">
+                              <a:latin typeface="Cambria Math" panose="02040503050406030204" pitchFamily="18" charset="0"/>
+                            </a:rPr>
+                            <m:t>𝑚</m:t>
+                          </m:r>
+                        </m:sub>
+                      </m:sSub>
+                      <m:r>
+                        <a:rPr lang="en-US" altLang="ja-JP" b="0" i="1" smtClean="0">
+                          <a:latin typeface="Cambria Math" panose="02040503050406030204" pitchFamily="18" charset="0"/>
+                        </a:rPr>
+                        <m:t>=</m:t>
+                      </m:r>
+                      <m:f>
+                        <m:fPr>
+                          <m:ctrlPr>
+                            <a:rPr lang="en-US" altLang="ja-JP" b="0" i="1" smtClean="0">
+                              <a:latin typeface="Cambria Math" panose="02040503050406030204" pitchFamily="18" charset="0"/>
+                            </a:rPr>
+                          </m:ctrlPr>
+                        </m:fPr>
+                        <m:num>
+                          <m:r>
+                            <a:rPr lang="en-US" altLang="ja-JP" b="0" i="1" smtClean="0">
+                              <a:latin typeface="Cambria Math" panose="02040503050406030204" pitchFamily="18" charset="0"/>
+                            </a:rPr>
+                            <m:t>1</m:t>
+                          </m:r>
+                        </m:num>
+                        <m:den>
+                          <m:r>
+                            <a:rPr lang="en-US" altLang="ja-JP" b="0" i="1" smtClean="0">
+                              <a:latin typeface="Cambria Math" panose="02040503050406030204" pitchFamily="18" charset="0"/>
+                            </a:rPr>
+                            <m:t>2</m:t>
+                          </m:r>
+                        </m:den>
+                      </m:f>
+                      <m:sSub>
+                        <m:sSubPr>
+                          <m:ctrlPr>
+                            <a:rPr lang="en-US" altLang="ja-JP" b="0" i="1" smtClean="0">
+                              <a:latin typeface="Cambria Math" panose="02040503050406030204" pitchFamily="18" charset="0"/>
+                            </a:rPr>
+                          </m:ctrlPr>
+                        </m:sSubPr>
+                        <m:e>
+                          <m:r>
+                            <a:rPr lang="en-US" altLang="ja-JP" b="0" i="1" smtClean="0">
+                              <a:latin typeface="Cambria Math" panose="02040503050406030204" pitchFamily="18" charset="0"/>
+                            </a:rPr>
+                            <m:t>𝑔</m:t>
+                          </m:r>
+                        </m:e>
+                        <m:sub>
+                          <m:r>
+                            <a:rPr lang="en-US" altLang="ja-JP" b="0" i="1" smtClean="0">
+                              <a:latin typeface="Cambria Math" panose="02040503050406030204" pitchFamily="18" charset="0"/>
+                            </a:rPr>
+                            <m:t>𝑚</m:t>
+                          </m:r>
+                        </m:sub>
+                      </m:sSub>
+                      <m:d>
+                        <m:dPr>
+                          <m:begChr m:val="{"/>
+                          <m:endChr m:val="}"/>
+                          <m:ctrlPr>
+                            <a:rPr lang="en-US" altLang="ja-JP" b="0" i="1" smtClean="0">
+                              <a:latin typeface="Cambria Math" panose="02040503050406030204" pitchFamily="18" charset="0"/>
+                            </a:rPr>
+                          </m:ctrlPr>
+                        </m:dPr>
+                        <m:e>
+                          <m:sSub>
+                            <m:sSubPr>
+                              <m:ctrlPr>
+                                <a:rPr lang="en-US" altLang="ja-JP" b="0" i="1" smtClean="0">
+                                  <a:latin typeface="Cambria Math" panose="02040503050406030204" pitchFamily="18" charset="0"/>
+                                </a:rPr>
+                              </m:ctrlPr>
+                            </m:sSubPr>
+                            <m:e>
+                              <m:r>
+                                <a:rPr lang="en-US" altLang="ja-JP" b="0" i="1" smtClean="0">
+                                  <a:latin typeface="Cambria Math" panose="02040503050406030204" pitchFamily="18" charset="0"/>
+                                </a:rPr>
+                                <m:t>𝑉</m:t>
+                              </m:r>
+                            </m:e>
+                            <m:sub>
+                              <m:r>
+                                <a:rPr lang="en-US" altLang="ja-JP" b="0" i="1" smtClean="0">
+                                  <a:latin typeface="Cambria Math" panose="02040503050406030204" pitchFamily="18" charset="0"/>
+                                </a:rPr>
+                                <m:t>𝑖𝑛</m:t>
+                              </m:r>
+                            </m:sub>
+                          </m:sSub>
+                          <m:r>
+                            <a:rPr lang="en-US" altLang="ja-JP" b="0" i="1" smtClean="0">
+                              <a:latin typeface="Cambria Math" panose="02040503050406030204" pitchFamily="18" charset="0"/>
+                            </a:rPr>
+                            <m:t>+</m:t>
+                          </m:r>
+                          <m:sSub>
+                            <m:sSubPr>
+                              <m:ctrlPr>
+                                <a:rPr lang="en-US" altLang="ja-JP" b="0" i="1" smtClean="0">
+                                  <a:latin typeface="Cambria Math" panose="02040503050406030204" pitchFamily="18" charset="0"/>
+                                </a:rPr>
+                              </m:ctrlPr>
+                            </m:sSubPr>
+                            <m:e>
+                              <m:r>
+                                <a:rPr lang="en-US" altLang="ja-JP" b="0" i="1" smtClean="0">
+                                  <a:latin typeface="Cambria Math" panose="02040503050406030204" pitchFamily="18" charset="0"/>
+                                </a:rPr>
+                                <m:t>𝑣</m:t>
+                              </m:r>
+                            </m:e>
+                            <m:sub>
+                              <m:r>
+                                <a:rPr lang="en-US" altLang="ja-JP" b="0" i="1" smtClean="0">
+                                  <a:latin typeface="Cambria Math" panose="02040503050406030204" pitchFamily="18" charset="0"/>
+                                </a:rPr>
+                                <m:t>𝑖𝑛</m:t>
+                              </m:r>
+                            </m:sub>
+                          </m:sSub>
+                          <m:r>
+                            <a:rPr lang="en-US" altLang="ja-JP" b="0" i="1" smtClean="0">
+                              <a:latin typeface="Cambria Math" panose="02040503050406030204" pitchFamily="18" charset="0"/>
+                            </a:rPr>
+                            <m:t>−</m:t>
+                          </m:r>
+                          <m:d>
+                            <m:dPr>
+                              <m:ctrlPr>
+                                <a:rPr lang="en-US" altLang="ja-JP" b="0" i="1" smtClean="0">
+                                  <a:latin typeface="Cambria Math" panose="02040503050406030204" pitchFamily="18" charset="0"/>
+                                </a:rPr>
+                              </m:ctrlPr>
+                            </m:dPr>
+                            <m:e>
+                              <m:sSub>
+                                <m:sSubPr>
+                                  <m:ctrlPr>
+                                    <a:rPr lang="en-US" altLang="ja-JP" b="0" i="1" smtClean="0">
+                                      <a:latin typeface="Cambria Math" panose="02040503050406030204" pitchFamily="18" charset="0"/>
+                                    </a:rPr>
+                                  </m:ctrlPr>
+                                </m:sSubPr>
+                                <m:e>
+                                  <m:r>
+                                    <a:rPr lang="en-US" altLang="ja-JP" b="0" i="1" smtClean="0">
+                                      <a:latin typeface="Cambria Math" panose="02040503050406030204" pitchFamily="18" charset="0"/>
+                                    </a:rPr>
+                                    <m:t>𝑉</m:t>
+                                  </m:r>
+                                </m:e>
+                                <m:sub>
+                                  <m:r>
+                                    <a:rPr lang="en-US" altLang="ja-JP" b="0" i="1" smtClean="0">
+                                      <a:latin typeface="Cambria Math" panose="02040503050406030204" pitchFamily="18" charset="0"/>
+                                    </a:rPr>
+                                    <m:t>𝑜𝑢𝑡</m:t>
+                                  </m:r>
+                                </m:sub>
+                              </m:sSub>
+                              <m:r>
+                                <a:rPr lang="en-US" altLang="ja-JP" b="0" i="1" smtClean="0">
+                                  <a:latin typeface="Cambria Math" panose="02040503050406030204" pitchFamily="18" charset="0"/>
+                                </a:rPr>
+                                <m:t>+</m:t>
+                              </m:r>
+                              <m:sSub>
+                                <m:sSubPr>
+                                  <m:ctrlPr>
+                                    <a:rPr lang="en-US" altLang="ja-JP" b="0" i="1" smtClean="0">
+                                      <a:latin typeface="Cambria Math" panose="02040503050406030204" pitchFamily="18" charset="0"/>
+                                    </a:rPr>
+                                  </m:ctrlPr>
+                                </m:sSubPr>
+                                <m:e>
+                                  <m:r>
+                                    <a:rPr lang="en-US" altLang="ja-JP" b="0" i="1" smtClean="0">
+                                      <a:latin typeface="Cambria Math" panose="02040503050406030204" pitchFamily="18" charset="0"/>
+                                    </a:rPr>
+                                    <m:t>𝑣</m:t>
+                                  </m:r>
+                                </m:e>
+                                <m:sub>
+                                  <m:r>
+                                    <a:rPr lang="en-US" altLang="ja-JP" b="0" i="1" smtClean="0">
+                                      <a:latin typeface="Cambria Math" panose="02040503050406030204" pitchFamily="18" charset="0"/>
+                                    </a:rPr>
+                                    <m:t>𝑜𝑢𝑡</m:t>
+                                  </m:r>
+                                </m:sub>
+                              </m:sSub>
+                            </m:e>
+                          </m:d>
+                          <m:r>
+                            <a:rPr lang="en-US" altLang="ja-JP" b="0" i="1" smtClean="0">
+                              <a:latin typeface="Cambria Math" panose="02040503050406030204" pitchFamily="18" charset="0"/>
+                            </a:rPr>
+                            <m:t>−</m:t>
+                          </m:r>
+                          <m:sSub>
+                            <m:sSubPr>
+                              <m:ctrlPr>
+                                <a:rPr lang="en-US" altLang="ja-JP" b="0" i="1" smtClean="0">
+                                  <a:latin typeface="Cambria Math" panose="02040503050406030204" pitchFamily="18" charset="0"/>
+                                </a:rPr>
+                              </m:ctrlPr>
+                            </m:sSubPr>
+                            <m:e>
+                              <m:r>
+                                <a:rPr lang="en-US" altLang="ja-JP" b="0" i="1" smtClean="0">
+                                  <a:latin typeface="Cambria Math" panose="02040503050406030204" pitchFamily="18" charset="0"/>
+                                </a:rPr>
+                                <m:t>𝑉</m:t>
+                              </m:r>
+                            </m:e>
+                            <m:sub>
+                              <m:r>
+                                <a:rPr lang="en-US" altLang="ja-JP" b="0" i="1" smtClean="0">
+                                  <a:latin typeface="Cambria Math" panose="02040503050406030204" pitchFamily="18" charset="0"/>
+                                </a:rPr>
+                                <m:t>𝑡h</m:t>
+                              </m:r>
+                            </m:sub>
+                          </m:sSub>
+                        </m:e>
+                      </m:d>
+                    </m:oMath>
+                  </m:oMathPara>
+                </a14:m>
+                <a:endParaRPr lang="en-US" altLang="ja-JP" dirty="0"/>
+              </a:p>
+              <a:p>
+                <a:endParaRPr lang="en-US" altLang="ja-JP" dirty="0"/>
+              </a:p>
+              <a:p>
+                <a:r>
+                  <a:rPr kumimoji="1" lang="ja-JP" altLang="en-US" dirty="0"/>
+                  <a:t>マッチングが取れている場合</a:t>
+                </a:r>
+                <a14:m>
+                  <m:oMath xmlns:m="http://schemas.openxmlformats.org/officeDocument/2006/math">
+                    <m:sSub>
+                      <m:sSubPr>
+                        <m:ctrlPr>
+                          <a:rPr kumimoji="1" lang="en-US" altLang="ja-JP" b="0" i="1" smtClean="0">
+                            <a:latin typeface="Cambria Math" panose="02040503050406030204" pitchFamily="18" charset="0"/>
+                          </a:rPr>
+                        </m:ctrlPr>
+                      </m:sSubPr>
+                      <m:e>
+                        <m:r>
+                          <a:rPr kumimoji="1" lang="en-US" altLang="ja-JP" b="0" i="1" smtClean="0">
+                            <a:latin typeface="Cambria Math" panose="02040503050406030204" pitchFamily="18" charset="0"/>
+                          </a:rPr>
+                          <m:t>𝑣</m:t>
+                        </m:r>
+                      </m:e>
+                      <m:sub>
+                        <m:r>
+                          <a:rPr kumimoji="1" lang="en-US" altLang="ja-JP" b="0" i="1" smtClean="0">
+                            <a:latin typeface="Cambria Math" panose="02040503050406030204" pitchFamily="18" charset="0"/>
+                          </a:rPr>
+                          <m:t>𝑖𝑛</m:t>
+                        </m:r>
+                      </m:sub>
+                    </m:sSub>
+                    <m:r>
+                      <a:rPr kumimoji="1" lang="en-US" altLang="ja-JP" b="0" i="1" smtClean="0">
+                        <a:latin typeface="Cambria Math" panose="02040503050406030204" pitchFamily="18" charset="0"/>
+                      </a:rPr>
+                      <m:t>=2</m:t>
+                    </m:r>
+                    <m:sSub>
+                      <m:sSubPr>
+                        <m:ctrlPr>
+                          <a:rPr kumimoji="1" lang="en-US" altLang="ja-JP" b="0" i="1" smtClean="0">
+                            <a:latin typeface="Cambria Math" panose="02040503050406030204" pitchFamily="18" charset="0"/>
+                          </a:rPr>
+                        </m:ctrlPr>
+                      </m:sSubPr>
+                      <m:e>
+                        <m:r>
+                          <a:rPr kumimoji="1" lang="en-US" altLang="ja-JP" b="0" i="1" smtClean="0">
+                            <a:latin typeface="Cambria Math" panose="02040503050406030204" pitchFamily="18" charset="0"/>
+                          </a:rPr>
+                          <m:t>𝑣</m:t>
+                        </m:r>
+                      </m:e>
+                      <m:sub>
+                        <m:r>
+                          <a:rPr kumimoji="1" lang="en-US" altLang="ja-JP" b="0" i="1" smtClean="0">
+                            <a:latin typeface="Cambria Math" panose="02040503050406030204" pitchFamily="18" charset="0"/>
+                          </a:rPr>
+                          <m:t>𝑜𝑢𝑡</m:t>
+                        </m:r>
+                      </m:sub>
+                    </m:sSub>
+                  </m:oMath>
+                </a14:m>
+                <a:r>
+                  <a:rPr kumimoji="1" lang="ja-JP" altLang="en-US" dirty="0"/>
+                  <a:t>になる</a:t>
+                </a:r>
+                <a:r>
+                  <a:rPr lang="ja-JP" altLang="en-US" dirty="0"/>
+                  <a:t>ので</a:t>
+                </a:r>
+                <a:endParaRPr lang="en-US" altLang="ja-JP" dirty="0"/>
+              </a:p>
+              <a:p>
+                <a:endParaRPr kumimoji="1" lang="en-US" altLang="ja-JP" dirty="0"/>
+              </a:p>
+              <a:p>
+                <a14:m>
+                  <m:oMathPara xmlns:m="http://schemas.openxmlformats.org/officeDocument/2006/math">
+                    <m:oMathParaPr>
+                      <m:jc m:val="centerGroup"/>
+                    </m:oMathParaPr>
+                    <m:oMath xmlns:m="http://schemas.openxmlformats.org/officeDocument/2006/math">
+                      <m:sSub>
+                        <m:sSubPr>
+                          <m:ctrlPr>
+                            <a:rPr kumimoji="1" lang="en-US" altLang="ja-JP" b="0" i="1" smtClean="0">
+                              <a:latin typeface="Cambria Math" panose="02040503050406030204" pitchFamily="18" charset="0"/>
+                            </a:rPr>
+                          </m:ctrlPr>
+                        </m:sSubPr>
+                        <m:e>
+                          <m:r>
+                            <a:rPr kumimoji="1" lang="en-US" altLang="ja-JP" b="0" i="1" smtClean="0">
+                              <a:latin typeface="Cambria Math" panose="02040503050406030204" pitchFamily="18" charset="0"/>
+                            </a:rPr>
+                            <m:t>𝑖</m:t>
+                          </m:r>
+                        </m:e>
+                        <m:sub>
+                          <m:r>
+                            <a:rPr kumimoji="1" lang="en-US" altLang="ja-JP" b="0" i="1" smtClean="0">
+                              <a:latin typeface="Cambria Math" panose="02040503050406030204" pitchFamily="18" charset="0"/>
+                            </a:rPr>
+                            <m:t>𝑚</m:t>
+                          </m:r>
+                        </m:sub>
+                      </m:sSub>
+                      <m:r>
+                        <a:rPr kumimoji="1" lang="en-US" altLang="ja-JP" b="0" i="1" smtClean="0">
+                          <a:latin typeface="Cambria Math" panose="02040503050406030204" pitchFamily="18" charset="0"/>
+                        </a:rPr>
+                        <m:t>=</m:t>
+                      </m:r>
+                      <m:f>
+                        <m:fPr>
+                          <m:ctrlPr>
+                            <a:rPr kumimoji="1" lang="en-US" altLang="ja-JP" b="0" i="1" smtClean="0">
+                              <a:latin typeface="Cambria Math" panose="02040503050406030204" pitchFamily="18" charset="0"/>
+                            </a:rPr>
+                          </m:ctrlPr>
+                        </m:fPr>
+                        <m:num>
+                          <m:r>
+                            <a:rPr kumimoji="1" lang="en-US" altLang="ja-JP" b="0" i="1" smtClean="0">
+                              <a:latin typeface="Cambria Math" panose="02040503050406030204" pitchFamily="18" charset="0"/>
+                            </a:rPr>
+                            <m:t>1</m:t>
+                          </m:r>
+                        </m:num>
+                        <m:den>
+                          <m:r>
+                            <a:rPr kumimoji="1" lang="en-US" altLang="ja-JP" b="0" i="1" smtClean="0">
+                              <a:latin typeface="Cambria Math" panose="02040503050406030204" pitchFamily="18" charset="0"/>
+                            </a:rPr>
+                            <m:t>2</m:t>
+                          </m:r>
+                        </m:den>
+                      </m:f>
+                      <m:sSub>
+                        <m:sSubPr>
+                          <m:ctrlPr>
+                            <a:rPr kumimoji="1" lang="en-US" altLang="ja-JP" b="0" i="1" smtClean="0">
+                              <a:latin typeface="Cambria Math" panose="02040503050406030204" pitchFamily="18" charset="0"/>
+                            </a:rPr>
+                          </m:ctrlPr>
+                        </m:sSubPr>
+                        <m:e>
+                          <m:r>
+                            <a:rPr kumimoji="1" lang="en-US" altLang="ja-JP" b="0" i="1" smtClean="0">
+                              <a:latin typeface="Cambria Math" panose="02040503050406030204" pitchFamily="18" charset="0"/>
+                            </a:rPr>
+                            <m:t>𝑔</m:t>
+                          </m:r>
+                        </m:e>
+                        <m:sub>
+                          <m:r>
+                            <a:rPr kumimoji="1" lang="en-US" altLang="ja-JP" b="0" i="1" smtClean="0">
+                              <a:latin typeface="Cambria Math" panose="02040503050406030204" pitchFamily="18" charset="0"/>
+                            </a:rPr>
+                            <m:t>𝑚</m:t>
+                          </m:r>
+                        </m:sub>
+                      </m:sSub>
+                      <m:d>
+                        <m:dPr>
+                          <m:ctrlPr>
+                            <a:rPr kumimoji="1" lang="en-US" altLang="ja-JP" b="0" i="1" smtClean="0">
+                              <a:latin typeface="Cambria Math" panose="02040503050406030204" pitchFamily="18" charset="0"/>
+                            </a:rPr>
+                          </m:ctrlPr>
+                        </m:dPr>
+                        <m:e>
+                          <m:sSub>
+                            <m:sSubPr>
+                              <m:ctrlPr>
+                                <a:rPr kumimoji="1" lang="en-US" altLang="ja-JP" b="0" i="1" smtClean="0">
+                                  <a:latin typeface="Cambria Math" panose="02040503050406030204" pitchFamily="18" charset="0"/>
+                                </a:rPr>
+                              </m:ctrlPr>
+                            </m:sSubPr>
+                            <m:e>
+                              <m:r>
+                                <a:rPr kumimoji="1" lang="en-US" altLang="ja-JP" b="0" i="1" smtClean="0">
+                                  <a:latin typeface="Cambria Math" panose="02040503050406030204" pitchFamily="18" charset="0"/>
+                                </a:rPr>
+                                <m:t>𝑉</m:t>
+                              </m:r>
+                            </m:e>
+                            <m:sub>
+                              <m:r>
+                                <a:rPr kumimoji="1" lang="en-US" altLang="ja-JP" b="0" i="1" smtClean="0">
+                                  <a:latin typeface="Cambria Math" panose="02040503050406030204" pitchFamily="18" charset="0"/>
+                                </a:rPr>
+                                <m:t>𝑖𝑛</m:t>
+                              </m:r>
+                            </m:sub>
+                          </m:sSub>
+                          <m:r>
+                            <a:rPr kumimoji="1" lang="en-US" altLang="ja-JP" b="0" i="1" smtClean="0">
+                              <a:latin typeface="Cambria Math" panose="02040503050406030204" pitchFamily="18" charset="0"/>
+                            </a:rPr>
+                            <m:t>−</m:t>
+                          </m:r>
+                          <m:sSub>
+                            <m:sSubPr>
+                              <m:ctrlPr>
+                                <a:rPr kumimoji="1" lang="en-US" altLang="ja-JP" b="0" i="1" smtClean="0">
+                                  <a:latin typeface="Cambria Math" panose="02040503050406030204" pitchFamily="18" charset="0"/>
+                                </a:rPr>
+                              </m:ctrlPr>
+                            </m:sSubPr>
+                            <m:e>
+                              <m:r>
+                                <a:rPr kumimoji="1" lang="en-US" altLang="ja-JP" b="0" i="1" smtClean="0">
+                                  <a:latin typeface="Cambria Math" panose="02040503050406030204" pitchFamily="18" charset="0"/>
+                                </a:rPr>
+                                <m:t>𝑉</m:t>
+                              </m:r>
+                            </m:e>
+                            <m:sub>
+                              <m:r>
+                                <a:rPr kumimoji="1" lang="en-US" altLang="ja-JP" b="0" i="1" smtClean="0">
+                                  <a:latin typeface="Cambria Math" panose="02040503050406030204" pitchFamily="18" charset="0"/>
+                                </a:rPr>
+                                <m:t>𝑜𝑢𝑡</m:t>
+                              </m:r>
+                            </m:sub>
+                          </m:sSub>
+                          <m:r>
+                            <a:rPr kumimoji="1" lang="en-US" altLang="ja-JP" b="0" i="1" smtClean="0">
+                              <a:latin typeface="Cambria Math" panose="02040503050406030204" pitchFamily="18" charset="0"/>
+                            </a:rPr>
+                            <m:t>+</m:t>
+                          </m:r>
+                          <m:f>
+                            <m:fPr>
+                              <m:ctrlPr>
+                                <a:rPr kumimoji="1" lang="en-US" altLang="ja-JP" b="0" i="1" smtClean="0">
+                                  <a:latin typeface="Cambria Math" panose="02040503050406030204" pitchFamily="18" charset="0"/>
+                                </a:rPr>
+                              </m:ctrlPr>
+                            </m:fPr>
+                            <m:num>
+                              <m:r>
+                                <a:rPr kumimoji="1" lang="en-US" altLang="ja-JP" b="0" i="1" smtClean="0">
+                                  <a:latin typeface="Cambria Math" panose="02040503050406030204" pitchFamily="18" charset="0"/>
+                                </a:rPr>
+                                <m:t>1</m:t>
+                              </m:r>
+                            </m:num>
+                            <m:den>
+                              <m:r>
+                                <a:rPr kumimoji="1" lang="en-US" altLang="ja-JP" b="0" i="1" smtClean="0">
+                                  <a:latin typeface="Cambria Math" panose="02040503050406030204" pitchFamily="18" charset="0"/>
+                                </a:rPr>
+                                <m:t>2</m:t>
+                              </m:r>
+                            </m:den>
+                          </m:f>
+                          <m:sSub>
+                            <m:sSubPr>
+                              <m:ctrlPr>
+                                <a:rPr kumimoji="1" lang="en-US" altLang="ja-JP" b="0" i="1" smtClean="0">
+                                  <a:latin typeface="Cambria Math" panose="02040503050406030204" pitchFamily="18" charset="0"/>
+                                </a:rPr>
+                              </m:ctrlPr>
+                            </m:sSubPr>
+                            <m:e>
+                              <m:r>
+                                <a:rPr kumimoji="1" lang="en-US" altLang="ja-JP" b="0" i="1" smtClean="0">
+                                  <a:latin typeface="Cambria Math" panose="02040503050406030204" pitchFamily="18" charset="0"/>
+                                </a:rPr>
+                                <m:t>𝑣</m:t>
+                              </m:r>
+                            </m:e>
+                            <m:sub>
+                              <m:r>
+                                <a:rPr kumimoji="1" lang="en-US" altLang="ja-JP" b="0" i="1" smtClean="0">
+                                  <a:latin typeface="Cambria Math" panose="02040503050406030204" pitchFamily="18" charset="0"/>
+                                </a:rPr>
+                                <m:t>𝑖𝑛</m:t>
+                              </m:r>
+                            </m:sub>
+                          </m:sSub>
+                          <m:r>
+                            <a:rPr kumimoji="1" lang="en-US" altLang="ja-JP" b="0" i="1" smtClean="0">
+                              <a:latin typeface="Cambria Math" panose="02040503050406030204" pitchFamily="18" charset="0"/>
+                            </a:rPr>
+                            <m:t>−</m:t>
+                          </m:r>
+                          <m:sSub>
+                            <m:sSubPr>
+                              <m:ctrlPr>
+                                <a:rPr kumimoji="1" lang="en-US" altLang="ja-JP" b="0" i="1" smtClean="0">
+                                  <a:latin typeface="Cambria Math" panose="02040503050406030204" pitchFamily="18" charset="0"/>
+                                </a:rPr>
+                              </m:ctrlPr>
+                            </m:sSubPr>
+                            <m:e>
+                              <m:r>
+                                <a:rPr kumimoji="1" lang="en-US" altLang="ja-JP" b="0" i="1" smtClean="0">
+                                  <a:latin typeface="Cambria Math" panose="02040503050406030204" pitchFamily="18" charset="0"/>
+                                </a:rPr>
+                                <m:t>𝑉</m:t>
+                              </m:r>
+                            </m:e>
+                            <m:sub>
+                              <m:r>
+                                <a:rPr kumimoji="1" lang="en-US" altLang="ja-JP" b="0" i="1" smtClean="0">
+                                  <a:latin typeface="Cambria Math" panose="02040503050406030204" pitchFamily="18" charset="0"/>
+                                </a:rPr>
+                                <m:t>𝑡h</m:t>
+                              </m:r>
+                            </m:sub>
+                          </m:sSub>
+                        </m:e>
+                      </m:d>
+                    </m:oMath>
+                  </m:oMathPara>
+                </a14:m>
+                <a:endParaRPr kumimoji="1" lang="en-US" altLang="ja-JP" dirty="0"/>
+              </a:p>
+              <a:p>
+                <a:r>
+                  <a:rPr kumimoji="1" lang="ja-JP" altLang="en-US" dirty="0"/>
+                  <a:t>である。</a:t>
+                </a:r>
+                <a:endParaRPr kumimoji="1" lang="en-US" altLang="ja-JP" dirty="0"/>
+              </a:p>
+              <a:p>
+                <a:endParaRPr kumimoji="1" lang="ja-JP" altLang="en-US" dirty="0"/>
+              </a:p>
+            </p:txBody>
+          </p:sp>
+        </mc:Choice>
+        <mc:Fallback>
+          <p:sp>
+            <p:nvSpPr>
+              <p:cNvPr id="5" name="テキスト ボックス 4">
+                <a:extLst>
+                  <a:ext uri="{FF2B5EF4-FFF2-40B4-BE49-F238E27FC236}">
+                    <a16:creationId xmlns:a16="http://schemas.microsoft.com/office/drawing/2014/main" id="{1D691765-4C8A-2311-E940-C7BEA3300B16}"/>
+                  </a:ext>
+                </a:extLst>
+              </p:cNvPr>
+              <p:cNvSpPr txBox="1">
+                <a:spLocks noRot="1" noChangeAspect="1" noMove="1" noResize="1" noEditPoints="1" noAdjustHandles="1" noChangeArrowheads="1" noChangeShapeType="1" noTextEdit="1"/>
+              </p:cNvSpPr>
+              <p:nvPr/>
+            </p:nvSpPr>
+            <p:spPr>
+              <a:xfrm>
+                <a:off x="838200" y="1939637"/>
+                <a:ext cx="6227618" cy="5111271"/>
+              </a:xfrm>
+              <a:prstGeom prst="rect">
+                <a:avLst/>
+              </a:prstGeom>
+              <a:blipFill>
+                <a:blip r:embed="rId2"/>
+                <a:stretch>
+                  <a:fillRect l="-881" t="-477" r="-392"/>
+                </a:stretch>
+              </a:blipFill>
+            </p:spPr>
+            <p:txBody>
+              <a:bodyPr/>
+              <a:lstStyle/>
+              <a:p>
+                <a:r>
+                  <a:rPr lang="ja-JP" altLang="en-US">
+                    <a:noFill/>
+                  </a:rPr>
+                  <a:t> </a:t>
+                </a:r>
+              </a:p>
+            </p:txBody>
+          </p:sp>
+        </mc:Fallback>
+      </mc:AlternateContent>
+      <p:pic>
+        <p:nvPicPr>
+          <p:cNvPr id="7" name="図 6" descr="ロゴ が含まれている画像&#10;&#10;自動的に生成された説明">
+            <a:extLst>
+              <a:ext uri="{FF2B5EF4-FFF2-40B4-BE49-F238E27FC236}">
+                <a16:creationId xmlns:a16="http://schemas.microsoft.com/office/drawing/2014/main" id="{B3B16A68-814A-9DCA-F98C-4E6AE71AB973}"/>
+              </a:ext>
+            </a:extLst>
+          </p:cNvPr>
+          <p:cNvPicPr>
+            <a:picLocks noChangeAspect="1"/>
+          </p:cNvPicPr>
+          <p:nvPr/>
+        </p:nvPicPr>
+        <p:blipFill>
+          <a:blip r:embed="rId3">
+            <a:extLst>
+              <a:ext uri="{28A0092B-C50C-407E-A947-70E740481C1C}">
+                <a14:useLocalDpi xmlns:a14="http://schemas.microsoft.com/office/drawing/2010/main" val="0"/>
+              </a:ext>
+            </a:extLst>
+          </a:blip>
+          <a:stretch>
+            <a:fillRect/>
+          </a:stretch>
+        </p:blipFill>
+        <p:spPr>
+          <a:xfrm>
+            <a:off x="6943893" y="3042964"/>
+            <a:ext cx="5120650" cy="3118110"/>
+          </a:xfrm>
+          <a:prstGeom prst="rect">
+            <a:avLst/>
+          </a:prstGeom>
+        </p:spPr>
+      </p:pic>
     </p:spTree>
     <p:extLst>
       <p:ext uri="{BB962C8B-B14F-4D97-AF65-F5344CB8AC3E}">
         <p14:creationId xmlns:p14="http://schemas.microsoft.com/office/powerpoint/2010/main" val="2729376677"/>
+      </p:ext>
+    </p:extLst>
+  </p:cSld>
+  <p:clrMapOvr>
+    <a:masterClrMapping/>
+  </p:clrMapOvr>
+</p:sld>
+</file>
+
+<file path=ppt/slides/slide6.xml><?xml version="1.0" encoding="utf-8"?>
+<p:sld xmlns:a="http://schemas.openxmlformats.org/drawingml/2006/main" xmlns:r="http://schemas.openxmlformats.org/officeDocument/2006/relationships" xmlns:p="http://schemas.openxmlformats.org/presentationml/2006/main">
+  <p:cSld>
+    <p:spTree>
+      <p:nvGrpSpPr>
+        <p:cNvPr id="1" name=""/>
+        <p:cNvGrpSpPr/>
+        <p:nvPr/>
+      </p:nvGrpSpPr>
+      <p:grpSpPr>
+        <a:xfrm>
+          <a:off x="0" y="0"/>
+          <a:ext cx="0" cy="0"/>
+          <a:chOff x="0" y="0"/>
+          <a:chExt cx="0" cy="0"/>
+        </a:xfrm>
+      </p:grpSpPr>
+      <p:sp>
+        <p:nvSpPr>
+          <p:cNvPr id="2" name="タイトル 1">
+            <a:extLst>
+              <a:ext uri="{FF2B5EF4-FFF2-40B4-BE49-F238E27FC236}">
+                <a16:creationId xmlns:a16="http://schemas.microsoft.com/office/drawing/2014/main" id="{DA0B0DBE-F291-FE92-BF6F-B0029D074C6C}"/>
+              </a:ext>
+            </a:extLst>
+          </p:cNvPr>
+          <p:cNvSpPr>
+            <a:spLocks noGrp="1"/>
+          </p:cNvSpPr>
+          <p:nvPr>
+            <p:ph type="title"/>
+          </p:nvPr>
+        </p:nvSpPr>
+        <p:spPr/>
+        <p:txBody>
+          <a:bodyPr/>
+          <a:lstStyle/>
+          <a:p>
+            <a:r>
+              <a:rPr kumimoji="1" lang="ja-JP" altLang="en-US" dirty="0"/>
+              <a:t>考案するバッファ回路</a:t>
+            </a:r>
+          </a:p>
+        </p:txBody>
+      </p:sp>
+      <mc:AlternateContent xmlns:mc="http://schemas.openxmlformats.org/markup-compatibility/2006">
+        <mc:Choice xmlns:a14="http://schemas.microsoft.com/office/drawing/2010/main" Requires="a14">
+          <p:sp>
+            <p:nvSpPr>
+              <p:cNvPr id="5" name="テキスト ボックス 4">
+                <a:extLst>
+                  <a:ext uri="{FF2B5EF4-FFF2-40B4-BE49-F238E27FC236}">
+                    <a16:creationId xmlns:a16="http://schemas.microsoft.com/office/drawing/2014/main" id="{1D691765-4C8A-2311-E940-C7BEA3300B16}"/>
+                  </a:ext>
+                </a:extLst>
+              </p:cNvPr>
+              <p:cNvSpPr txBox="1"/>
+              <p:nvPr/>
+            </p:nvSpPr>
+            <p:spPr>
+              <a:xfrm>
+                <a:off x="716275" y="1625601"/>
+                <a:ext cx="6227618" cy="3207673"/>
+              </a:xfrm>
+              <a:prstGeom prst="rect">
+                <a:avLst/>
+              </a:prstGeom>
+              <a:noFill/>
+            </p:spPr>
+            <p:txBody>
+              <a:bodyPr wrap="square" rtlCol="0">
+                <a:spAutoFit/>
+              </a:bodyPr>
+              <a:lstStyle/>
+              <a:p>
+                <a14:m>
+                  <m:oMathPara xmlns:m="http://schemas.openxmlformats.org/officeDocument/2006/math">
+                    <m:oMathParaPr>
+                      <m:jc m:val="centerGroup"/>
+                    </m:oMathParaPr>
+                    <m:oMath xmlns:m="http://schemas.openxmlformats.org/officeDocument/2006/math">
+                      <m:sSub>
+                        <m:sSubPr>
+                          <m:ctrlPr>
+                            <a:rPr lang="en-US" altLang="ja-JP" b="0" i="1" smtClean="0">
+                              <a:latin typeface="Cambria Math" panose="02040503050406030204" pitchFamily="18" charset="0"/>
+                            </a:rPr>
+                          </m:ctrlPr>
+                        </m:sSubPr>
+                        <m:e>
+                          <m:r>
+                            <a:rPr lang="en-US" altLang="ja-JP" b="0" i="1" smtClean="0">
+                              <a:latin typeface="Cambria Math" panose="02040503050406030204" pitchFamily="18" charset="0"/>
+                            </a:rPr>
+                            <m:t>𝑔</m:t>
+                          </m:r>
+                        </m:e>
+                        <m:sub>
+                          <m:r>
+                            <a:rPr lang="en-US" altLang="ja-JP" b="0" i="1" smtClean="0">
+                              <a:latin typeface="Cambria Math" panose="02040503050406030204" pitchFamily="18" charset="0"/>
+                            </a:rPr>
+                            <m:t>𝑚</m:t>
+                          </m:r>
+                        </m:sub>
+                      </m:sSub>
+                      <m:r>
+                        <a:rPr lang="en-US" altLang="ja-JP" b="0" i="1" smtClean="0">
+                          <a:latin typeface="Cambria Math" panose="02040503050406030204" pitchFamily="18" charset="0"/>
+                        </a:rPr>
+                        <m:t>+</m:t>
+                      </m:r>
+                      <m:sSub>
+                        <m:sSubPr>
+                          <m:ctrlPr>
+                            <a:rPr lang="en-US" altLang="ja-JP" b="0" i="1" smtClean="0">
+                              <a:latin typeface="Cambria Math" panose="02040503050406030204" pitchFamily="18" charset="0"/>
+                            </a:rPr>
+                          </m:ctrlPr>
+                        </m:sSubPr>
+                        <m:e>
+                          <m:r>
+                            <a:rPr lang="en-US" altLang="ja-JP" b="0" i="1" smtClean="0">
+                              <a:latin typeface="Cambria Math" panose="02040503050406030204" pitchFamily="18" charset="0"/>
+                            </a:rPr>
+                            <m:t>𝑔</m:t>
+                          </m:r>
+                        </m:e>
+                        <m:sub>
+                          <m:r>
+                            <a:rPr lang="en-US" altLang="ja-JP" b="0" i="1" smtClean="0">
+                              <a:latin typeface="Cambria Math" panose="02040503050406030204" pitchFamily="18" charset="0"/>
+                            </a:rPr>
+                            <m:t>𝑈</m:t>
+                          </m:r>
+                        </m:sub>
+                      </m:sSub>
+                      <m:r>
+                        <a:rPr lang="en-US" altLang="ja-JP" b="0" i="1" smtClean="0">
+                          <a:latin typeface="Cambria Math" panose="02040503050406030204" pitchFamily="18" charset="0"/>
+                        </a:rPr>
+                        <m:t>+</m:t>
+                      </m:r>
+                      <m:sSub>
+                        <m:sSubPr>
+                          <m:ctrlPr>
+                            <a:rPr lang="en-US" altLang="ja-JP" b="0" i="1" smtClean="0">
+                              <a:latin typeface="Cambria Math" panose="02040503050406030204" pitchFamily="18" charset="0"/>
+                            </a:rPr>
+                          </m:ctrlPr>
+                        </m:sSubPr>
+                        <m:e>
+                          <m:r>
+                            <a:rPr lang="en-US" altLang="ja-JP" b="0" i="1" smtClean="0">
+                              <a:latin typeface="Cambria Math" panose="02040503050406030204" pitchFamily="18" charset="0"/>
+                            </a:rPr>
+                            <m:t>𝑔</m:t>
+                          </m:r>
+                        </m:e>
+                        <m:sub>
+                          <m:r>
+                            <a:rPr lang="en-US" altLang="ja-JP" b="0" i="1" smtClean="0">
+                              <a:latin typeface="Cambria Math" panose="02040503050406030204" pitchFamily="18" charset="0"/>
+                            </a:rPr>
+                            <m:t>𝐿</m:t>
+                          </m:r>
+                        </m:sub>
+                      </m:sSub>
+                      <m:r>
+                        <a:rPr lang="en-US" altLang="ja-JP" b="0" i="1" smtClean="0">
+                          <a:latin typeface="Cambria Math" panose="02040503050406030204" pitchFamily="18" charset="0"/>
+                        </a:rPr>
+                        <m:t>=20 </m:t>
+                      </m:r>
+                      <m:r>
+                        <a:rPr lang="en-US" altLang="ja-JP" b="0" i="1" smtClean="0">
+                          <a:latin typeface="Cambria Math" panose="02040503050406030204" pitchFamily="18" charset="0"/>
+                        </a:rPr>
+                        <m:t>𝑚𝑆</m:t>
+                      </m:r>
+                    </m:oMath>
+                  </m:oMathPara>
+                </a14:m>
+                <a:endParaRPr lang="en-US" altLang="ja-JP" b="0" dirty="0"/>
+              </a:p>
+              <a:p>
+                <a14:m>
+                  <m:oMathPara xmlns:m="http://schemas.openxmlformats.org/officeDocument/2006/math">
+                    <m:oMathParaPr>
+                      <m:jc m:val="centerGroup"/>
+                    </m:oMathParaPr>
+                    <m:oMath xmlns:m="http://schemas.openxmlformats.org/officeDocument/2006/math">
+                      <m:sSub>
+                        <m:sSubPr>
+                          <m:ctrlPr>
+                            <a:rPr lang="en-US" altLang="ja-JP" b="0" i="1" smtClean="0">
+                              <a:latin typeface="Cambria Math" panose="02040503050406030204" pitchFamily="18" charset="0"/>
+                            </a:rPr>
+                          </m:ctrlPr>
+                        </m:sSubPr>
+                        <m:e>
+                          <m:r>
+                            <a:rPr lang="en-US" altLang="ja-JP" b="0" i="1" smtClean="0">
+                              <a:latin typeface="Cambria Math" panose="02040503050406030204" pitchFamily="18" charset="0"/>
+                            </a:rPr>
+                            <m:t>𝑖</m:t>
+                          </m:r>
+                        </m:e>
+                        <m:sub>
+                          <m:r>
+                            <a:rPr lang="en-US" altLang="ja-JP" b="0" i="1" smtClean="0">
+                              <a:latin typeface="Cambria Math" panose="02040503050406030204" pitchFamily="18" charset="0"/>
+                            </a:rPr>
+                            <m:t>𝑚</m:t>
+                          </m:r>
+                        </m:sub>
+                      </m:sSub>
+                      <m:r>
+                        <a:rPr lang="en-US" altLang="ja-JP" b="0" i="1" smtClean="0">
+                          <a:latin typeface="Cambria Math" panose="02040503050406030204" pitchFamily="18" charset="0"/>
+                        </a:rPr>
+                        <m:t>+</m:t>
+                      </m:r>
+                      <m:d>
+                        <m:dPr>
+                          <m:begChr m:val="{"/>
+                          <m:endChr m:val="}"/>
+                          <m:ctrlPr>
+                            <a:rPr lang="en-US" altLang="ja-JP" b="0" i="1" smtClean="0">
+                              <a:latin typeface="Cambria Math" panose="02040503050406030204" pitchFamily="18" charset="0"/>
+                            </a:rPr>
+                          </m:ctrlPr>
+                        </m:dPr>
+                        <m:e>
+                          <m:sSub>
+                            <m:sSubPr>
+                              <m:ctrlPr>
+                                <a:rPr lang="en-US" altLang="ja-JP" b="0" i="1" smtClean="0">
+                                  <a:latin typeface="Cambria Math" panose="02040503050406030204" pitchFamily="18" charset="0"/>
+                                </a:rPr>
+                              </m:ctrlPr>
+                            </m:sSubPr>
+                            <m:e>
+                              <m:r>
+                                <a:rPr lang="en-US" altLang="ja-JP" b="0" i="1" smtClean="0">
+                                  <a:latin typeface="Cambria Math" panose="02040503050406030204" pitchFamily="18" charset="0"/>
+                                </a:rPr>
+                                <m:t>𝑉</m:t>
+                              </m:r>
+                            </m:e>
+                            <m:sub>
+                              <m:r>
+                                <a:rPr lang="en-US" altLang="ja-JP" b="0" i="1" smtClean="0">
+                                  <a:latin typeface="Cambria Math" panose="02040503050406030204" pitchFamily="18" charset="0"/>
+                                </a:rPr>
+                                <m:t>𝑑𝑑</m:t>
+                              </m:r>
+                            </m:sub>
+                          </m:sSub>
+                          <m:r>
+                            <a:rPr lang="en-US" altLang="ja-JP" b="0" i="1" smtClean="0">
+                              <a:latin typeface="Cambria Math" panose="02040503050406030204" pitchFamily="18" charset="0"/>
+                            </a:rPr>
+                            <m:t>−</m:t>
+                          </m:r>
+                          <m:d>
+                            <m:dPr>
+                              <m:ctrlPr>
+                                <a:rPr lang="en-US" altLang="ja-JP" b="0" i="1" smtClean="0">
+                                  <a:latin typeface="Cambria Math" panose="02040503050406030204" pitchFamily="18" charset="0"/>
+                                </a:rPr>
+                              </m:ctrlPr>
+                            </m:dPr>
+                            <m:e>
+                              <m:sSub>
+                                <m:sSubPr>
+                                  <m:ctrlPr>
+                                    <a:rPr lang="en-US" altLang="ja-JP" b="0" i="1" smtClean="0">
+                                      <a:latin typeface="Cambria Math" panose="02040503050406030204" pitchFamily="18" charset="0"/>
+                                    </a:rPr>
+                                  </m:ctrlPr>
+                                </m:sSubPr>
+                                <m:e>
+                                  <m:r>
+                                    <a:rPr lang="en-US" altLang="ja-JP" b="0" i="1" smtClean="0">
+                                      <a:latin typeface="Cambria Math" panose="02040503050406030204" pitchFamily="18" charset="0"/>
+                                    </a:rPr>
+                                    <m:t>𝑉</m:t>
+                                  </m:r>
+                                </m:e>
+                                <m:sub>
+                                  <m:r>
+                                    <a:rPr lang="en-US" altLang="ja-JP" b="0" i="1" smtClean="0">
+                                      <a:latin typeface="Cambria Math" panose="02040503050406030204" pitchFamily="18" charset="0"/>
+                                    </a:rPr>
+                                    <m:t>𝑜𝑢𝑡</m:t>
+                                  </m:r>
+                                </m:sub>
+                              </m:sSub>
+                              <m:r>
+                                <a:rPr lang="en-US" altLang="ja-JP" b="0" i="1" smtClean="0">
+                                  <a:latin typeface="Cambria Math" panose="02040503050406030204" pitchFamily="18" charset="0"/>
+                                </a:rPr>
+                                <m:t>+</m:t>
+                              </m:r>
+                              <m:sSub>
+                                <m:sSubPr>
+                                  <m:ctrlPr>
+                                    <a:rPr lang="en-US" altLang="ja-JP" b="0" i="1" smtClean="0">
+                                      <a:latin typeface="Cambria Math" panose="02040503050406030204" pitchFamily="18" charset="0"/>
+                                    </a:rPr>
+                                  </m:ctrlPr>
+                                </m:sSubPr>
+                                <m:e>
+                                  <m:r>
+                                    <a:rPr lang="en-US" altLang="ja-JP" b="0" i="1" smtClean="0">
+                                      <a:latin typeface="Cambria Math" panose="02040503050406030204" pitchFamily="18" charset="0"/>
+                                    </a:rPr>
+                                    <m:t>𝑣</m:t>
+                                  </m:r>
+                                </m:e>
+                                <m:sub>
+                                  <m:r>
+                                    <a:rPr lang="en-US" altLang="ja-JP" b="0" i="1" smtClean="0">
+                                      <a:latin typeface="Cambria Math" panose="02040503050406030204" pitchFamily="18" charset="0"/>
+                                    </a:rPr>
+                                    <m:t>𝑜𝑢𝑡</m:t>
+                                  </m:r>
+                                </m:sub>
+                              </m:sSub>
+                            </m:e>
+                          </m:d>
+                        </m:e>
+                      </m:d>
+                      <m:sSub>
+                        <m:sSubPr>
+                          <m:ctrlPr>
+                            <a:rPr lang="en-US" altLang="ja-JP" b="0" i="1" smtClean="0">
+                              <a:latin typeface="Cambria Math" panose="02040503050406030204" pitchFamily="18" charset="0"/>
+                            </a:rPr>
+                          </m:ctrlPr>
+                        </m:sSubPr>
+                        <m:e>
+                          <m:r>
+                            <a:rPr lang="en-US" altLang="ja-JP" b="0" i="1" smtClean="0">
+                              <a:latin typeface="Cambria Math" panose="02040503050406030204" pitchFamily="18" charset="0"/>
+                            </a:rPr>
+                            <m:t>𝑔</m:t>
+                          </m:r>
+                        </m:e>
+                        <m:sub>
+                          <m:r>
+                            <a:rPr lang="en-US" altLang="ja-JP" b="0" i="1" smtClean="0">
+                              <a:latin typeface="Cambria Math" panose="02040503050406030204" pitchFamily="18" charset="0"/>
+                            </a:rPr>
+                            <m:t>𝑈</m:t>
+                          </m:r>
+                        </m:sub>
+                      </m:sSub>
+                      <m:r>
+                        <a:rPr lang="en-US" altLang="ja-JP" b="0" i="1" smtClean="0">
+                          <a:latin typeface="Cambria Math" panose="02040503050406030204" pitchFamily="18" charset="0"/>
+                        </a:rPr>
+                        <m:t>=(</m:t>
+                      </m:r>
+                      <m:sSub>
+                        <m:sSubPr>
+                          <m:ctrlPr>
+                            <a:rPr lang="en-US" altLang="ja-JP" b="0" i="1" smtClean="0">
+                              <a:latin typeface="Cambria Math" panose="02040503050406030204" pitchFamily="18" charset="0"/>
+                            </a:rPr>
+                          </m:ctrlPr>
+                        </m:sSubPr>
+                        <m:e>
+                          <m:r>
+                            <a:rPr lang="en-US" altLang="ja-JP" b="0" i="1" smtClean="0">
+                              <a:latin typeface="Cambria Math" panose="02040503050406030204" pitchFamily="18" charset="0"/>
+                            </a:rPr>
+                            <m:t>𝑔</m:t>
+                          </m:r>
+                        </m:e>
+                        <m:sub>
+                          <m:r>
+                            <a:rPr lang="en-US" altLang="ja-JP" b="0" i="1" smtClean="0">
+                              <a:latin typeface="Cambria Math" panose="02040503050406030204" pitchFamily="18" charset="0"/>
+                            </a:rPr>
+                            <m:t>𝐿</m:t>
+                          </m:r>
+                        </m:sub>
+                      </m:sSub>
+                      <m:r>
+                        <a:rPr lang="en-US" altLang="ja-JP" b="0" i="1" smtClean="0">
+                          <a:latin typeface="Cambria Math" panose="02040503050406030204" pitchFamily="18" charset="0"/>
+                        </a:rPr>
+                        <m:t>+20)(</m:t>
+                      </m:r>
+                      <m:sSub>
+                        <m:sSubPr>
+                          <m:ctrlPr>
+                            <a:rPr lang="en-US" altLang="ja-JP" b="0" i="1" smtClean="0">
+                              <a:latin typeface="Cambria Math" panose="02040503050406030204" pitchFamily="18" charset="0"/>
+                            </a:rPr>
+                          </m:ctrlPr>
+                        </m:sSubPr>
+                        <m:e>
+                          <m:r>
+                            <a:rPr lang="en-US" altLang="ja-JP" b="0" i="1" smtClean="0">
+                              <a:latin typeface="Cambria Math" panose="02040503050406030204" pitchFamily="18" charset="0"/>
+                            </a:rPr>
+                            <m:t>𝑉</m:t>
+                          </m:r>
+                        </m:e>
+                        <m:sub>
+                          <m:r>
+                            <a:rPr lang="en-US" altLang="ja-JP" b="0" i="1" smtClean="0">
+                              <a:latin typeface="Cambria Math" panose="02040503050406030204" pitchFamily="18" charset="0"/>
+                            </a:rPr>
+                            <m:t>𝑜𝑢𝑡</m:t>
+                          </m:r>
+                        </m:sub>
+                      </m:sSub>
+                      <m:r>
+                        <a:rPr lang="en-US" altLang="ja-JP" b="0" i="1" smtClean="0">
+                          <a:latin typeface="Cambria Math" panose="02040503050406030204" pitchFamily="18" charset="0"/>
+                        </a:rPr>
+                        <m:t>+</m:t>
+                      </m:r>
+                      <m:sSub>
+                        <m:sSubPr>
+                          <m:ctrlPr>
+                            <a:rPr lang="en-US" altLang="ja-JP" b="0" i="1" smtClean="0">
+                              <a:latin typeface="Cambria Math" panose="02040503050406030204" pitchFamily="18" charset="0"/>
+                            </a:rPr>
+                          </m:ctrlPr>
+                        </m:sSubPr>
+                        <m:e>
+                          <m:r>
+                            <a:rPr lang="en-US" altLang="ja-JP" b="0" i="1" smtClean="0">
+                              <a:latin typeface="Cambria Math" panose="02040503050406030204" pitchFamily="18" charset="0"/>
+                            </a:rPr>
+                            <m:t>𝑣</m:t>
+                          </m:r>
+                        </m:e>
+                        <m:sub>
+                          <m:r>
+                            <a:rPr lang="en-US" altLang="ja-JP" b="0" i="1" smtClean="0">
+                              <a:latin typeface="Cambria Math" panose="02040503050406030204" pitchFamily="18" charset="0"/>
+                            </a:rPr>
+                            <m:t>𝑜𝑢𝑡</m:t>
+                          </m:r>
+                        </m:sub>
+                      </m:sSub>
+                      <m:r>
+                        <a:rPr lang="en-US" altLang="ja-JP" b="0" i="1" smtClean="0">
+                          <a:latin typeface="Cambria Math" panose="02040503050406030204" pitchFamily="18" charset="0"/>
+                        </a:rPr>
+                        <m:t>)</m:t>
+                      </m:r>
+                    </m:oMath>
+                  </m:oMathPara>
+                </a14:m>
+                <a:endParaRPr lang="en-US" altLang="ja-JP" dirty="0"/>
+              </a:p>
+              <a:p>
+                <a14:m>
+                  <m:oMathPara xmlns:m="http://schemas.openxmlformats.org/officeDocument/2006/math">
+                    <m:oMathParaPr>
+                      <m:jc m:val="centerGroup"/>
+                    </m:oMathParaPr>
+                    <m:oMath xmlns:m="http://schemas.openxmlformats.org/officeDocument/2006/math">
+                      <m:sSub>
+                        <m:sSubPr>
+                          <m:ctrlPr>
+                            <a:rPr lang="en-US" altLang="ja-JP" i="1">
+                              <a:latin typeface="Cambria Math" panose="02040503050406030204" pitchFamily="18" charset="0"/>
+                            </a:rPr>
+                          </m:ctrlPr>
+                        </m:sSubPr>
+                        <m:e>
+                          <m:r>
+                            <a:rPr lang="en-US" altLang="ja-JP" i="1">
+                              <a:latin typeface="Cambria Math" panose="02040503050406030204" pitchFamily="18" charset="0"/>
+                            </a:rPr>
+                            <m:t>𝑖</m:t>
+                          </m:r>
+                        </m:e>
+                        <m:sub>
+                          <m:r>
+                            <a:rPr lang="en-US" altLang="ja-JP" i="1">
+                              <a:latin typeface="Cambria Math" panose="02040503050406030204" pitchFamily="18" charset="0"/>
+                            </a:rPr>
+                            <m:t>𝑚</m:t>
+                          </m:r>
+                        </m:sub>
+                      </m:sSub>
+                      <m:r>
+                        <a:rPr lang="en-US" altLang="ja-JP" i="1">
+                          <a:latin typeface="Cambria Math" panose="02040503050406030204" pitchFamily="18" charset="0"/>
+                        </a:rPr>
+                        <m:t>=</m:t>
+                      </m:r>
+                      <m:f>
+                        <m:fPr>
+                          <m:ctrlPr>
+                            <a:rPr lang="en-US" altLang="ja-JP" i="1">
+                              <a:latin typeface="Cambria Math" panose="02040503050406030204" pitchFamily="18" charset="0"/>
+                            </a:rPr>
+                          </m:ctrlPr>
+                        </m:fPr>
+                        <m:num>
+                          <m:r>
+                            <a:rPr lang="en-US" altLang="ja-JP" i="1">
+                              <a:latin typeface="Cambria Math" panose="02040503050406030204" pitchFamily="18" charset="0"/>
+                            </a:rPr>
+                            <m:t>1</m:t>
+                          </m:r>
+                        </m:num>
+                        <m:den>
+                          <m:r>
+                            <a:rPr lang="en-US" altLang="ja-JP" i="1">
+                              <a:latin typeface="Cambria Math" panose="02040503050406030204" pitchFamily="18" charset="0"/>
+                            </a:rPr>
+                            <m:t>2</m:t>
+                          </m:r>
+                        </m:den>
+                      </m:f>
+                      <m:sSub>
+                        <m:sSubPr>
+                          <m:ctrlPr>
+                            <a:rPr lang="en-US" altLang="ja-JP" i="1">
+                              <a:latin typeface="Cambria Math" panose="02040503050406030204" pitchFamily="18" charset="0"/>
+                            </a:rPr>
+                          </m:ctrlPr>
+                        </m:sSubPr>
+                        <m:e>
+                          <m:r>
+                            <a:rPr lang="en-US" altLang="ja-JP" i="1">
+                              <a:latin typeface="Cambria Math" panose="02040503050406030204" pitchFamily="18" charset="0"/>
+                            </a:rPr>
+                            <m:t>𝑔</m:t>
+                          </m:r>
+                        </m:e>
+                        <m:sub>
+                          <m:r>
+                            <a:rPr lang="en-US" altLang="ja-JP" i="1">
+                              <a:latin typeface="Cambria Math" panose="02040503050406030204" pitchFamily="18" charset="0"/>
+                            </a:rPr>
+                            <m:t>𝑚</m:t>
+                          </m:r>
+                        </m:sub>
+                      </m:sSub>
+                      <m:d>
+                        <m:dPr>
+                          <m:ctrlPr>
+                            <a:rPr lang="en-US" altLang="ja-JP" i="1">
+                              <a:latin typeface="Cambria Math" panose="02040503050406030204" pitchFamily="18" charset="0"/>
+                            </a:rPr>
+                          </m:ctrlPr>
+                        </m:dPr>
+                        <m:e>
+                          <m:sSub>
+                            <m:sSubPr>
+                              <m:ctrlPr>
+                                <a:rPr lang="en-US" altLang="ja-JP" i="1">
+                                  <a:latin typeface="Cambria Math" panose="02040503050406030204" pitchFamily="18" charset="0"/>
+                                </a:rPr>
+                              </m:ctrlPr>
+                            </m:sSubPr>
+                            <m:e>
+                              <m:r>
+                                <a:rPr lang="en-US" altLang="ja-JP" i="1">
+                                  <a:latin typeface="Cambria Math" panose="02040503050406030204" pitchFamily="18" charset="0"/>
+                                </a:rPr>
+                                <m:t>𝑉</m:t>
+                              </m:r>
+                            </m:e>
+                            <m:sub>
+                              <m:r>
+                                <a:rPr lang="en-US" altLang="ja-JP" i="1">
+                                  <a:latin typeface="Cambria Math" panose="02040503050406030204" pitchFamily="18" charset="0"/>
+                                </a:rPr>
+                                <m:t>𝑖𝑛</m:t>
+                              </m:r>
+                            </m:sub>
+                          </m:sSub>
+                          <m:r>
+                            <a:rPr lang="en-US" altLang="ja-JP" i="1">
+                              <a:latin typeface="Cambria Math" panose="02040503050406030204" pitchFamily="18" charset="0"/>
+                            </a:rPr>
+                            <m:t>−</m:t>
+                          </m:r>
+                          <m:sSub>
+                            <m:sSubPr>
+                              <m:ctrlPr>
+                                <a:rPr lang="en-US" altLang="ja-JP" i="1">
+                                  <a:latin typeface="Cambria Math" panose="02040503050406030204" pitchFamily="18" charset="0"/>
+                                </a:rPr>
+                              </m:ctrlPr>
+                            </m:sSubPr>
+                            <m:e>
+                              <m:r>
+                                <a:rPr lang="en-US" altLang="ja-JP" i="1">
+                                  <a:latin typeface="Cambria Math" panose="02040503050406030204" pitchFamily="18" charset="0"/>
+                                </a:rPr>
+                                <m:t>𝑉</m:t>
+                              </m:r>
+                            </m:e>
+                            <m:sub>
+                              <m:r>
+                                <a:rPr lang="en-US" altLang="ja-JP" i="1">
+                                  <a:latin typeface="Cambria Math" panose="02040503050406030204" pitchFamily="18" charset="0"/>
+                                </a:rPr>
+                                <m:t>𝑜𝑢𝑡</m:t>
+                              </m:r>
+                            </m:sub>
+                          </m:sSub>
+                          <m:r>
+                            <a:rPr lang="en-US" altLang="ja-JP" i="1">
+                              <a:latin typeface="Cambria Math" panose="02040503050406030204" pitchFamily="18" charset="0"/>
+                            </a:rPr>
+                            <m:t>+</m:t>
+                          </m:r>
+                          <m:f>
+                            <m:fPr>
+                              <m:ctrlPr>
+                                <a:rPr lang="en-US" altLang="ja-JP" i="1">
+                                  <a:latin typeface="Cambria Math" panose="02040503050406030204" pitchFamily="18" charset="0"/>
+                                </a:rPr>
+                              </m:ctrlPr>
+                            </m:fPr>
+                            <m:num>
+                              <m:r>
+                                <a:rPr lang="en-US" altLang="ja-JP" i="1">
+                                  <a:latin typeface="Cambria Math" panose="02040503050406030204" pitchFamily="18" charset="0"/>
+                                </a:rPr>
+                                <m:t>1</m:t>
+                              </m:r>
+                            </m:num>
+                            <m:den>
+                              <m:r>
+                                <a:rPr lang="en-US" altLang="ja-JP" i="1">
+                                  <a:latin typeface="Cambria Math" panose="02040503050406030204" pitchFamily="18" charset="0"/>
+                                </a:rPr>
+                                <m:t>2</m:t>
+                              </m:r>
+                            </m:den>
+                          </m:f>
+                          <m:sSub>
+                            <m:sSubPr>
+                              <m:ctrlPr>
+                                <a:rPr lang="en-US" altLang="ja-JP" i="1">
+                                  <a:latin typeface="Cambria Math" panose="02040503050406030204" pitchFamily="18" charset="0"/>
+                                </a:rPr>
+                              </m:ctrlPr>
+                            </m:sSubPr>
+                            <m:e>
+                              <m:r>
+                                <a:rPr lang="en-US" altLang="ja-JP" i="1">
+                                  <a:latin typeface="Cambria Math" panose="02040503050406030204" pitchFamily="18" charset="0"/>
+                                </a:rPr>
+                                <m:t>𝑣</m:t>
+                              </m:r>
+                            </m:e>
+                            <m:sub>
+                              <m:r>
+                                <a:rPr lang="en-US" altLang="ja-JP" i="1">
+                                  <a:latin typeface="Cambria Math" panose="02040503050406030204" pitchFamily="18" charset="0"/>
+                                </a:rPr>
+                                <m:t>𝑖𝑛</m:t>
+                              </m:r>
+                            </m:sub>
+                          </m:sSub>
+                          <m:r>
+                            <a:rPr lang="en-US" altLang="ja-JP" i="1">
+                              <a:latin typeface="Cambria Math" panose="02040503050406030204" pitchFamily="18" charset="0"/>
+                            </a:rPr>
+                            <m:t>−</m:t>
+                          </m:r>
+                          <m:sSub>
+                            <m:sSubPr>
+                              <m:ctrlPr>
+                                <a:rPr lang="en-US" altLang="ja-JP" i="1">
+                                  <a:latin typeface="Cambria Math" panose="02040503050406030204" pitchFamily="18" charset="0"/>
+                                </a:rPr>
+                              </m:ctrlPr>
+                            </m:sSubPr>
+                            <m:e>
+                              <m:r>
+                                <a:rPr lang="en-US" altLang="ja-JP" i="1">
+                                  <a:latin typeface="Cambria Math" panose="02040503050406030204" pitchFamily="18" charset="0"/>
+                                </a:rPr>
+                                <m:t>𝑉</m:t>
+                              </m:r>
+                            </m:e>
+                            <m:sub>
+                              <m:r>
+                                <a:rPr lang="en-US" altLang="ja-JP" i="1">
+                                  <a:latin typeface="Cambria Math" panose="02040503050406030204" pitchFamily="18" charset="0"/>
+                                </a:rPr>
+                                <m:t>𝑡h</m:t>
+                              </m:r>
+                            </m:sub>
+                          </m:sSub>
+                        </m:e>
+                      </m:d>
+                    </m:oMath>
+                  </m:oMathPara>
+                </a14:m>
+                <a:endParaRPr kumimoji="1" lang="en-US" altLang="ja-JP" dirty="0"/>
+              </a:p>
+              <a:p>
+                <a:endParaRPr kumimoji="1" lang="en-US" altLang="ja-JP" dirty="0"/>
+              </a:p>
+              <a:p>
+                <a:r>
+                  <a:rPr lang="ja-JP" altLang="en-US" dirty="0"/>
+                  <a:t>今回、乗算回路の出力は</a:t>
+                </a:r>
+                <a14:m>
+                  <m:oMath xmlns:m="http://schemas.openxmlformats.org/officeDocument/2006/math">
+                    <m:r>
+                      <a:rPr lang="en-US" altLang="ja-JP" b="0" i="1" smtClean="0">
+                        <a:latin typeface="Cambria Math" panose="02040503050406030204" pitchFamily="18" charset="0"/>
+                      </a:rPr>
+                      <m:t>1.26</m:t>
+                    </m:r>
+                  </m:oMath>
+                </a14:m>
+                <a:r>
+                  <a:rPr lang="en-US" altLang="ja-JP" dirty="0"/>
+                  <a:t> V</a:t>
+                </a:r>
+                <a:r>
+                  <a:rPr lang="ja-JP" altLang="en-US" dirty="0"/>
+                  <a:t>のバイアスと</a:t>
+                </a:r>
+                <a14:m>
+                  <m:oMath xmlns:m="http://schemas.openxmlformats.org/officeDocument/2006/math">
+                    <m:r>
+                      <a:rPr lang="en-US" altLang="ja-JP" b="0" i="1" smtClean="0">
+                        <a:latin typeface="Cambria Math" panose="02040503050406030204" pitchFamily="18" charset="0"/>
+                      </a:rPr>
+                      <m:t>±0.3</m:t>
+                    </m:r>
+                  </m:oMath>
+                </a14:m>
+                <a:r>
+                  <a:rPr lang="en-US" altLang="ja-JP" dirty="0"/>
+                  <a:t> V</a:t>
+                </a:r>
+                <a:r>
+                  <a:rPr lang="ja-JP" altLang="en-US" dirty="0"/>
+                  <a:t>の信号振幅を持っているので、</a:t>
+                </a:r>
+                <a14:m>
+                  <m:oMath xmlns:m="http://schemas.openxmlformats.org/officeDocument/2006/math">
+                    <m:sSub>
+                      <m:sSubPr>
+                        <m:ctrlPr>
+                          <a:rPr lang="en-US" altLang="ja-JP" b="0" i="1" smtClean="0">
+                            <a:latin typeface="Cambria Math" panose="02040503050406030204" pitchFamily="18" charset="0"/>
+                          </a:rPr>
+                        </m:ctrlPr>
+                      </m:sSubPr>
+                      <m:e>
+                        <m:r>
+                          <a:rPr lang="en-US" altLang="ja-JP" b="0" i="1" smtClean="0">
+                            <a:latin typeface="Cambria Math" panose="02040503050406030204" pitchFamily="18" charset="0"/>
+                          </a:rPr>
+                          <m:t>𝑉</m:t>
+                        </m:r>
+                      </m:e>
+                      <m:sub>
+                        <m:r>
+                          <a:rPr lang="en-US" altLang="ja-JP" b="0" i="1" smtClean="0">
+                            <a:latin typeface="Cambria Math" panose="02040503050406030204" pitchFamily="18" charset="0"/>
+                          </a:rPr>
+                          <m:t>𝑖𝑛</m:t>
+                        </m:r>
+                      </m:sub>
+                    </m:sSub>
+                    <m:r>
+                      <a:rPr lang="en-US" altLang="ja-JP" b="0" i="1" smtClean="0">
+                        <a:latin typeface="Cambria Math" panose="02040503050406030204" pitchFamily="18" charset="0"/>
+                      </a:rPr>
+                      <m:t>=1.26</m:t>
+                    </m:r>
+                  </m:oMath>
+                </a14:m>
+                <a:r>
+                  <a:rPr lang="en-US" altLang="ja-JP" dirty="0"/>
+                  <a:t> V,</a:t>
+                </a:r>
+                <a14:m>
+                  <m:oMath xmlns:m="http://schemas.openxmlformats.org/officeDocument/2006/math">
+                    <m:sSub>
+                      <m:sSubPr>
+                        <m:ctrlPr>
+                          <a:rPr lang="en-US" altLang="ja-JP" b="0" i="1" smtClean="0">
+                            <a:latin typeface="Cambria Math" panose="02040503050406030204" pitchFamily="18" charset="0"/>
+                          </a:rPr>
+                        </m:ctrlPr>
+                      </m:sSubPr>
+                      <m:e>
+                        <m:r>
+                          <a:rPr lang="en-US" altLang="ja-JP" b="0" i="1" smtClean="0">
+                            <a:latin typeface="Cambria Math" panose="02040503050406030204" pitchFamily="18" charset="0"/>
+                          </a:rPr>
+                          <m:t>𝑣</m:t>
+                        </m:r>
+                      </m:e>
+                      <m:sub>
+                        <m:r>
+                          <a:rPr lang="en-US" altLang="ja-JP" b="0" i="1" smtClean="0">
+                            <a:latin typeface="Cambria Math" panose="02040503050406030204" pitchFamily="18" charset="0"/>
+                          </a:rPr>
+                          <m:t>𝑖𝑛</m:t>
+                        </m:r>
+                      </m:sub>
+                    </m:sSub>
+                    <m:r>
+                      <a:rPr lang="en-US" altLang="ja-JP" b="0" i="1" smtClean="0">
+                        <a:latin typeface="Cambria Math" panose="02040503050406030204" pitchFamily="18" charset="0"/>
+                      </a:rPr>
+                      <m:t>=±0.3</m:t>
+                    </m:r>
+                  </m:oMath>
+                </a14:m>
+                <a:r>
+                  <a:rPr lang="en-US" altLang="ja-JP" dirty="0"/>
+                  <a:t> V</a:t>
+                </a:r>
+                <a:r>
+                  <a:rPr lang="ja-JP" altLang="en-US" dirty="0"/>
+                  <a:t>とした。</a:t>
+                </a:r>
+                <a:endParaRPr lang="en-US" altLang="ja-JP" dirty="0"/>
+              </a:p>
+              <a:p>
+                <a:r>
+                  <a:rPr lang="ja-JP" altLang="en-US" dirty="0"/>
+                  <a:t>また、しきい値電圧</a:t>
+                </a:r>
+                <a14:m>
+                  <m:oMath xmlns:m="http://schemas.openxmlformats.org/officeDocument/2006/math">
+                    <m:sSub>
+                      <m:sSubPr>
+                        <m:ctrlPr>
+                          <a:rPr lang="en-US" altLang="ja-JP" b="0" i="1" smtClean="0">
+                            <a:latin typeface="Cambria Math" panose="02040503050406030204" pitchFamily="18" charset="0"/>
+                          </a:rPr>
+                        </m:ctrlPr>
+                      </m:sSubPr>
+                      <m:e>
+                        <m:r>
+                          <a:rPr lang="en-US" altLang="ja-JP" b="0" i="1" smtClean="0">
+                            <a:latin typeface="Cambria Math" panose="02040503050406030204" pitchFamily="18" charset="0"/>
+                          </a:rPr>
+                          <m:t>𝑉</m:t>
+                        </m:r>
+                      </m:e>
+                      <m:sub>
+                        <m:r>
+                          <a:rPr lang="en-US" altLang="ja-JP" b="0" i="1" smtClean="0">
+                            <a:latin typeface="Cambria Math" panose="02040503050406030204" pitchFamily="18" charset="0"/>
+                          </a:rPr>
+                          <m:t>𝑡h</m:t>
+                        </m:r>
+                      </m:sub>
+                    </m:sSub>
+                  </m:oMath>
+                </a14:m>
+                <a:r>
+                  <a:rPr lang="ja-JP" altLang="en-US" dirty="0"/>
+                  <a:t>は</a:t>
+                </a:r>
+                <a14:m>
+                  <m:oMath xmlns:m="http://schemas.openxmlformats.org/officeDocument/2006/math">
+                    <m:r>
+                      <a:rPr lang="en-US" altLang="ja-JP" b="0" i="1" dirty="0" smtClean="0">
+                        <a:latin typeface="Cambria Math" panose="02040503050406030204" pitchFamily="18" charset="0"/>
+                      </a:rPr>
+                      <m:t>0.5</m:t>
+                    </m:r>
+                  </m:oMath>
+                </a14:m>
+                <a:r>
+                  <a:rPr lang="en-US" altLang="ja-JP" dirty="0"/>
+                  <a:t> V</a:t>
+                </a:r>
+                <a:r>
+                  <a:rPr lang="ja-JP" altLang="en-US" dirty="0"/>
+                  <a:t>として計算した。</a:t>
+                </a:r>
+                <a:endParaRPr lang="en-US" altLang="ja-JP" dirty="0"/>
+              </a:p>
+              <a:p>
+                <a:endParaRPr lang="en-US" altLang="ja-JP" dirty="0"/>
+              </a:p>
+              <a:p>
+                <a:endParaRPr lang="en-US" altLang="ja-JP" dirty="0"/>
+              </a:p>
+              <a:p>
+                <a:endParaRPr lang="en-US" altLang="ja-JP" dirty="0"/>
+              </a:p>
+            </p:txBody>
+          </p:sp>
+        </mc:Choice>
+        <mc:Fallback>
+          <p:sp>
+            <p:nvSpPr>
+              <p:cNvPr id="5" name="テキスト ボックス 4">
+                <a:extLst>
+                  <a:ext uri="{FF2B5EF4-FFF2-40B4-BE49-F238E27FC236}">
+                    <a16:creationId xmlns:a16="http://schemas.microsoft.com/office/drawing/2014/main" id="{1D691765-4C8A-2311-E940-C7BEA3300B16}"/>
+                  </a:ext>
+                </a:extLst>
+              </p:cNvPr>
+              <p:cNvSpPr txBox="1">
+                <a:spLocks noRot="1" noChangeAspect="1" noMove="1" noResize="1" noEditPoints="1" noAdjustHandles="1" noChangeArrowheads="1" noChangeShapeType="1" noTextEdit="1"/>
+              </p:cNvSpPr>
+              <p:nvPr/>
+            </p:nvSpPr>
+            <p:spPr>
+              <a:xfrm>
+                <a:off x="716275" y="1625601"/>
+                <a:ext cx="6227618" cy="3207673"/>
+              </a:xfrm>
+              <a:prstGeom prst="rect">
+                <a:avLst/>
+              </a:prstGeom>
+              <a:blipFill>
+                <a:blip r:embed="rId2"/>
+                <a:stretch>
+                  <a:fillRect l="-783" r="-489"/>
+                </a:stretch>
+              </a:blipFill>
+            </p:spPr>
+            <p:txBody>
+              <a:bodyPr/>
+              <a:lstStyle/>
+              <a:p>
+                <a:r>
+                  <a:rPr lang="ja-JP" altLang="en-US">
+                    <a:noFill/>
+                  </a:rPr>
+                  <a:t> </a:t>
+                </a:r>
+              </a:p>
+            </p:txBody>
+          </p:sp>
+        </mc:Fallback>
+      </mc:AlternateContent>
+      <p:pic>
+        <p:nvPicPr>
+          <p:cNvPr id="7" name="図 6" descr="ロゴ が含まれている画像&#10;&#10;自動的に生成された説明">
+            <a:extLst>
+              <a:ext uri="{FF2B5EF4-FFF2-40B4-BE49-F238E27FC236}">
+                <a16:creationId xmlns:a16="http://schemas.microsoft.com/office/drawing/2014/main" id="{B3B16A68-814A-9DCA-F98C-4E6AE71AB973}"/>
+              </a:ext>
+            </a:extLst>
+          </p:cNvPr>
+          <p:cNvPicPr>
+            <a:picLocks noChangeAspect="1"/>
+          </p:cNvPicPr>
+          <p:nvPr/>
+        </p:nvPicPr>
+        <p:blipFill>
+          <a:blip r:embed="rId3">
+            <a:extLst>
+              <a:ext uri="{28A0092B-C50C-407E-A947-70E740481C1C}">
+                <a14:useLocalDpi xmlns:a14="http://schemas.microsoft.com/office/drawing/2010/main" val="0"/>
+              </a:ext>
+            </a:extLst>
+          </a:blip>
+          <a:stretch>
+            <a:fillRect/>
+          </a:stretch>
+        </p:blipFill>
+        <p:spPr>
+          <a:xfrm>
+            <a:off x="6943893" y="3042964"/>
+            <a:ext cx="5120650" cy="3118110"/>
+          </a:xfrm>
+          <a:prstGeom prst="rect">
+            <a:avLst/>
+          </a:prstGeom>
+        </p:spPr>
+      </p:pic>
+    </p:spTree>
+    <p:extLst>
+      <p:ext uri="{BB962C8B-B14F-4D97-AF65-F5344CB8AC3E}">
+        <p14:creationId xmlns:p14="http://schemas.microsoft.com/office/powerpoint/2010/main" val="1013455714"/>
       </p:ext>
     </p:extLst>
   </p:cSld>

--- a/folded_gilbert/seminar/20231205/めも.pptx
+++ b/folded_gilbert/seminar/20231205/めも.pptx
@@ -6,11 +6,9 @@
   </p:sldMasterIdLst>
   <p:sldIdLst>
     <p:sldId id="256" r:id="rId2"/>
-    <p:sldId id="257" r:id="rId3"/>
-    <p:sldId id="258" r:id="rId4"/>
-    <p:sldId id="259" r:id="rId5"/>
-    <p:sldId id="260" r:id="rId6"/>
-    <p:sldId id="261" r:id="rId7"/>
+    <p:sldId id="259" r:id="rId3"/>
+    <p:sldId id="257" r:id="rId4"/>
+    <p:sldId id="258" r:id="rId5"/>
   </p:sldIdLst>
   <p:sldSz cx="12192000" cy="6858000"/>
   <p:notesSz cx="6858000" cy="9144000"/>
@@ -264,7 +262,7 @@
           <a:p>
             <a:fld id="{FA014DDC-67F7-42FD-960F-8443CFFC6889}" type="datetimeFigureOut">
               <a:rPr kumimoji="1" lang="ja-JP" altLang="en-US" smtClean="0"/>
-              <a:t>2023/11/23</a:t>
+              <a:t>2023/11/24</a:t>
             </a:fld>
             <a:endParaRPr kumimoji="1" lang="ja-JP" altLang="en-US"/>
           </a:p>
@@ -494,7 +492,7 @@
           <a:p>
             <a:fld id="{FA014DDC-67F7-42FD-960F-8443CFFC6889}" type="datetimeFigureOut">
               <a:rPr kumimoji="1" lang="ja-JP" altLang="en-US" smtClean="0"/>
-              <a:t>2023/11/23</a:t>
+              <a:t>2023/11/24</a:t>
             </a:fld>
             <a:endParaRPr kumimoji="1" lang="ja-JP" altLang="en-US"/>
           </a:p>
@@ -734,7 +732,7 @@
           <a:p>
             <a:fld id="{FA014DDC-67F7-42FD-960F-8443CFFC6889}" type="datetimeFigureOut">
               <a:rPr kumimoji="1" lang="ja-JP" altLang="en-US" smtClean="0"/>
-              <a:t>2023/11/23</a:t>
+              <a:t>2023/11/24</a:t>
             </a:fld>
             <a:endParaRPr kumimoji="1" lang="ja-JP" altLang="en-US"/>
           </a:p>
@@ -964,7 +962,7 @@
           <a:p>
             <a:fld id="{FA014DDC-67F7-42FD-960F-8443CFFC6889}" type="datetimeFigureOut">
               <a:rPr kumimoji="1" lang="ja-JP" altLang="en-US" smtClean="0"/>
-              <a:t>2023/11/23</a:t>
+              <a:t>2023/11/24</a:t>
             </a:fld>
             <a:endParaRPr kumimoji="1" lang="ja-JP" altLang="en-US"/>
           </a:p>
@@ -1239,7 +1237,7 @@
           <a:p>
             <a:fld id="{FA014DDC-67F7-42FD-960F-8443CFFC6889}" type="datetimeFigureOut">
               <a:rPr kumimoji="1" lang="ja-JP" altLang="en-US" smtClean="0"/>
-              <a:t>2023/11/23</a:t>
+              <a:t>2023/11/24</a:t>
             </a:fld>
             <a:endParaRPr kumimoji="1" lang="ja-JP" altLang="en-US"/>
           </a:p>
@@ -1568,7 +1566,7 @@
           <a:p>
             <a:fld id="{FA014DDC-67F7-42FD-960F-8443CFFC6889}" type="datetimeFigureOut">
               <a:rPr kumimoji="1" lang="ja-JP" altLang="en-US" smtClean="0"/>
-              <a:t>2023/11/23</a:t>
+              <a:t>2023/11/24</a:t>
             </a:fld>
             <a:endParaRPr kumimoji="1" lang="ja-JP" altLang="en-US"/>
           </a:p>
@@ -2044,7 +2042,7 @@
           <a:p>
             <a:fld id="{FA014DDC-67F7-42FD-960F-8443CFFC6889}" type="datetimeFigureOut">
               <a:rPr kumimoji="1" lang="ja-JP" altLang="en-US" smtClean="0"/>
-              <a:t>2023/11/23</a:t>
+              <a:t>2023/11/24</a:t>
             </a:fld>
             <a:endParaRPr kumimoji="1" lang="ja-JP" altLang="en-US"/>
           </a:p>
@@ -2185,7 +2183,7 @@
           <a:p>
             <a:fld id="{FA014DDC-67F7-42FD-960F-8443CFFC6889}" type="datetimeFigureOut">
               <a:rPr kumimoji="1" lang="ja-JP" altLang="en-US" smtClean="0"/>
-              <a:t>2023/11/23</a:t>
+              <a:t>2023/11/24</a:t>
             </a:fld>
             <a:endParaRPr kumimoji="1" lang="ja-JP" altLang="en-US"/>
           </a:p>
@@ -2298,7 +2296,7 @@
           <a:p>
             <a:fld id="{FA014DDC-67F7-42FD-960F-8443CFFC6889}" type="datetimeFigureOut">
               <a:rPr kumimoji="1" lang="ja-JP" altLang="en-US" smtClean="0"/>
-              <a:t>2023/11/23</a:t>
+              <a:t>2023/11/24</a:t>
             </a:fld>
             <a:endParaRPr kumimoji="1" lang="ja-JP" altLang="en-US"/>
           </a:p>
@@ -2641,7 +2639,7 @@
           <a:p>
             <a:fld id="{FA014DDC-67F7-42FD-960F-8443CFFC6889}" type="datetimeFigureOut">
               <a:rPr kumimoji="1" lang="ja-JP" altLang="en-US" smtClean="0"/>
-              <a:t>2023/11/23</a:t>
+              <a:t>2023/11/24</a:t>
             </a:fld>
             <a:endParaRPr kumimoji="1" lang="ja-JP" altLang="en-US"/>
           </a:p>
@@ -2929,7 +2927,7 @@
           <a:p>
             <a:fld id="{FA014DDC-67F7-42FD-960F-8443CFFC6889}" type="datetimeFigureOut">
               <a:rPr kumimoji="1" lang="ja-JP" altLang="en-US" smtClean="0"/>
-              <a:t>2023/11/23</a:t>
+              <a:t>2023/11/24</a:t>
             </a:fld>
             <a:endParaRPr kumimoji="1" lang="ja-JP" altLang="en-US"/>
           </a:p>
@@ -3202,7 +3200,7 @@
           <a:p>
             <a:fld id="{FA014DDC-67F7-42FD-960F-8443CFFC6889}" type="datetimeFigureOut">
               <a:rPr kumimoji="1" lang="ja-JP" altLang="en-US" smtClean="0"/>
-              <a:t>2023/11/23</a:t>
+              <a:t>2023/11/24</a:t>
             </a:fld>
             <a:endParaRPr kumimoji="1" lang="ja-JP" altLang="en-US"/>
           </a:p>
@@ -3640,7 +3638,10 @@
           <a:bodyPr/>
           <a:lstStyle/>
           <a:p>
-            <a:endParaRPr kumimoji="1" lang="ja-JP" altLang="en-US"/>
+            <a:r>
+              <a:rPr kumimoji="1" lang="ja-JP" altLang="en-US" dirty="0"/>
+              <a:t>試作用回路</a:t>
+            </a:r>
           </a:p>
         </p:txBody>
       </p:sp>
@@ -3665,7 +3666,14 @@
           <a:bodyPr/>
           <a:lstStyle/>
           <a:p>
-            <a:endParaRPr kumimoji="1" lang="ja-JP" altLang="en-US"/>
+            <a:r>
+              <a:rPr kumimoji="1" lang="en-US" altLang="ja-JP" dirty="0"/>
+              <a:t>B4</a:t>
+            </a:r>
+            <a:r>
+              <a:rPr kumimoji="1" lang="ja-JP" altLang="en-US" dirty="0"/>
+              <a:t>　小島 光</a:t>
+            </a:r>
           </a:p>
         </p:txBody>
       </p:sp>
@@ -3704,6 +3712,103 @@
           <p:cNvPr id="2" name="タイトル 1">
             <a:extLst>
               <a:ext uri="{FF2B5EF4-FFF2-40B4-BE49-F238E27FC236}">
+                <a16:creationId xmlns:a16="http://schemas.microsoft.com/office/drawing/2014/main" id="{43EDCA06-C0D6-61A7-0AAA-D12ED9A09572}"/>
+              </a:ext>
+            </a:extLst>
+          </p:cNvPr>
+          <p:cNvSpPr>
+            <a:spLocks noGrp="1"/>
+          </p:cNvSpPr>
+          <p:nvPr>
+            <p:ph type="title"/>
+          </p:nvPr>
+        </p:nvSpPr>
+        <p:spPr/>
+        <p:txBody>
+          <a:bodyPr/>
+          <a:lstStyle/>
+          <a:p>
+            <a:r>
+              <a:rPr kumimoji="1" lang="ja-JP" altLang="en-US" dirty="0"/>
+              <a:t>目次</a:t>
+            </a:r>
+          </a:p>
+        </p:txBody>
+      </p:sp>
+      <p:sp>
+        <p:nvSpPr>
+          <p:cNvPr id="3" name="テキスト ボックス 2">
+            <a:extLst>
+              <a:ext uri="{FF2B5EF4-FFF2-40B4-BE49-F238E27FC236}">
+                <a16:creationId xmlns:a16="http://schemas.microsoft.com/office/drawing/2014/main" id="{F6FECF69-F19A-243E-B47E-2DFC79239F04}"/>
+              </a:ext>
+            </a:extLst>
+          </p:cNvPr>
+          <p:cNvSpPr txBox="1"/>
+          <p:nvPr/>
+        </p:nvSpPr>
+        <p:spPr>
+          <a:xfrm>
+            <a:off x="838200" y="1609105"/>
+            <a:ext cx="10360241" cy="523220"/>
+          </a:xfrm>
+          <a:prstGeom prst="rect">
+            <a:avLst/>
+          </a:prstGeom>
+          <a:noFill/>
+        </p:spPr>
+        <p:txBody>
+          <a:bodyPr wrap="square" rtlCol="0">
+            <a:spAutoFit/>
+          </a:bodyPr>
+          <a:lstStyle/>
+          <a:p>
+            <a:pPr marL="285750" indent="-285750">
+              <a:buFont typeface="Arial" panose="020B0604020202020204" pitchFamily="34" charset="0"/>
+              <a:buChar char="•"/>
+            </a:pPr>
+            <a:r>
+              <a:rPr kumimoji="1" lang="ja-JP" altLang="en-US" sz="2800" dirty="0"/>
+              <a:t>試作したい回路</a:t>
+            </a:r>
+          </a:p>
+        </p:txBody>
+      </p:sp>
+    </p:spTree>
+    <p:extLst>
+      <p:ext uri="{BB962C8B-B14F-4D97-AF65-F5344CB8AC3E}">
+        <p14:creationId xmlns:p14="http://schemas.microsoft.com/office/powerpoint/2010/main" val="3246540877"/>
+      </p:ext>
+    </p:extLst>
+  </p:cSld>
+  <p:clrMapOvr>
+    <a:masterClrMapping/>
+  </p:clrMapOvr>
+</p:sld>
+</file>
+
+<file path=ppt/slides/slide3.xml><?xml version="1.0" encoding="utf-8"?>
+<p:sld xmlns:a="http://schemas.openxmlformats.org/drawingml/2006/main" xmlns:r="http://schemas.openxmlformats.org/officeDocument/2006/relationships" xmlns:p="http://schemas.openxmlformats.org/presentationml/2006/main">
+  <p:cSld>
+    <p:spTree>
+      <p:nvGrpSpPr>
+        <p:cNvPr id="1" name=""/>
+        <p:cNvGrpSpPr/>
+        <p:nvPr/>
+      </p:nvGrpSpPr>
+      <p:grpSpPr>
+        <a:xfrm>
+          <a:off x="0" y="0"/>
+          <a:ext cx="0" cy="0"/>
+          <a:chOff x="0" y="0"/>
+          <a:chExt cx="0" cy="0"/>
+        </a:xfrm>
+      </p:grpSpPr>
+      <p:sp>
+        <p:nvSpPr>
+          <p:cNvPr id="2" name="タイトル 1">
+            <a:extLst>
+              <a:ext uri="{FF2B5EF4-FFF2-40B4-BE49-F238E27FC236}">
                 <a16:creationId xmlns:a16="http://schemas.microsoft.com/office/drawing/2014/main" id="{35F3F442-F1F6-506D-2EB1-14E9BF466B4B}"/>
               </a:ext>
             </a:extLst>
@@ -3888,162 +3993,6 @@
 </p:sld>
 </file>
 
-<file path=ppt/slides/slide3.xml><?xml version="1.0" encoding="utf-8"?>
-<p:sld xmlns:a="http://schemas.openxmlformats.org/drawingml/2006/main" xmlns:r="http://schemas.openxmlformats.org/officeDocument/2006/relationships" xmlns:p="http://schemas.openxmlformats.org/presentationml/2006/main">
-  <p:cSld>
-    <p:spTree>
-      <p:nvGrpSpPr>
-        <p:cNvPr id="1" name=""/>
-        <p:cNvGrpSpPr/>
-        <p:nvPr/>
-      </p:nvGrpSpPr>
-      <p:grpSpPr>
-        <a:xfrm>
-          <a:off x="0" y="0"/>
-          <a:ext cx="0" cy="0"/>
-          <a:chOff x="0" y="0"/>
-          <a:chExt cx="0" cy="0"/>
-        </a:xfrm>
-      </p:grpSpPr>
-      <p:sp>
-        <p:nvSpPr>
-          <p:cNvPr id="2" name="タイトル 1">
-            <a:extLst>
-              <a:ext uri="{FF2B5EF4-FFF2-40B4-BE49-F238E27FC236}">
-                <a16:creationId xmlns:a16="http://schemas.microsoft.com/office/drawing/2014/main" id="{F69A7110-F824-D331-F5A1-602494131188}"/>
-              </a:ext>
-            </a:extLst>
-          </p:cNvPr>
-          <p:cNvSpPr>
-            <a:spLocks noGrp="1"/>
-          </p:cNvSpPr>
-          <p:nvPr>
-            <p:ph type="title"/>
-          </p:nvPr>
-        </p:nvSpPr>
-        <p:spPr/>
-        <p:txBody>
-          <a:bodyPr/>
-          <a:lstStyle/>
-          <a:p>
-            <a:r>
-              <a:rPr kumimoji="1" lang="ja-JP" altLang="en-US" dirty="0"/>
-              <a:t>バッファ回路</a:t>
-            </a:r>
-          </a:p>
-        </p:txBody>
-      </p:sp>
-      <p:sp>
-        <p:nvSpPr>
-          <p:cNvPr id="3" name="テキスト ボックス 2">
-            <a:extLst>
-              <a:ext uri="{FF2B5EF4-FFF2-40B4-BE49-F238E27FC236}">
-                <a16:creationId xmlns:a16="http://schemas.microsoft.com/office/drawing/2014/main" id="{7169ACA2-CCC8-39E1-DB63-33CD85E25ED0}"/>
-              </a:ext>
-            </a:extLst>
-          </p:cNvPr>
-          <p:cNvSpPr txBox="1"/>
-          <p:nvPr/>
-        </p:nvSpPr>
-        <p:spPr>
-          <a:xfrm>
-            <a:off x="1296140" y="1997476"/>
-            <a:ext cx="8558074" cy="923330"/>
-          </a:xfrm>
-          <a:prstGeom prst="rect">
-            <a:avLst/>
-          </a:prstGeom>
-          <a:noFill/>
-        </p:spPr>
-        <p:txBody>
-          <a:bodyPr wrap="square" rtlCol="0">
-            <a:spAutoFit/>
-          </a:bodyPr>
-          <a:lstStyle/>
-          <a:p>
-            <a:r>
-              <a:rPr kumimoji="1" lang="ja-JP" altLang="en-US" dirty="0"/>
-              <a:t>・ギルバートセルの出力は</a:t>
-            </a:r>
-            <a:r>
-              <a:rPr kumimoji="1" lang="en-US" altLang="ja-JP" dirty="0"/>
-              <a:t>1.26 V</a:t>
-            </a:r>
-            <a:r>
-              <a:rPr kumimoji="1" lang="ja-JP" altLang="en-US" dirty="0"/>
-              <a:t>を中心とする</a:t>
-            </a:r>
-            <a:r>
-              <a:rPr kumimoji="1" lang="en-US" altLang="ja-JP" dirty="0"/>
-              <a:t>+-0.6V</a:t>
-            </a:r>
-            <a:r>
-              <a:rPr kumimoji="1" lang="ja-JP" altLang="en-US" dirty="0"/>
-              <a:t>の出力</a:t>
-            </a:r>
-            <a:endParaRPr kumimoji="1" lang="en-US" altLang="ja-JP" dirty="0"/>
-          </a:p>
-          <a:p>
-            <a:r>
-              <a:rPr kumimoji="1" lang="ja-JP" altLang="en-US" dirty="0"/>
-              <a:t>・</a:t>
-            </a:r>
-            <a:r>
-              <a:rPr kumimoji="1" lang="en-US" altLang="ja-JP" dirty="0"/>
-              <a:t>gm=20mS</a:t>
-            </a:r>
-            <a:r>
-              <a:rPr kumimoji="1" lang="ja-JP" altLang="en-US" dirty="0"/>
-              <a:t>となるようなバッファを作る</a:t>
-            </a:r>
-            <a:endParaRPr kumimoji="1" lang="en-US" altLang="ja-JP" dirty="0"/>
-          </a:p>
-          <a:p>
-            <a:r>
-              <a:rPr lang="ja-JP" altLang="en-US" dirty="0"/>
-              <a:t>・ただ、ギルバートセルないで使用した</a:t>
-            </a:r>
-            <a:r>
-              <a:rPr lang="en-US" altLang="ja-JP" dirty="0" err="1"/>
-              <a:t>nmos</a:t>
-            </a:r>
-            <a:r>
-              <a:rPr lang="ja-JP" altLang="en-US" dirty="0"/>
-              <a:t>の</a:t>
-            </a:r>
-            <a:r>
-              <a:rPr lang="en-US" altLang="ja-JP" dirty="0"/>
-              <a:t>gm</a:t>
-            </a:r>
-            <a:r>
-              <a:rPr lang="ja-JP" altLang="en-US" dirty="0"/>
-              <a:t>は</a:t>
-            </a:r>
-            <a:r>
-              <a:rPr lang="en-US" altLang="ja-JP" dirty="0"/>
-              <a:t>3mS</a:t>
-            </a:r>
-            <a:r>
-              <a:rPr lang="ja-JP" altLang="en-US" dirty="0"/>
-              <a:t>程度</a:t>
-            </a:r>
-            <a:endParaRPr lang="en-US" altLang="ja-JP" dirty="0"/>
-          </a:p>
-        </p:txBody>
-      </p:sp>
-    </p:spTree>
-    <p:extLst>
-      <p:ext uri="{BB962C8B-B14F-4D97-AF65-F5344CB8AC3E}">
-        <p14:creationId xmlns:p14="http://schemas.microsoft.com/office/powerpoint/2010/main" val="2519636895"/>
-      </p:ext>
-    </p:extLst>
-  </p:cSld>
-  <p:clrMapOvr>
-    <a:masterClrMapping/>
-  </p:clrMapOvr>
-</p:sld>
-</file>
-
 <file path=ppt/slides/slide4.xml><?xml version="1.0" encoding="utf-8"?>
 <p:sld xmlns:a="http://schemas.openxmlformats.org/drawingml/2006/main" xmlns:r="http://schemas.openxmlformats.org/officeDocument/2006/relationships" xmlns:p="http://schemas.openxmlformats.org/presentationml/2006/main">
   <p:cSld>
@@ -4066,7 +4015,7 @@
           <p:cNvPr id="2" name="タイトル 1">
             <a:extLst>
               <a:ext uri="{FF2B5EF4-FFF2-40B4-BE49-F238E27FC236}">
-                <a16:creationId xmlns:a16="http://schemas.microsoft.com/office/drawing/2014/main" id="{DA40C11E-31C9-9C5D-642F-2DD4B5DAE504}"/>
+                <a16:creationId xmlns:a16="http://schemas.microsoft.com/office/drawing/2014/main" id="{F69A7110-F824-D331-F5A1-602494131188}"/>
               </a:ext>
             </a:extLst>
           </p:cNvPr>
@@ -4084,219 +4033,7 @@
           <a:p>
             <a:r>
               <a:rPr kumimoji="1" lang="ja-JP" altLang="en-US" dirty="0"/>
-              <a:t>以前検討していたバッファ回路</a:t>
-            </a:r>
-          </a:p>
-        </p:txBody>
-      </p:sp>
-      <p:pic>
-        <p:nvPicPr>
-          <p:cNvPr id="4" name="図 3" descr="アプリケーション が含まれている画像&#10;&#10;自動的に生成された説明">
-            <a:extLst>
-              <a:ext uri="{FF2B5EF4-FFF2-40B4-BE49-F238E27FC236}">
-                <a16:creationId xmlns:a16="http://schemas.microsoft.com/office/drawing/2014/main" id="{038D21FC-D9EE-C535-3018-8856917B0B27}"/>
-              </a:ext>
-            </a:extLst>
-          </p:cNvPr>
-          <p:cNvPicPr>
-            <a:picLocks noChangeAspect="1"/>
-          </p:cNvPicPr>
-          <p:nvPr/>
-        </p:nvPicPr>
-        <p:blipFill>
-          <a:blip r:embed="rId2">
-            <a:extLst>
-              <a:ext uri="{28A0092B-C50C-407E-A947-70E740481C1C}">
-                <a14:useLocalDpi xmlns:a14="http://schemas.microsoft.com/office/drawing/2010/main" val="0"/>
-              </a:ext>
-            </a:extLst>
-          </a:blip>
-          <a:stretch>
-            <a:fillRect/>
-          </a:stretch>
-        </p:blipFill>
-        <p:spPr>
-          <a:xfrm>
-            <a:off x="2748402" y="3252512"/>
-            <a:ext cx="4315977" cy="3026670"/>
-          </a:xfrm>
-          <a:prstGeom prst="rect">
-            <a:avLst/>
-          </a:prstGeom>
-        </p:spPr>
-      </p:pic>
-      <p:pic>
-        <p:nvPicPr>
-          <p:cNvPr id="6" name="図 5" descr="時計 が含まれている画像&#10;&#10;自動的に生成された説明">
-            <a:extLst>
-              <a:ext uri="{FF2B5EF4-FFF2-40B4-BE49-F238E27FC236}">
-                <a16:creationId xmlns:a16="http://schemas.microsoft.com/office/drawing/2014/main" id="{327512C2-C3A5-470F-233E-BE54567E2D68}"/>
-              </a:ext>
-            </a:extLst>
-          </p:cNvPr>
-          <p:cNvPicPr>
-            <a:picLocks noChangeAspect="1"/>
-          </p:cNvPicPr>
-          <p:nvPr/>
-        </p:nvPicPr>
-        <p:blipFill>
-          <a:blip r:embed="rId3">
-            <a:extLst>
-              <a:ext uri="{28A0092B-C50C-407E-A947-70E740481C1C}">
-                <a14:useLocalDpi xmlns:a14="http://schemas.microsoft.com/office/drawing/2010/main" val="0"/>
-              </a:ext>
-            </a:extLst>
-          </a:blip>
-          <a:stretch>
-            <a:fillRect/>
-          </a:stretch>
-        </p:blipFill>
-        <p:spPr>
-          <a:xfrm>
-            <a:off x="7234336" y="1825432"/>
-            <a:ext cx="4119464" cy="4833696"/>
-          </a:xfrm>
-          <a:prstGeom prst="rect">
-            <a:avLst/>
-          </a:prstGeom>
-        </p:spPr>
-      </p:pic>
-      <p:sp>
-        <p:nvSpPr>
-          <p:cNvPr id="7" name="テキスト ボックス 6">
-            <a:extLst>
-              <a:ext uri="{FF2B5EF4-FFF2-40B4-BE49-F238E27FC236}">
-                <a16:creationId xmlns:a16="http://schemas.microsoft.com/office/drawing/2014/main" id="{0B20B6AC-7392-6A91-F6AD-4F45968E6987}"/>
-              </a:ext>
-            </a:extLst>
-          </p:cNvPr>
-          <p:cNvSpPr txBox="1"/>
-          <p:nvPr/>
-        </p:nvSpPr>
-        <p:spPr>
-          <a:xfrm>
-            <a:off x="603682" y="2130641"/>
-            <a:ext cx="3829773" cy="1754326"/>
-          </a:xfrm>
-          <a:prstGeom prst="rect">
-            <a:avLst/>
-          </a:prstGeom>
-          <a:noFill/>
-        </p:spPr>
-        <p:txBody>
-          <a:bodyPr wrap="square" rtlCol="0">
-            <a:spAutoFit/>
-          </a:bodyPr>
-          <a:lstStyle/>
-          <a:p>
-            <a:r>
-              <a:rPr kumimoji="1" lang="ja-JP" altLang="en-US" dirty="0"/>
-              <a:t>出力端子からは</a:t>
-            </a:r>
-            <a:r>
-              <a:rPr kumimoji="1" lang="en-US" altLang="ja-JP" dirty="0"/>
-              <a:t>M1</a:t>
-            </a:r>
-            <a:r>
-              <a:rPr kumimoji="1" lang="ja-JP" altLang="en-US" dirty="0"/>
-              <a:t>の</a:t>
-            </a:r>
-            <a:r>
-              <a:rPr kumimoji="1" lang="en-US" altLang="ja-JP" dirty="0"/>
-              <a:t>gm</a:t>
-            </a:r>
-            <a:r>
-              <a:rPr kumimoji="1" lang="ja-JP" altLang="en-US" dirty="0"/>
-              <a:t>のみ見える。</a:t>
-            </a:r>
-            <a:endParaRPr kumimoji="1" lang="en-US" altLang="ja-JP" dirty="0"/>
-          </a:p>
-          <a:p>
-            <a:r>
-              <a:rPr lang="ja-JP" altLang="en-US" dirty="0"/>
-              <a:t>しかし、</a:t>
-            </a:r>
-            <a:r>
-              <a:rPr lang="en-US" altLang="ja-JP" dirty="0" err="1"/>
-              <a:t>mos</a:t>
-            </a:r>
-            <a:r>
-              <a:rPr lang="ja-JP" altLang="en-US" dirty="0"/>
-              <a:t>のみで</a:t>
-            </a:r>
-            <a:r>
-              <a:rPr lang="en-US" altLang="ja-JP" dirty="0"/>
-              <a:t>20mS</a:t>
-            </a:r>
-            <a:r>
-              <a:rPr lang="ja-JP" altLang="en-US" dirty="0"/>
-              <a:t>を達成しようとするとサイズが大きくなり、電流も増える。</a:t>
-            </a:r>
-            <a:endParaRPr lang="en-US" altLang="ja-JP" dirty="0"/>
-          </a:p>
-          <a:p>
-            <a:r>
-              <a:rPr kumimoji="1" lang="ja-JP" altLang="en-US" dirty="0"/>
-              <a:t>⇒抵抗を使ってコンダクタンスを分配する。</a:t>
-            </a:r>
-            <a:endParaRPr kumimoji="1" lang="en-US" altLang="ja-JP" dirty="0"/>
-          </a:p>
-        </p:txBody>
-      </p:sp>
-    </p:spTree>
-    <p:extLst>
-      <p:ext uri="{BB962C8B-B14F-4D97-AF65-F5344CB8AC3E}">
-        <p14:creationId xmlns:p14="http://schemas.microsoft.com/office/powerpoint/2010/main" val="2279826289"/>
-      </p:ext>
-    </p:extLst>
-  </p:cSld>
-  <p:clrMapOvr>
-    <a:masterClrMapping/>
-  </p:clrMapOvr>
-</p:sld>
-</file>
-
-<file path=ppt/slides/slide5.xml><?xml version="1.0" encoding="utf-8"?>
-<p:sld xmlns:a="http://schemas.openxmlformats.org/drawingml/2006/main" xmlns:r="http://schemas.openxmlformats.org/officeDocument/2006/relationships" xmlns:p="http://schemas.openxmlformats.org/presentationml/2006/main">
-  <p:cSld>
-    <p:spTree>
-      <p:nvGrpSpPr>
-        <p:cNvPr id="1" name=""/>
-        <p:cNvGrpSpPr/>
-        <p:nvPr/>
-      </p:nvGrpSpPr>
-      <p:grpSpPr>
-        <a:xfrm>
-          <a:off x="0" y="0"/>
-          <a:ext cx="0" cy="0"/>
-          <a:chOff x="0" y="0"/>
-          <a:chExt cx="0" cy="0"/>
-        </a:xfrm>
-      </p:grpSpPr>
-      <p:sp>
-        <p:nvSpPr>
-          <p:cNvPr id="2" name="タイトル 1">
-            <a:extLst>
-              <a:ext uri="{FF2B5EF4-FFF2-40B4-BE49-F238E27FC236}">
-                <a16:creationId xmlns:a16="http://schemas.microsoft.com/office/drawing/2014/main" id="{DA0B0DBE-F291-FE92-BF6F-B0029D074C6C}"/>
-              </a:ext>
-            </a:extLst>
-          </p:cNvPr>
-          <p:cNvSpPr>
-            <a:spLocks noGrp="1"/>
-          </p:cNvSpPr>
-          <p:nvPr>
-            <p:ph type="title"/>
-          </p:nvPr>
-        </p:nvSpPr>
-        <p:spPr/>
-        <p:txBody>
-          <a:bodyPr/>
-          <a:lstStyle/>
-          <a:p>
-            <a:r>
-              <a:rPr kumimoji="1" lang="ja-JP" altLang="en-US" dirty="0"/>
-              <a:t>考案するバッファ回路</a:t>
+              <a:t>バッファ回路</a:t>
             </a:r>
           </a:p>
         </p:txBody>
@@ -4305,10 +4042,10 @@
         <mc:Choice xmlns:a14="http://schemas.microsoft.com/office/drawing/2010/main" Requires="a14">
           <p:sp>
             <p:nvSpPr>
-              <p:cNvPr id="5" name="テキスト ボックス 4">
+              <p:cNvPr id="3" name="テキスト ボックス 2">
                 <a:extLst>
                   <a:ext uri="{FF2B5EF4-FFF2-40B4-BE49-F238E27FC236}">
-                    <a16:creationId xmlns:a16="http://schemas.microsoft.com/office/drawing/2014/main" id="{1D691765-4C8A-2311-E940-C7BEA3300B16}"/>
+                    <a16:creationId xmlns:a16="http://schemas.microsoft.com/office/drawing/2014/main" id="{7169ACA2-CCC8-39E1-DB63-33CD85E25ED0}"/>
                   </a:ext>
                 </a:extLst>
               </p:cNvPr>
@@ -4317,8 +4054,8 @@
             </p:nvSpPr>
             <p:spPr>
               <a:xfrm>
-                <a:off x="838200" y="1939637"/>
-                <a:ext cx="6227618" cy="5111271"/>
+                <a:off x="443883" y="1429305"/>
+                <a:ext cx="6702641" cy="4488921"/>
               </a:xfrm>
               <a:prstGeom prst="rect">
                 <a:avLst/>
@@ -4332,213 +4069,39 @@
               <a:lstStyle/>
               <a:p>
                 <a:r>
-                  <a:rPr lang="ja-JP" altLang="en-US" dirty="0"/>
-                  <a:t>出力インピーダンスは</a:t>
+                  <a:rPr kumimoji="1" lang="ja-JP" altLang="en-US" dirty="0"/>
+                  <a:t>・ギルバートセルの出力は</a:t>
                 </a:r>
-                <a14:m>
-                  <m:oMath xmlns:m="http://schemas.openxmlformats.org/officeDocument/2006/math">
-                    <m:sSub>
-                      <m:sSubPr>
-                        <m:ctrlPr>
-                          <a:rPr lang="en-US" altLang="ja-JP" b="0" i="1" smtClean="0">
-                            <a:latin typeface="Cambria Math" panose="02040503050406030204" pitchFamily="18" charset="0"/>
-                          </a:rPr>
-                        </m:ctrlPr>
-                      </m:sSubPr>
-                      <m:e>
-                        <m:r>
-                          <a:rPr lang="en-US" altLang="ja-JP" b="0" i="1" smtClean="0">
-                            <a:latin typeface="Cambria Math" panose="02040503050406030204" pitchFamily="18" charset="0"/>
-                          </a:rPr>
-                          <m:t>𝑀</m:t>
-                        </m:r>
-                      </m:e>
-                      <m:sub>
-                        <m:r>
-                          <a:rPr lang="en-US" altLang="ja-JP" b="0" i="1" smtClean="0">
-                            <a:latin typeface="Cambria Math" panose="02040503050406030204" pitchFamily="18" charset="0"/>
-                          </a:rPr>
-                          <m:t>𝐵</m:t>
-                        </m:r>
-                      </m:sub>
-                    </m:sSub>
-                  </m:oMath>
-                </a14:m>
+                <a:r>
+                  <a:rPr kumimoji="1" lang="en-US" altLang="ja-JP" dirty="0"/>
+                  <a:t>1.4 V</a:t>
+                </a:r>
                 <a:r>
                   <a:rPr kumimoji="1" lang="ja-JP" altLang="en-US" dirty="0"/>
-                  <a:t>のトランスコンダクタンス</a:t>
+                  <a:t>を中心とする</a:t>
                 </a:r>
-                <a14:m>
-                  <m:oMath xmlns:m="http://schemas.openxmlformats.org/officeDocument/2006/math">
-                    <m:sSub>
-                      <m:sSubPr>
-                        <m:ctrlPr>
-                          <a:rPr kumimoji="1" lang="en-US" altLang="ja-JP" b="0" i="1" smtClean="0">
-                            <a:latin typeface="Cambria Math" panose="02040503050406030204" pitchFamily="18" charset="0"/>
-                          </a:rPr>
-                        </m:ctrlPr>
-                      </m:sSubPr>
-                      <m:e>
-                        <m:r>
-                          <a:rPr kumimoji="1" lang="en-US" altLang="ja-JP" b="0" i="1" smtClean="0">
-                            <a:latin typeface="Cambria Math" panose="02040503050406030204" pitchFamily="18" charset="0"/>
-                          </a:rPr>
-                          <m:t>𝑔</m:t>
-                        </m:r>
-                      </m:e>
-                      <m:sub>
-                        <m:r>
-                          <a:rPr kumimoji="1" lang="en-US" altLang="ja-JP" b="0" i="1" smtClean="0">
-                            <a:latin typeface="Cambria Math" panose="02040503050406030204" pitchFamily="18" charset="0"/>
-                          </a:rPr>
-                          <m:t>𝑚</m:t>
-                        </m:r>
-                      </m:sub>
-                    </m:sSub>
-                  </m:oMath>
-                </a14:m>
+                <a:r>
+                  <a:rPr kumimoji="1" lang="en-US" altLang="ja-JP" dirty="0"/>
+                  <a:t>+-0.4V</a:t>
+                </a:r>
                 <a:r>
                   <a:rPr kumimoji="1" lang="ja-JP" altLang="en-US" dirty="0"/>
-                  <a:t>と二つの抵抗</a:t>
-                </a:r>
-                <a14:m>
-                  <m:oMath xmlns:m="http://schemas.openxmlformats.org/officeDocument/2006/math">
-                    <m:sSub>
-                      <m:sSubPr>
-                        <m:ctrlPr>
-                          <a:rPr kumimoji="1" lang="en-US" altLang="ja-JP" b="0" i="1" smtClean="0">
-                            <a:latin typeface="Cambria Math" panose="02040503050406030204" pitchFamily="18" charset="0"/>
-                          </a:rPr>
-                        </m:ctrlPr>
-                      </m:sSubPr>
-                      <m:e>
-                        <m:r>
-                          <a:rPr kumimoji="1" lang="en-US" altLang="ja-JP" b="0" i="1" smtClean="0">
-                            <a:latin typeface="Cambria Math" panose="02040503050406030204" pitchFamily="18" charset="0"/>
-                          </a:rPr>
-                          <m:t>𝑔</m:t>
-                        </m:r>
-                      </m:e>
-                      <m:sub>
-                        <m:r>
-                          <a:rPr kumimoji="1" lang="en-US" altLang="ja-JP" b="0" i="1" smtClean="0">
-                            <a:latin typeface="Cambria Math" panose="02040503050406030204" pitchFamily="18" charset="0"/>
-                          </a:rPr>
-                          <m:t>𝑈</m:t>
-                        </m:r>
-                      </m:sub>
-                    </m:sSub>
-                    <m:r>
-                      <a:rPr lang="ja-JP" altLang="en-US" i="1">
-                        <a:latin typeface="Cambria Math" panose="02040503050406030204" pitchFamily="18" charset="0"/>
-                      </a:rPr>
-                      <m:t>、</m:t>
-                    </m:r>
-                    <m:sSub>
-                      <m:sSubPr>
-                        <m:ctrlPr>
-                          <a:rPr kumimoji="1" lang="en-US" altLang="ja-JP" b="0" i="1" smtClean="0">
-                            <a:latin typeface="Cambria Math" panose="02040503050406030204" pitchFamily="18" charset="0"/>
-                          </a:rPr>
-                        </m:ctrlPr>
-                      </m:sSubPr>
-                      <m:e>
-                        <m:r>
-                          <a:rPr kumimoji="1" lang="en-US" altLang="ja-JP" b="0" i="1" smtClean="0">
-                            <a:latin typeface="Cambria Math" panose="02040503050406030204" pitchFamily="18" charset="0"/>
-                          </a:rPr>
-                          <m:t>𝑔</m:t>
-                        </m:r>
-                      </m:e>
-                      <m:sub>
-                        <m:r>
-                          <a:rPr kumimoji="1" lang="en-US" altLang="ja-JP" b="0" i="1" smtClean="0">
-                            <a:latin typeface="Cambria Math" panose="02040503050406030204" pitchFamily="18" charset="0"/>
-                          </a:rPr>
-                          <m:t>𝐿</m:t>
-                        </m:r>
-                      </m:sub>
-                    </m:sSub>
-                  </m:oMath>
-                </a14:m>
-                <a:r>
-                  <a:rPr kumimoji="1" lang="ja-JP" altLang="en-US" dirty="0"/>
-                  <a:t>の和になる。</a:t>
+                  <a:t>の出力</a:t>
                 </a:r>
                 <a:endParaRPr kumimoji="1" lang="en-US" altLang="ja-JP" dirty="0"/>
               </a:p>
               <a:p>
-                <a14:m>
-                  <m:oMath xmlns:m="http://schemas.openxmlformats.org/officeDocument/2006/math">
-                    <m:sSub>
-                      <m:sSubPr>
-                        <m:ctrlPr>
-                          <a:rPr kumimoji="1" lang="en-US" altLang="ja-JP" b="0" i="1" smtClean="0">
-                            <a:latin typeface="Cambria Math" panose="02040503050406030204" pitchFamily="18" charset="0"/>
-                          </a:rPr>
-                        </m:ctrlPr>
-                      </m:sSubPr>
-                      <m:e>
-                        <m:r>
-                          <a:rPr kumimoji="1" lang="en-US" altLang="ja-JP" b="0" i="1" smtClean="0">
-                            <a:latin typeface="Cambria Math" panose="02040503050406030204" pitchFamily="18" charset="0"/>
-                          </a:rPr>
-                          <m:t>𝑅</m:t>
-                        </m:r>
-                      </m:e>
-                      <m:sub>
-                        <m:r>
-                          <a:rPr kumimoji="1" lang="en-US" altLang="ja-JP" b="0" i="1" smtClean="0">
-                            <a:latin typeface="Cambria Math" panose="02040503050406030204" pitchFamily="18" charset="0"/>
-                          </a:rPr>
-                          <m:t>𝐿</m:t>
-                        </m:r>
-                      </m:sub>
-                    </m:sSub>
-                    <m:r>
-                      <a:rPr lang="ja-JP" altLang="en-US" i="1">
-                        <a:latin typeface="Cambria Math" panose="02040503050406030204" pitchFamily="18" charset="0"/>
-                      </a:rPr>
-                      <m:t>には</m:t>
-                    </m:r>
-                  </m:oMath>
-                </a14:m>
                 <a:r>
                   <a:rPr kumimoji="1" lang="ja-JP" altLang="en-US" dirty="0"/>
-                  <a:t>比較的大きな電流が流れるので</a:t>
+                  <a:t>・</a:t>
                 </a:r>
-                <a14:m>
-                  <m:oMath xmlns:m="http://schemas.openxmlformats.org/officeDocument/2006/math">
-                    <m:sSub>
-                      <m:sSubPr>
-                        <m:ctrlPr>
-                          <a:rPr kumimoji="1" lang="en-US" altLang="ja-JP" b="0" i="1" smtClean="0">
-                            <a:latin typeface="Cambria Math" panose="02040503050406030204" pitchFamily="18" charset="0"/>
-                          </a:rPr>
-                        </m:ctrlPr>
-                      </m:sSubPr>
-                      <m:e>
-                        <m:r>
-                          <a:rPr kumimoji="1" lang="en-US" altLang="ja-JP" b="0" i="1" smtClean="0">
-                            <a:latin typeface="Cambria Math" panose="02040503050406030204" pitchFamily="18" charset="0"/>
-                          </a:rPr>
-                          <m:t>𝑔</m:t>
-                        </m:r>
-                      </m:e>
-                      <m:sub>
-                        <m:r>
-                          <a:rPr kumimoji="1" lang="en-US" altLang="ja-JP" b="0" i="1" smtClean="0">
-                            <a:latin typeface="Cambria Math" panose="02040503050406030204" pitchFamily="18" charset="0"/>
-                          </a:rPr>
-                          <m:t>𝑈</m:t>
-                        </m:r>
-                      </m:sub>
-                    </m:sSub>
-                  </m:oMath>
-                </a14:m>
+                <a:r>
+                  <a:rPr kumimoji="1" lang="en-US" altLang="ja-JP" dirty="0"/>
+                  <a:t>gm=20mS</a:t>
+                </a:r>
                 <a:r>
                   <a:rPr kumimoji="1" lang="ja-JP" altLang="en-US" dirty="0"/>
-                  <a:t>からも電流を供給すればトランジスタのサイズは無理に大きくする必要がなくなる。</a:t>
+                  <a:t>となるようなバッファを作る</a:t>
                 </a:r>
                 <a:endParaRPr kumimoji="1" lang="en-US" altLang="ja-JP" dirty="0"/>
               </a:p>
@@ -4548,120 +4111,27 @@
               <a:p>
                 <a:r>
                   <a:rPr lang="ja-JP" altLang="en-US" dirty="0"/>
-                  <a:t>この時満たすべき方程式は</a:t>
+                  <a:t>今回は右のようなバッファを検討した</a:t>
                 </a:r>
                 <a:endParaRPr lang="en-US" altLang="ja-JP" dirty="0"/>
               </a:p>
               <a:p>
-                <a14:m>
-                  <m:oMathPara xmlns:m="http://schemas.openxmlformats.org/officeDocument/2006/math">
-                    <m:oMathParaPr>
-                      <m:jc m:val="centerGroup"/>
-                    </m:oMathParaPr>
-                    <m:oMath xmlns:m="http://schemas.openxmlformats.org/officeDocument/2006/math">
-                      <m:sSub>
-                        <m:sSubPr>
-                          <m:ctrlPr>
-                            <a:rPr lang="en-US" altLang="ja-JP" b="0" i="1" smtClean="0">
-                              <a:latin typeface="Cambria Math" panose="02040503050406030204" pitchFamily="18" charset="0"/>
-                            </a:rPr>
-                          </m:ctrlPr>
-                        </m:sSubPr>
-                        <m:e>
-                          <m:r>
-                            <a:rPr lang="en-US" altLang="ja-JP" b="0" i="1" smtClean="0">
-                              <a:latin typeface="Cambria Math" panose="02040503050406030204" pitchFamily="18" charset="0"/>
-                            </a:rPr>
-                            <m:t>𝑔</m:t>
-                          </m:r>
-                        </m:e>
-                        <m:sub>
-                          <m:r>
-                            <a:rPr lang="en-US" altLang="ja-JP" b="0" i="1" smtClean="0">
-                              <a:latin typeface="Cambria Math" panose="02040503050406030204" pitchFamily="18" charset="0"/>
-                            </a:rPr>
-                            <m:t>𝑚</m:t>
-                          </m:r>
-                        </m:sub>
-                      </m:sSub>
-                      <m:r>
-                        <a:rPr lang="en-US" altLang="ja-JP" b="0" i="1" smtClean="0">
-                          <a:latin typeface="Cambria Math" panose="02040503050406030204" pitchFamily="18" charset="0"/>
-                        </a:rPr>
-                        <m:t>+</m:t>
-                      </m:r>
-                      <m:sSub>
-                        <m:sSubPr>
-                          <m:ctrlPr>
-                            <a:rPr lang="en-US" altLang="ja-JP" b="0" i="1" smtClean="0">
-                              <a:latin typeface="Cambria Math" panose="02040503050406030204" pitchFamily="18" charset="0"/>
-                            </a:rPr>
-                          </m:ctrlPr>
-                        </m:sSubPr>
-                        <m:e>
-                          <m:r>
-                            <a:rPr lang="en-US" altLang="ja-JP" b="0" i="1" smtClean="0">
-                              <a:latin typeface="Cambria Math" panose="02040503050406030204" pitchFamily="18" charset="0"/>
-                            </a:rPr>
-                            <m:t>𝑔</m:t>
-                          </m:r>
-                        </m:e>
-                        <m:sub>
-                          <m:r>
-                            <a:rPr lang="en-US" altLang="ja-JP" b="0" i="1" smtClean="0">
-                              <a:latin typeface="Cambria Math" panose="02040503050406030204" pitchFamily="18" charset="0"/>
-                            </a:rPr>
-                            <m:t>𝑈</m:t>
-                          </m:r>
-                        </m:sub>
-                      </m:sSub>
-                      <m:r>
-                        <a:rPr lang="en-US" altLang="ja-JP" b="0" i="1" smtClean="0">
-                          <a:latin typeface="Cambria Math" panose="02040503050406030204" pitchFamily="18" charset="0"/>
-                        </a:rPr>
-                        <m:t>+</m:t>
-                      </m:r>
-                      <m:sSub>
-                        <m:sSubPr>
-                          <m:ctrlPr>
-                            <a:rPr lang="en-US" altLang="ja-JP" b="0" i="1" smtClean="0">
-                              <a:latin typeface="Cambria Math" panose="02040503050406030204" pitchFamily="18" charset="0"/>
-                            </a:rPr>
-                          </m:ctrlPr>
-                        </m:sSubPr>
-                        <m:e>
-                          <m:r>
-                            <a:rPr lang="en-US" altLang="ja-JP" b="0" i="1" smtClean="0">
-                              <a:latin typeface="Cambria Math" panose="02040503050406030204" pitchFamily="18" charset="0"/>
-                            </a:rPr>
-                            <m:t>𝑔</m:t>
-                          </m:r>
-                        </m:e>
-                        <m:sub>
-                          <m:r>
-                            <a:rPr lang="en-US" altLang="ja-JP" b="0" i="1" smtClean="0">
-                              <a:latin typeface="Cambria Math" panose="02040503050406030204" pitchFamily="18" charset="0"/>
-                            </a:rPr>
-                            <m:t>𝐿</m:t>
-                          </m:r>
-                        </m:sub>
-                      </m:sSub>
-                      <m:r>
-                        <a:rPr lang="en-US" altLang="ja-JP" b="0" i="1" smtClean="0">
-                          <a:latin typeface="Cambria Math" panose="02040503050406030204" pitchFamily="18" charset="0"/>
-                        </a:rPr>
-                        <m:t>=20 </m:t>
-                      </m:r>
-                      <m:r>
-                        <a:rPr lang="en-US" altLang="ja-JP" b="0" i="1" smtClean="0">
-                          <a:latin typeface="Cambria Math" panose="02040503050406030204" pitchFamily="18" charset="0"/>
-                        </a:rPr>
-                        <m:t>𝑚𝑆</m:t>
-                      </m:r>
-                    </m:oMath>
-                  </m:oMathPara>
-                </a14:m>
-                <a:endParaRPr lang="en-US" altLang="ja-JP" b="0" dirty="0"/>
+                <a:endParaRPr lang="en-US" altLang="ja-JP" dirty="0"/>
+              </a:p>
+              <a:p>
+                <a:r>
+                  <a:rPr lang="ja-JP" altLang="en-US" dirty="0"/>
+                  <a:t>直流バイアスにおいて飽和領域で</a:t>
+                </a:r>
+                <a:r>
+                  <a:rPr lang="en-US" altLang="ja-JP" dirty="0" err="1"/>
+                  <a:t>mos</a:t>
+                </a:r>
+                <a:r>
+                  <a:rPr lang="ja-JP" altLang="en-US" dirty="0"/>
+                  <a:t>に流れる電流は</a:t>
+                </a:r>
+                <a:endParaRPr lang="en-US" altLang="ja-JP" dirty="0"/>
               </a:p>
               <a:p>
                 <a14:m>
@@ -4699,12 +4169,35 @@
                         <a:rPr lang="en-US" altLang="ja-JP" b="0" i="1" smtClean="0">
                           <a:latin typeface="Cambria Math" panose="02040503050406030204" pitchFamily="18" charset="0"/>
                         </a:rPr>
-                        <m:t>+</m:t>
+                        <m:t>=</m:t>
                       </m:r>
+                      <m:sSub>
+                        <m:sSubPr>
+                          <m:ctrlPr>
+                            <a:rPr lang="en-US" altLang="ja-JP" b="0" i="1" smtClean="0">
+                              <a:latin typeface="Cambria Math" panose="02040503050406030204" pitchFamily="18" charset="0"/>
+                            </a:rPr>
+                          </m:ctrlPr>
+                        </m:sSubPr>
+                        <m:e>
+                          <m:r>
+                            <a:rPr lang="en-US" altLang="ja-JP" b="0" i="1" smtClean="0">
+                              <a:latin typeface="Cambria Math" panose="02040503050406030204" pitchFamily="18" charset="0"/>
+                            </a:rPr>
+                            <m:t>𝑔</m:t>
+                          </m:r>
+                        </m:e>
+                        <m:sub>
+                          <m:r>
+                            <a:rPr lang="en-US" altLang="ja-JP" b="0" i="1" smtClean="0">
+                              <a:latin typeface="Cambria Math" panose="02040503050406030204" pitchFamily="18" charset="0"/>
+                            </a:rPr>
+                            <m:t>𝑚</m:t>
+                          </m:r>
+                        </m:sub>
+                      </m:sSub>
                       <m:d>
                         <m:dPr>
-                          <m:begChr m:val="{"/>
-                          <m:endChr m:val="}"/>
                           <m:ctrlPr>
                             <a:rPr lang="en-US" altLang="ja-JP" b="0" i="1" smtClean="0">
                               <a:latin typeface="Cambria Math" panose="02040503050406030204" pitchFamily="18" charset="0"/>
@@ -4733,7 +4226,7 @@
                                 <a:rPr lang="en-US" altLang="ja-JP" b="0" i="1" smtClean="0">
                                   <a:latin typeface="Cambria Math" panose="02040503050406030204" pitchFamily="18" charset="0"/>
                                 </a:rPr>
-                                <m:t>𝑑𝑑</m:t>
+                                <m:t>𝑖𝑛</m:t>
                               </m:r>
                             </m:sub>
                           </m:sSub>
@@ -4743,202 +4236,107 @@
                             </a:rPr>
                             <m:t>−</m:t>
                           </m:r>
-                          <m:d>
-                            <m:dPr>
+                          <m:sSub>
+                            <m:sSubPr>
                               <m:ctrlPr>
                                 <a:rPr lang="en-US" altLang="ja-JP" b="0" i="1" smtClean="0">
                                   <a:latin typeface="Cambria Math" panose="02040503050406030204" pitchFamily="18" charset="0"/>
                                 </a:rPr>
                               </m:ctrlPr>
-                            </m:dPr>
+                            </m:sSubPr>
                             <m:e>
-                              <m:sSub>
-                                <m:sSubPr>
-                                  <m:ctrlPr>
-                                    <a:rPr lang="en-US" altLang="ja-JP" b="0" i="1" smtClean="0">
-                                      <a:latin typeface="Cambria Math" panose="02040503050406030204" pitchFamily="18" charset="0"/>
-                                    </a:rPr>
-                                  </m:ctrlPr>
-                                </m:sSubPr>
-                                <m:e>
-                                  <m:r>
-                                    <a:rPr lang="en-US" altLang="ja-JP" b="0" i="1" smtClean="0">
-                                      <a:latin typeface="Cambria Math" panose="02040503050406030204" pitchFamily="18" charset="0"/>
-                                    </a:rPr>
-                                    <m:t>𝑉</m:t>
-                                  </m:r>
-                                </m:e>
-                                <m:sub>
-                                  <m:r>
-                                    <a:rPr lang="en-US" altLang="ja-JP" b="0" i="1" smtClean="0">
-                                      <a:latin typeface="Cambria Math" panose="02040503050406030204" pitchFamily="18" charset="0"/>
-                                    </a:rPr>
-                                    <m:t>𝑜𝑢𝑡</m:t>
-                                  </m:r>
-                                </m:sub>
-                              </m:sSub>
                               <m:r>
                                 <a:rPr lang="en-US" altLang="ja-JP" b="0" i="1" smtClean="0">
                                   <a:latin typeface="Cambria Math" panose="02040503050406030204" pitchFamily="18" charset="0"/>
                                 </a:rPr>
-                                <m:t>+</m:t>
+                                <m:t>𝑉</m:t>
                               </m:r>
-                              <m:sSub>
-                                <m:sSubPr>
-                                  <m:ctrlPr>
-                                    <a:rPr lang="en-US" altLang="ja-JP" b="0" i="1" smtClean="0">
-                                      <a:latin typeface="Cambria Math" panose="02040503050406030204" pitchFamily="18" charset="0"/>
-                                    </a:rPr>
-                                  </m:ctrlPr>
-                                </m:sSubPr>
-                                <m:e>
-                                  <m:r>
-                                    <a:rPr lang="en-US" altLang="ja-JP" b="0" i="1" smtClean="0">
-                                      <a:latin typeface="Cambria Math" panose="02040503050406030204" pitchFamily="18" charset="0"/>
-                                    </a:rPr>
-                                    <m:t>𝑣</m:t>
-                                  </m:r>
-                                </m:e>
-                                <m:sub>
-                                  <m:r>
-                                    <a:rPr lang="en-US" altLang="ja-JP" b="0" i="1" smtClean="0">
-                                      <a:latin typeface="Cambria Math" panose="02040503050406030204" pitchFamily="18" charset="0"/>
-                                    </a:rPr>
-                                    <m:t>𝑜𝑢𝑡</m:t>
-                                  </m:r>
-                                </m:sub>
-                              </m:sSub>
                             </m:e>
-                          </m:d>
-                        </m:e>
-                      </m:d>
-                      <m:sSub>
-                        <m:sSubPr>
-                          <m:ctrlPr>
-                            <a:rPr lang="en-US" altLang="ja-JP" b="0" i="1" smtClean="0">
-                              <a:latin typeface="Cambria Math" panose="02040503050406030204" pitchFamily="18" charset="0"/>
-                            </a:rPr>
-                          </m:ctrlPr>
-                        </m:sSubPr>
-                        <m:e>
+                            <m:sub>
+                              <m:r>
+                                <a:rPr lang="en-US" altLang="ja-JP" b="0" i="1" smtClean="0">
+                                  <a:latin typeface="Cambria Math" panose="02040503050406030204" pitchFamily="18" charset="0"/>
+                                </a:rPr>
+                                <m:t>𝑜𝑢𝑡</m:t>
+                              </m:r>
+                            </m:sub>
+                          </m:sSub>
                           <m:r>
                             <a:rPr lang="en-US" altLang="ja-JP" b="0" i="1" smtClean="0">
                               <a:latin typeface="Cambria Math" panose="02040503050406030204" pitchFamily="18" charset="0"/>
                             </a:rPr>
-                            <m:t>𝑔</m:t>
+                            <m:t>−</m:t>
                           </m:r>
+                          <m:sSub>
+                            <m:sSubPr>
+                              <m:ctrlPr>
+                                <a:rPr lang="en-US" altLang="ja-JP" b="0" i="1" smtClean="0">
+                                  <a:latin typeface="Cambria Math" panose="02040503050406030204" pitchFamily="18" charset="0"/>
+                                </a:rPr>
+                              </m:ctrlPr>
+                            </m:sSubPr>
+                            <m:e>
+                              <m:r>
+                                <a:rPr lang="en-US" altLang="ja-JP" b="0" i="1" smtClean="0">
+                                  <a:latin typeface="Cambria Math" panose="02040503050406030204" pitchFamily="18" charset="0"/>
+                                </a:rPr>
+                                <m:t>𝑉</m:t>
+                              </m:r>
+                            </m:e>
+                            <m:sub>
+                              <m:r>
+                                <a:rPr lang="en-US" altLang="ja-JP" b="0" i="1" smtClean="0">
+                                  <a:latin typeface="Cambria Math" panose="02040503050406030204" pitchFamily="18" charset="0"/>
+                                </a:rPr>
+                                <m:t>𝑡h</m:t>
+                              </m:r>
+                            </m:sub>
+                          </m:sSub>
                         </m:e>
-                        <m:sub>
-                          <m:r>
-                            <a:rPr lang="en-US" altLang="ja-JP" b="0" i="1" smtClean="0">
-                              <a:latin typeface="Cambria Math" panose="02040503050406030204" pitchFamily="18" charset="0"/>
-                            </a:rPr>
-                            <m:t>𝑈</m:t>
-                          </m:r>
-                        </m:sub>
-                      </m:sSub>
-                      <m:r>
-                        <a:rPr lang="en-US" altLang="ja-JP" b="0" i="1" smtClean="0">
-                          <a:latin typeface="Cambria Math" panose="02040503050406030204" pitchFamily="18" charset="0"/>
-                        </a:rPr>
-                        <m:t>=(</m:t>
-                      </m:r>
-                      <m:sSub>
-                        <m:sSubPr>
-                          <m:ctrlPr>
-                            <a:rPr lang="en-US" altLang="ja-JP" b="0" i="1" smtClean="0">
-                              <a:latin typeface="Cambria Math" panose="02040503050406030204" pitchFamily="18" charset="0"/>
-                            </a:rPr>
-                          </m:ctrlPr>
-                        </m:sSubPr>
-                        <m:e>
-                          <m:r>
-                            <a:rPr lang="en-US" altLang="ja-JP" b="0" i="1" smtClean="0">
-                              <a:latin typeface="Cambria Math" panose="02040503050406030204" pitchFamily="18" charset="0"/>
-                            </a:rPr>
-                            <m:t>𝑔</m:t>
-                          </m:r>
-                        </m:e>
-                        <m:sub>
-                          <m:r>
-                            <a:rPr lang="en-US" altLang="ja-JP" b="0" i="1" smtClean="0">
-                              <a:latin typeface="Cambria Math" panose="02040503050406030204" pitchFamily="18" charset="0"/>
-                            </a:rPr>
-                            <m:t>𝐿</m:t>
-                          </m:r>
-                        </m:sub>
-                      </m:sSub>
-                      <m:r>
-                        <a:rPr lang="en-US" altLang="ja-JP" b="0" i="1" smtClean="0">
-                          <a:latin typeface="Cambria Math" panose="02040503050406030204" pitchFamily="18" charset="0"/>
-                        </a:rPr>
-                        <m:t>+20)(</m:t>
-                      </m:r>
-                      <m:sSub>
-                        <m:sSubPr>
-                          <m:ctrlPr>
-                            <a:rPr lang="en-US" altLang="ja-JP" b="0" i="1" smtClean="0">
-                              <a:latin typeface="Cambria Math" panose="02040503050406030204" pitchFamily="18" charset="0"/>
-                            </a:rPr>
-                          </m:ctrlPr>
-                        </m:sSubPr>
-                        <m:e>
-                          <m:r>
-                            <a:rPr lang="en-US" altLang="ja-JP" b="0" i="1" smtClean="0">
-                              <a:latin typeface="Cambria Math" panose="02040503050406030204" pitchFamily="18" charset="0"/>
-                            </a:rPr>
-                            <m:t>𝑉</m:t>
-                          </m:r>
-                        </m:e>
-                        <m:sub>
-                          <m:r>
-                            <a:rPr lang="en-US" altLang="ja-JP" b="0" i="1" smtClean="0">
-                              <a:latin typeface="Cambria Math" panose="02040503050406030204" pitchFamily="18" charset="0"/>
-                            </a:rPr>
-                            <m:t>𝑜𝑢𝑡</m:t>
-                          </m:r>
-                        </m:sub>
-                      </m:sSub>
-                      <m:r>
-                        <a:rPr lang="en-US" altLang="ja-JP" b="0" i="1" smtClean="0">
-                          <a:latin typeface="Cambria Math" panose="02040503050406030204" pitchFamily="18" charset="0"/>
-                        </a:rPr>
-                        <m:t>+</m:t>
-                      </m:r>
-                      <m:sSub>
-                        <m:sSubPr>
-                          <m:ctrlPr>
-                            <a:rPr lang="en-US" altLang="ja-JP" b="0" i="1" smtClean="0">
-                              <a:latin typeface="Cambria Math" panose="02040503050406030204" pitchFamily="18" charset="0"/>
-                            </a:rPr>
-                          </m:ctrlPr>
-                        </m:sSubPr>
-                        <m:e>
-                          <m:r>
-                            <a:rPr lang="en-US" altLang="ja-JP" b="0" i="1" smtClean="0">
-                              <a:latin typeface="Cambria Math" panose="02040503050406030204" pitchFamily="18" charset="0"/>
-                            </a:rPr>
-                            <m:t>𝑣</m:t>
-                          </m:r>
-                        </m:e>
-                        <m:sub>
-                          <m:r>
-                            <a:rPr lang="en-US" altLang="ja-JP" b="0" i="1" smtClean="0">
-                              <a:latin typeface="Cambria Math" panose="02040503050406030204" pitchFamily="18" charset="0"/>
-                            </a:rPr>
-                            <m:t>𝑜𝑢𝑡</m:t>
-                          </m:r>
-                        </m:sub>
-                      </m:sSub>
-                      <m:r>
-                        <a:rPr lang="en-US" altLang="ja-JP" b="0" i="1" smtClean="0">
-                          <a:latin typeface="Cambria Math" panose="02040503050406030204" pitchFamily="18" charset="0"/>
-                        </a:rPr>
-                        <m:t>)</m:t>
-                      </m:r>
+                      </m:d>
                     </m:oMath>
                   </m:oMathPara>
                 </a14:m>
+                <a:endParaRPr lang="en-US" altLang="ja-JP" b="0" dirty="0"/>
+              </a:p>
+              <a:p>
+                <a:r>
+                  <a:rPr lang="ja-JP" altLang="en-US" dirty="0"/>
+                  <a:t>であらわされる。また、</a:t>
+                </a:r>
+                <a14:m>
+                  <m:oMath xmlns:m="http://schemas.openxmlformats.org/officeDocument/2006/math">
+                    <m:sSub>
+                      <m:sSubPr>
+                        <m:ctrlPr>
+                          <a:rPr lang="en-US" altLang="ja-JP" b="0" i="1" smtClean="0">
+                            <a:latin typeface="Cambria Math" panose="02040503050406030204" pitchFamily="18" charset="0"/>
+                          </a:rPr>
+                        </m:ctrlPr>
+                      </m:sSubPr>
+                      <m:e>
+                        <m:r>
+                          <a:rPr lang="en-US" altLang="ja-JP" b="0" i="1" smtClean="0">
+                            <a:latin typeface="Cambria Math" panose="02040503050406030204" pitchFamily="18" charset="0"/>
+                          </a:rPr>
+                          <m:t>𝑅</m:t>
+                        </m:r>
+                      </m:e>
+                      <m:sub>
+                        <m:r>
+                          <a:rPr lang="en-US" altLang="ja-JP" b="0" i="1" smtClean="0">
+                            <a:latin typeface="Cambria Math" panose="02040503050406030204" pitchFamily="18" charset="0"/>
+                          </a:rPr>
+                          <m:t>𝐿</m:t>
+                        </m:r>
+                      </m:sub>
+                    </m:sSub>
+                  </m:oMath>
+                </a14:m>
+                <a:r>
+                  <a:rPr lang="ja-JP" altLang="en-US" dirty="0"/>
+                  <a:t>に流れる電流は</a:t>
+                </a:r>
                 <a:endParaRPr lang="en-US" altLang="ja-JP" dirty="0"/>
               </a:p>
               <a:p>
@@ -4988,22 +4386,47 @@
                           </m:ctrlPr>
                         </m:fPr>
                         <m:num>
-                          <m:r>
-                            <a:rPr lang="en-US" altLang="ja-JP" b="0" i="1" smtClean="0">
-                              <a:latin typeface="Cambria Math" panose="02040503050406030204" pitchFamily="18" charset="0"/>
-                            </a:rPr>
-                            <m:t>1</m:t>
-                          </m:r>
+                          <m:sSub>
+                            <m:sSubPr>
+                              <m:ctrlPr>
+                                <a:rPr lang="en-US" altLang="ja-JP" b="0" i="1" smtClean="0">
+                                  <a:latin typeface="Cambria Math" panose="02040503050406030204" pitchFamily="18" charset="0"/>
+                                </a:rPr>
+                              </m:ctrlPr>
+                            </m:sSubPr>
+                            <m:e>
+                              <m:r>
+                                <a:rPr lang="en-US" altLang="ja-JP" b="0" i="1" smtClean="0">
+                                  <a:latin typeface="Cambria Math" panose="02040503050406030204" pitchFamily="18" charset="0"/>
+                                </a:rPr>
+                                <m:t>𝑉</m:t>
+                              </m:r>
+                            </m:e>
+                            <m:sub>
+                              <m:r>
+                                <a:rPr lang="en-US" altLang="ja-JP" b="0" i="1" smtClean="0">
+                                  <a:latin typeface="Cambria Math" panose="02040503050406030204" pitchFamily="18" charset="0"/>
+                                </a:rPr>
+                                <m:t>𝑜𝑢𝑡</m:t>
+                              </m:r>
+                            </m:sub>
+                          </m:sSub>
                         </m:num>
                         <m:den>
                           <m:r>
                             <a:rPr lang="en-US" altLang="ja-JP" b="0" i="1" smtClean="0">
                               <a:latin typeface="Cambria Math" panose="02040503050406030204" pitchFamily="18" charset="0"/>
                             </a:rPr>
-                            <m:t>2</m:t>
+                            <m:t>50</m:t>
                           </m:r>
                         </m:den>
                       </m:f>
+                      <m:r>
+                        <a:rPr lang="en-US" altLang="ja-JP" b="0" i="1" smtClean="0">
+                          <a:latin typeface="Cambria Math" panose="02040503050406030204" pitchFamily="18" charset="0"/>
+                        </a:rPr>
+                        <m:t>=</m:t>
+                      </m:r>
                       <m:sSub>
                         <m:sSubPr>
                           <m:ctrlPr>
@@ -5029,700 +4452,6 @@
                           </m:r>
                         </m:sub>
                       </m:sSub>
-                      <m:d>
-                        <m:dPr>
-                          <m:begChr m:val="{"/>
-                          <m:endChr m:val="}"/>
-                          <m:ctrlPr>
-                            <a:rPr lang="en-US" altLang="ja-JP" b="0" i="1" smtClean="0">
-                              <a:latin typeface="Cambria Math" panose="02040503050406030204" pitchFamily="18" charset="0"/>
-                            </a:rPr>
-                          </m:ctrlPr>
-                        </m:dPr>
-                        <m:e>
-                          <m:sSub>
-                            <m:sSubPr>
-                              <m:ctrlPr>
-                                <a:rPr lang="en-US" altLang="ja-JP" b="0" i="1" smtClean="0">
-                                  <a:latin typeface="Cambria Math" panose="02040503050406030204" pitchFamily="18" charset="0"/>
-                                </a:rPr>
-                              </m:ctrlPr>
-                            </m:sSubPr>
-                            <m:e>
-                              <m:r>
-                                <a:rPr lang="en-US" altLang="ja-JP" b="0" i="1" smtClean="0">
-                                  <a:latin typeface="Cambria Math" panose="02040503050406030204" pitchFamily="18" charset="0"/>
-                                </a:rPr>
-                                <m:t>𝑉</m:t>
-                              </m:r>
-                            </m:e>
-                            <m:sub>
-                              <m:r>
-                                <a:rPr lang="en-US" altLang="ja-JP" b="0" i="1" smtClean="0">
-                                  <a:latin typeface="Cambria Math" panose="02040503050406030204" pitchFamily="18" charset="0"/>
-                                </a:rPr>
-                                <m:t>𝑖𝑛</m:t>
-                              </m:r>
-                            </m:sub>
-                          </m:sSub>
-                          <m:r>
-                            <a:rPr lang="en-US" altLang="ja-JP" b="0" i="1" smtClean="0">
-                              <a:latin typeface="Cambria Math" panose="02040503050406030204" pitchFamily="18" charset="0"/>
-                            </a:rPr>
-                            <m:t>+</m:t>
-                          </m:r>
-                          <m:sSub>
-                            <m:sSubPr>
-                              <m:ctrlPr>
-                                <a:rPr lang="en-US" altLang="ja-JP" b="0" i="1" smtClean="0">
-                                  <a:latin typeface="Cambria Math" panose="02040503050406030204" pitchFamily="18" charset="0"/>
-                                </a:rPr>
-                              </m:ctrlPr>
-                            </m:sSubPr>
-                            <m:e>
-                              <m:r>
-                                <a:rPr lang="en-US" altLang="ja-JP" b="0" i="1" smtClean="0">
-                                  <a:latin typeface="Cambria Math" panose="02040503050406030204" pitchFamily="18" charset="0"/>
-                                </a:rPr>
-                                <m:t>𝑣</m:t>
-                              </m:r>
-                            </m:e>
-                            <m:sub>
-                              <m:r>
-                                <a:rPr lang="en-US" altLang="ja-JP" b="0" i="1" smtClean="0">
-                                  <a:latin typeface="Cambria Math" panose="02040503050406030204" pitchFamily="18" charset="0"/>
-                                </a:rPr>
-                                <m:t>𝑖𝑛</m:t>
-                              </m:r>
-                            </m:sub>
-                          </m:sSub>
-                          <m:r>
-                            <a:rPr lang="en-US" altLang="ja-JP" b="0" i="1" smtClean="0">
-                              <a:latin typeface="Cambria Math" panose="02040503050406030204" pitchFamily="18" charset="0"/>
-                            </a:rPr>
-                            <m:t>−</m:t>
-                          </m:r>
-                          <m:d>
-                            <m:dPr>
-                              <m:ctrlPr>
-                                <a:rPr lang="en-US" altLang="ja-JP" b="0" i="1" smtClean="0">
-                                  <a:latin typeface="Cambria Math" panose="02040503050406030204" pitchFamily="18" charset="0"/>
-                                </a:rPr>
-                              </m:ctrlPr>
-                            </m:dPr>
-                            <m:e>
-                              <m:sSub>
-                                <m:sSubPr>
-                                  <m:ctrlPr>
-                                    <a:rPr lang="en-US" altLang="ja-JP" b="0" i="1" smtClean="0">
-                                      <a:latin typeface="Cambria Math" panose="02040503050406030204" pitchFamily="18" charset="0"/>
-                                    </a:rPr>
-                                  </m:ctrlPr>
-                                </m:sSubPr>
-                                <m:e>
-                                  <m:r>
-                                    <a:rPr lang="en-US" altLang="ja-JP" b="0" i="1" smtClean="0">
-                                      <a:latin typeface="Cambria Math" panose="02040503050406030204" pitchFamily="18" charset="0"/>
-                                    </a:rPr>
-                                    <m:t>𝑉</m:t>
-                                  </m:r>
-                                </m:e>
-                                <m:sub>
-                                  <m:r>
-                                    <a:rPr lang="en-US" altLang="ja-JP" b="0" i="1" smtClean="0">
-                                      <a:latin typeface="Cambria Math" panose="02040503050406030204" pitchFamily="18" charset="0"/>
-                                    </a:rPr>
-                                    <m:t>𝑜𝑢𝑡</m:t>
-                                  </m:r>
-                                </m:sub>
-                              </m:sSub>
-                              <m:r>
-                                <a:rPr lang="en-US" altLang="ja-JP" b="0" i="1" smtClean="0">
-                                  <a:latin typeface="Cambria Math" panose="02040503050406030204" pitchFamily="18" charset="0"/>
-                                </a:rPr>
-                                <m:t>+</m:t>
-                              </m:r>
-                              <m:sSub>
-                                <m:sSubPr>
-                                  <m:ctrlPr>
-                                    <a:rPr lang="en-US" altLang="ja-JP" b="0" i="1" smtClean="0">
-                                      <a:latin typeface="Cambria Math" panose="02040503050406030204" pitchFamily="18" charset="0"/>
-                                    </a:rPr>
-                                  </m:ctrlPr>
-                                </m:sSubPr>
-                                <m:e>
-                                  <m:r>
-                                    <a:rPr lang="en-US" altLang="ja-JP" b="0" i="1" smtClean="0">
-                                      <a:latin typeface="Cambria Math" panose="02040503050406030204" pitchFamily="18" charset="0"/>
-                                    </a:rPr>
-                                    <m:t>𝑣</m:t>
-                                  </m:r>
-                                </m:e>
-                                <m:sub>
-                                  <m:r>
-                                    <a:rPr lang="en-US" altLang="ja-JP" b="0" i="1" smtClean="0">
-                                      <a:latin typeface="Cambria Math" panose="02040503050406030204" pitchFamily="18" charset="0"/>
-                                    </a:rPr>
-                                    <m:t>𝑜𝑢𝑡</m:t>
-                                  </m:r>
-                                </m:sub>
-                              </m:sSub>
-                            </m:e>
-                          </m:d>
-                          <m:r>
-                            <a:rPr lang="en-US" altLang="ja-JP" b="0" i="1" smtClean="0">
-                              <a:latin typeface="Cambria Math" panose="02040503050406030204" pitchFamily="18" charset="0"/>
-                            </a:rPr>
-                            <m:t>−</m:t>
-                          </m:r>
-                          <m:sSub>
-                            <m:sSubPr>
-                              <m:ctrlPr>
-                                <a:rPr lang="en-US" altLang="ja-JP" b="0" i="1" smtClean="0">
-                                  <a:latin typeface="Cambria Math" panose="02040503050406030204" pitchFamily="18" charset="0"/>
-                                </a:rPr>
-                              </m:ctrlPr>
-                            </m:sSubPr>
-                            <m:e>
-                              <m:r>
-                                <a:rPr lang="en-US" altLang="ja-JP" b="0" i="1" smtClean="0">
-                                  <a:latin typeface="Cambria Math" panose="02040503050406030204" pitchFamily="18" charset="0"/>
-                                </a:rPr>
-                                <m:t>𝑉</m:t>
-                              </m:r>
-                            </m:e>
-                            <m:sub>
-                              <m:r>
-                                <a:rPr lang="en-US" altLang="ja-JP" b="0" i="1" smtClean="0">
-                                  <a:latin typeface="Cambria Math" panose="02040503050406030204" pitchFamily="18" charset="0"/>
-                                </a:rPr>
-                                <m:t>𝑡h</m:t>
-                              </m:r>
-                            </m:sub>
-                          </m:sSub>
-                        </m:e>
-                      </m:d>
-                    </m:oMath>
-                  </m:oMathPara>
-                </a14:m>
-                <a:endParaRPr lang="en-US" altLang="ja-JP" dirty="0"/>
-              </a:p>
-              <a:p>
-                <a:endParaRPr lang="en-US" altLang="ja-JP" dirty="0"/>
-              </a:p>
-              <a:p>
-                <a:r>
-                  <a:rPr kumimoji="1" lang="ja-JP" altLang="en-US" dirty="0"/>
-                  <a:t>マッチングが取れている場合</a:t>
-                </a:r>
-                <a14:m>
-                  <m:oMath xmlns:m="http://schemas.openxmlformats.org/officeDocument/2006/math">
-                    <m:sSub>
-                      <m:sSubPr>
-                        <m:ctrlPr>
-                          <a:rPr kumimoji="1" lang="en-US" altLang="ja-JP" b="0" i="1" smtClean="0">
-                            <a:latin typeface="Cambria Math" panose="02040503050406030204" pitchFamily="18" charset="0"/>
-                          </a:rPr>
-                        </m:ctrlPr>
-                      </m:sSubPr>
-                      <m:e>
-                        <m:r>
-                          <a:rPr kumimoji="1" lang="en-US" altLang="ja-JP" b="0" i="1" smtClean="0">
-                            <a:latin typeface="Cambria Math" panose="02040503050406030204" pitchFamily="18" charset="0"/>
-                          </a:rPr>
-                          <m:t>𝑣</m:t>
-                        </m:r>
-                      </m:e>
-                      <m:sub>
-                        <m:r>
-                          <a:rPr kumimoji="1" lang="en-US" altLang="ja-JP" b="0" i="1" smtClean="0">
-                            <a:latin typeface="Cambria Math" panose="02040503050406030204" pitchFamily="18" charset="0"/>
-                          </a:rPr>
-                          <m:t>𝑖𝑛</m:t>
-                        </m:r>
-                      </m:sub>
-                    </m:sSub>
-                    <m:r>
-                      <a:rPr kumimoji="1" lang="en-US" altLang="ja-JP" b="0" i="1" smtClean="0">
-                        <a:latin typeface="Cambria Math" panose="02040503050406030204" pitchFamily="18" charset="0"/>
-                      </a:rPr>
-                      <m:t>=2</m:t>
-                    </m:r>
-                    <m:sSub>
-                      <m:sSubPr>
-                        <m:ctrlPr>
-                          <a:rPr kumimoji="1" lang="en-US" altLang="ja-JP" b="0" i="1" smtClean="0">
-                            <a:latin typeface="Cambria Math" panose="02040503050406030204" pitchFamily="18" charset="0"/>
-                          </a:rPr>
-                        </m:ctrlPr>
-                      </m:sSubPr>
-                      <m:e>
-                        <m:r>
-                          <a:rPr kumimoji="1" lang="en-US" altLang="ja-JP" b="0" i="1" smtClean="0">
-                            <a:latin typeface="Cambria Math" panose="02040503050406030204" pitchFamily="18" charset="0"/>
-                          </a:rPr>
-                          <m:t>𝑣</m:t>
-                        </m:r>
-                      </m:e>
-                      <m:sub>
-                        <m:r>
-                          <a:rPr kumimoji="1" lang="en-US" altLang="ja-JP" b="0" i="1" smtClean="0">
-                            <a:latin typeface="Cambria Math" panose="02040503050406030204" pitchFamily="18" charset="0"/>
-                          </a:rPr>
-                          <m:t>𝑜𝑢𝑡</m:t>
-                        </m:r>
-                      </m:sub>
-                    </m:sSub>
-                  </m:oMath>
-                </a14:m>
-                <a:r>
-                  <a:rPr kumimoji="1" lang="ja-JP" altLang="en-US" dirty="0"/>
-                  <a:t>になる</a:t>
-                </a:r>
-                <a:r>
-                  <a:rPr lang="ja-JP" altLang="en-US" dirty="0"/>
-                  <a:t>ので</a:t>
-                </a:r>
-                <a:endParaRPr lang="en-US" altLang="ja-JP" dirty="0"/>
-              </a:p>
-              <a:p>
-                <a:endParaRPr kumimoji="1" lang="en-US" altLang="ja-JP" dirty="0"/>
-              </a:p>
-              <a:p>
-                <a14:m>
-                  <m:oMathPara xmlns:m="http://schemas.openxmlformats.org/officeDocument/2006/math">
-                    <m:oMathParaPr>
-                      <m:jc m:val="centerGroup"/>
-                    </m:oMathParaPr>
-                    <m:oMath xmlns:m="http://schemas.openxmlformats.org/officeDocument/2006/math">
-                      <m:sSub>
-                        <m:sSubPr>
-                          <m:ctrlPr>
-                            <a:rPr kumimoji="1" lang="en-US" altLang="ja-JP" b="0" i="1" smtClean="0">
-                              <a:latin typeface="Cambria Math" panose="02040503050406030204" pitchFamily="18" charset="0"/>
-                            </a:rPr>
-                          </m:ctrlPr>
-                        </m:sSubPr>
-                        <m:e>
-                          <m:r>
-                            <a:rPr kumimoji="1" lang="en-US" altLang="ja-JP" b="0" i="1" smtClean="0">
-                              <a:latin typeface="Cambria Math" panose="02040503050406030204" pitchFamily="18" charset="0"/>
-                            </a:rPr>
-                            <m:t>𝑖</m:t>
-                          </m:r>
-                        </m:e>
-                        <m:sub>
-                          <m:r>
-                            <a:rPr kumimoji="1" lang="en-US" altLang="ja-JP" b="0" i="1" smtClean="0">
-                              <a:latin typeface="Cambria Math" panose="02040503050406030204" pitchFamily="18" charset="0"/>
-                            </a:rPr>
-                            <m:t>𝑚</m:t>
-                          </m:r>
-                        </m:sub>
-                      </m:sSub>
-                      <m:r>
-                        <a:rPr kumimoji="1" lang="en-US" altLang="ja-JP" b="0" i="1" smtClean="0">
-                          <a:latin typeface="Cambria Math" panose="02040503050406030204" pitchFamily="18" charset="0"/>
-                        </a:rPr>
-                        <m:t>=</m:t>
-                      </m:r>
-                      <m:f>
-                        <m:fPr>
-                          <m:ctrlPr>
-                            <a:rPr kumimoji="1" lang="en-US" altLang="ja-JP" b="0" i="1" smtClean="0">
-                              <a:latin typeface="Cambria Math" panose="02040503050406030204" pitchFamily="18" charset="0"/>
-                            </a:rPr>
-                          </m:ctrlPr>
-                        </m:fPr>
-                        <m:num>
-                          <m:r>
-                            <a:rPr kumimoji="1" lang="en-US" altLang="ja-JP" b="0" i="1" smtClean="0">
-                              <a:latin typeface="Cambria Math" panose="02040503050406030204" pitchFamily="18" charset="0"/>
-                            </a:rPr>
-                            <m:t>1</m:t>
-                          </m:r>
-                        </m:num>
-                        <m:den>
-                          <m:r>
-                            <a:rPr kumimoji="1" lang="en-US" altLang="ja-JP" b="0" i="1" smtClean="0">
-                              <a:latin typeface="Cambria Math" panose="02040503050406030204" pitchFamily="18" charset="0"/>
-                            </a:rPr>
-                            <m:t>2</m:t>
-                          </m:r>
-                        </m:den>
-                      </m:f>
-                      <m:sSub>
-                        <m:sSubPr>
-                          <m:ctrlPr>
-                            <a:rPr kumimoji="1" lang="en-US" altLang="ja-JP" b="0" i="1" smtClean="0">
-                              <a:latin typeface="Cambria Math" panose="02040503050406030204" pitchFamily="18" charset="0"/>
-                            </a:rPr>
-                          </m:ctrlPr>
-                        </m:sSubPr>
-                        <m:e>
-                          <m:r>
-                            <a:rPr kumimoji="1" lang="en-US" altLang="ja-JP" b="0" i="1" smtClean="0">
-                              <a:latin typeface="Cambria Math" panose="02040503050406030204" pitchFamily="18" charset="0"/>
-                            </a:rPr>
-                            <m:t>𝑔</m:t>
-                          </m:r>
-                        </m:e>
-                        <m:sub>
-                          <m:r>
-                            <a:rPr kumimoji="1" lang="en-US" altLang="ja-JP" b="0" i="1" smtClean="0">
-                              <a:latin typeface="Cambria Math" panose="02040503050406030204" pitchFamily="18" charset="0"/>
-                            </a:rPr>
-                            <m:t>𝑚</m:t>
-                          </m:r>
-                        </m:sub>
-                      </m:sSub>
-                      <m:d>
-                        <m:dPr>
-                          <m:ctrlPr>
-                            <a:rPr kumimoji="1" lang="en-US" altLang="ja-JP" b="0" i="1" smtClean="0">
-                              <a:latin typeface="Cambria Math" panose="02040503050406030204" pitchFamily="18" charset="0"/>
-                            </a:rPr>
-                          </m:ctrlPr>
-                        </m:dPr>
-                        <m:e>
-                          <m:sSub>
-                            <m:sSubPr>
-                              <m:ctrlPr>
-                                <a:rPr kumimoji="1" lang="en-US" altLang="ja-JP" b="0" i="1" smtClean="0">
-                                  <a:latin typeface="Cambria Math" panose="02040503050406030204" pitchFamily="18" charset="0"/>
-                                </a:rPr>
-                              </m:ctrlPr>
-                            </m:sSubPr>
-                            <m:e>
-                              <m:r>
-                                <a:rPr kumimoji="1" lang="en-US" altLang="ja-JP" b="0" i="1" smtClean="0">
-                                  <a:latin typeface="Cambria Math" panose="02040503050406030204" pitchFamily="18" charset="0"/>
-                                </a:rPr>
-                                <m:t>𝑉</m:t>
-                              </m:r>
-                            </m:e>
-                            <m:sub>
-                              <m:r>
-                                <a:rPr kumimoji="1" lang="en-US" altLang="ja-JP" b="0" i="1" smtClean="0">
-                                  <a:latin typeface="Cambria Math" panose="02040503050406030204" pitchFamily="18" charset="0"/>
-                                </a:rPr>
-                                <m:t>𝑖𝑛</m:t>
-                              </m:r>
-                            </m:sub>
-                          </m:sSub>
-                          <m:r>
-                            <a:rPr kumimoji="1" lang="en-US" altLang="ja-JP" b="0" i="1" smtClean="0">
-                              <a:latin typeface="Cambria Math" panose="02040503050406030204" pitchFamily="18" charset="0"/>
-                            </a:rPr>
-                            <m:t>−</m:t>
-                          </m:r>
-                          <m:sSub>
-                            <m:sSubPr>
-                              <m:ctrlPr>
-                                <a:rPr kumimoji="1" lang="en-US" altLang="ja-JP" b="0" i="1" smtClean="0">
-                                  <a:latin typeface="Cambria Math" panose="02040503050406030204" pitchFamily="18" charset="0"/>
-                                </a:rPr>
-                              </m:ctrlPr>
-                            </m:sSubPr>
-                            <m:e>
-                              <m:r>
-                                <a:rPr kumimoji="1" lang="en-US" altLang="ja-JP" b="0" i="1" smtClean="0">
-                                  <a:latin typeface="Cambria Math" panose="02040503050406030204" pitchFamily="18" charset="0"/>
-                                </a:rPr>
-                                <m:t>𝑉</m:t>
-                              </m:r>
-                            </m:e>
-                            <m:sub>
-                              <m:r>
-                                <a:rPr kumimoji="1" lang="en-US" altLang="ja-JP" b="0" i="1" smtClean="0">
-                                  <a:latin typeface="Cambria Math" panose="02040503050406030204" pitchFamily="18" charset="0"/>
-                                </a:rPr>
-                                <m:t>𝑜𝑢𝑡</m:t>
-                              </m:r>
-                            </m:sub>
-                          </m:sSub>
-                          <m:r>
-                            <a:rPr kumimoji="1" lang="en-US" altLang="ja-JP" b="0" i="1" smtClean="0">
-                              <a:latin typeface="Cambria Math" panose="02040503050406030204" pitchFamily="18" charset="0"/>
-                            </a:rPr>
-                            <m:t>+</m:t>
-                          </m:r>
-                          <m:f>
-                            <m:fPr>
-                              <m:ctrlPr>
-                                <a:rPr kumimoji="1" lang="en-US" altLang="ja-JP" b="0" i="1" smtClean="0">
-                                  <a:latin typeface="Cambria Math" panose="02040503050406030204" pitchFamily="18" charset="0"/>
-                                </a:rPr>
-                              </m:ctrlPr>
-                            </m:fPr>
-                            <m:num>
-                              <m:r>
-                                <a:rPr kumimoji="1" lang="en-US" altLang="ja-JP" b="0" i="1" smtClean="0">
-                                  <a:latin typeface="Cambria Math" panose="02040503050406030204" pitchFamily="18" charset="0"/>
-                                </a:rPr>
-                                <m:t>1</m:t>
-                              </m:r>
-                            </m:num>
-                            <m:den>
-                              <m:r>
-                                <a:rPr kumimoji="1" lang="en-US" altLang="ja-JP" b="0" i="1" smtClean="0">
-                                  <a:latin typeface="Cambria Math" panose="02040503050406030204" pitchFamily="18" charset="0"/>
-                                </a:rPr>
-                                <m:t>2</m:t>
-                              </m:r>
-                            </m:den>
-                          </m:f>
-                          <m:sSub>
-                            <m:sSubPr>
-                              <m:ctrlPr>
-                                <a:rPr kumimoji="1" lang="en-US" altLang="ja-JP" b="0" i="1" smtClean="0">
-                                  <a:latin typeface="Cambria Math" panose="02040503050406030204" pitchFamily="18" charset="0"/>
-                                </a:rPr>
-                              </m:ctrlPr>
-                            </m:sSubPr>
-                            <m:e>
-                              <m:r>
-                                <a:rPr kumimoji="1" lang="en-US" altLang="ja-JP" b="0" i="1" smtClean="0">
-                                  <a:latin typeface="Cambria Math" panose="02040503050406030204" pitchFamily="18" charset="0"/>
-                                </a:rPr>
-                                <m:t>𝑣</m:t>
-                              </m:r>
-                            </m:e>
-                            <m:sub>
-                              <m:r>
-                                <a:rPr kumimoji="1" lang="en-US" altLang="ja-JP" b="0" i="1" smtClean="0">
-                                  <a:latin typeface="Cambria Math" panose="02040503050406030204" pitchFamily="18" charset="0"/>
-                                </a:rPr>
-                                <m:t>𝑖𝑛</m:t>
-                              </m:r>
-                            </m:sub>
-                          </m:sSub>
-                          <m:r>
-                            <a:rPr kumimoji="1" lang="en-US" altLang="ja-JP" b="0" i="1" smtClean="0">
-                              <a:latin typeface="Cambria Math" panose="02040503050406030204" pitchFamily="18" charset="0"/>
-                            </a:rPr>
-                            <m:t>−</m:t>
-                          </m:r>
-                          <m:sSub>
-                            <m:sSubPr>
-                              <m:ctrlPr>
-                                <a:rPr kumimoji="1" lang="en-US" altLang="ja-JP" b="0" i="1" smtClean="0">
-                                  <a:latin typeface="Cambria Math" panose="02040503050406030204" pitchFamily="18" charset="0"/>
-                                </a:rPr>
-                              </m:ctrlPr>
-                            </m:sSubPr>
-                            <m:e>
-                              <m:r>
-                                <a:rPr kumimoji="1" lang="en-US" altLang="ja-JP" b="0" i="1" smtClean="0">
-                                  <a:latin typeface="Cambria Math" panose="02040503050406030204" pitchFamily="18" charset="0"/>
-                                </a:rPr>
-                                <m:t>𝑉</m:t>
-                              </m:r>
-                            </m:e>
-                            <m:sub>
-                              <m:r>
-                                <a:rPr kumimoji="1" lang="en-US" altLang="ja-JP" b="0" i="1" smtClean="0">
-                                  <a:latin typeface="Cambria Math" panose="02040503050406030204" pitchFamily="18" charset="0"/>
-                                </a:rPr>
-                                <m:t>𝑡h</m:t>
-                              </m:r>
-                            </m:sub>
-                          </m:sSub>
-                        </m:e>
-                      </m:d>
-                    </m:oMath>
-                  </m:oMathPara>
-                </a14:m>
-                <a:endParaRPr kumimoji="1" lang="en-US" altLang="ja-JP" dirty="0"/>
-              </a:p>
-              <a:p>
-                <a:r>
-                  <a:rPr kumimoji="1" lang="ja-JP" altLang="en-US" dirty="0"/>
-                  <a:t>である。</a:t>
-                </a:r>
-                <a:endParaRPr kumimoji="1" lang="en-US" altLang="ja-JP" dirty="0"/>
-              </a:p>
-              <a:p>
-                <a:endParaRPr kumimoji="1" lang="ja-JP" altLang="en-US" dirty="0"/>
-              </a:p>
-            </p:txBody>
-          </p:sp>
-        </mc:Choice>
-        <mc:Fallback>
-          <p:sp>
-            <p:nvSpPr>
-              <p:cNvPr id="5" name="テキスト ボックス 4">
-                <a:extLst>
-                  <a:ext uri="{FF2B5EF4-FFF2-40B4-BE49-F238E27FC236}">
-                    <a16:creationId xmlns:a16="http://schemas.microsoft.com/office/drawing/2014/main" id="{1D691765-4C8A-2311-E940-C7BEA3300B16}"/>
-                  </a:ext>
-                </a:extLst>
-              </p:cNvPr>
-              <p:cNvSpPr txBox="1">
-                <a:spLocks noRot="1" noChangeAspect="1" noMove="1" noResize="1" noEditPoints="1" noAdjustHandles="1" noChangeArrowheads="1" noChangeShapeType="1" noTextEdit="1"/>
-              </p:cNvSpPr>
-              <p:nvPr/>
-            </p:nvSpPr>
-            <p:spPr>
-              <a:xfrm>
-                <a:off x="838200" y="1939637"/>
-                <a:ext cx="6227618" cy="5111271"/>
-              </a:xfrm>
-              <a:prstGeom prst="rect">
-                <a:avLst/>
-              </a:prstGeom>
-              <a:blipFill>
-                <a:blip r:embed="rId2"/>
-                <a:stretch>
-                  <a:fillRect l="-881" t="-477" r="-392"/>
-                </a:stretch>
-              </a:blipFill>
-            </p:spPr>
-            <p:txBody>
-              <a:bodyPr/>
-              <a:lstStyle/>
-              <a:p>
-                <a:r>
-                  <a:rPr lang="ja-JP" altLang="en-US">
-                    <a:noFill/>
-                  </a:rPr>
-                  <a:t> </a:t>
-                </a:r>
-              </a:p>
-            </p:txBody>
-          </p:sp>
-        </mc:Fallback>
-      </mc:AlternateContent>
-      <p:pic>
-        <p:nvPicPr>
-          <p:cNvPr id="7" name="図 6" descr="ロゴ が含まれている画像&#10;&#10;自動的に生成された説明">
-            <a:extLst>
-              <a:ext uri="{FF2B5EF4-FFF2-40B4-BE49-F238E27FC236}">
-                <a16:creationId xmlns:a16="http://schemas.microsoft.com/office/drawing/2014/main" id="{B3B16A68-814A-9DCA-F98C-4E6AE71AB973}"/>
-              </a:ext>
-            </a:extLst>
-          </p:cNvPr>
-          <p:cNvPicPr>
-            <a:picLocks noChangeAspect="1"/>
-          </p:cNvPicPr>
-          <p:nvPr/>
-        </p:nvPicPr>
-        <p:blipFill>
-          <a:blip r:embed="rId3">
-            <a:extLst>
-              <a:ext uri="{28A0092B-C50C-407E-A947-70E740481C1C}">
-                <a14:useLocalDpi xmlns:a14="http://schemas.microsoft.com/office/drawing/2010/main" val="0"/>
-              </a:ext>
-            </a:extLst>
-          </a:blip>
-          <a:stretch>
-            <a:fillRect/>
-          </a:stretch>
-        </p:blipFill>
-        <p:spPr>
-          <a:xfrm>
-            <a:off x="6943893" y="3042964"/>
-            <a:ext cx="5120650" cy="3118110"/>
-          </a:xfrm>
-          <a:prstGeom prst="rect">
-            <a:avLst/>
-          </a:prstGeom>
-        </p:spPr>
-      </p:pic>
-    </p:spTree>
-    <p:extLst>
-      <p:ext uri="{BB962C8B-B14F-4D97-AF65-F5344CB8AC3E}">
-        <p14:creationId xmlns:p14="http://schemas.microsoft.com/office/powerpoint/2010/main" val="2729376677"/>
-      </p:ext>
-    </p:extLst>
-  </p:cSld>
-  <p:clrMapOvr>
-    <a:masterClrMapping/>
-  </p:clrMapOvr>
-</p:sld>
-</file>
-
-<file path=ppt/slides/slide6.xml><?xml version="1.0" encoding="utf-8"?>
-<p:sld xmlns:a="http://schemas.openxmlformats.org/drawingml/2006/main" xmlns:r="http://schemas.openxmlformats.org/officeDocument/2006/relationships" xmlns:p="http://schemas.openxmlformats.org/presentationml/2006/main">
-  <p:cSld>
-    <p:spTree>
-      <p:nvGrpSpPr>
-        <p:cNvPr id="1" name=""/>
-        <p:cNvGrpSpPr/>
-        <p:nvPr/>
-      </p:nvGrpSpPr>
-      <p:grpSpPr>
-        <a:xfrm>
-          <a:off x="0" y="0"/>
-          <a:ext cx="0" cy="0"/>
-          <a:chOff x="0" y="0"/>
-          <a:chExt cx="0" cy="0"/>
-        </a:xfrm>
-      </p:grpSpPr>
-      <p:sp>
-        <p:nvSpPr>
-          <p:cNvPr id="2" name="タイトル 1">
-            <a:extLst>
-              <a:ext uri="{FF2B5EF4-FFF2-40B4-BE49-F238E27FC236}">
-                <a16:creationId xmlns:a16="http://schemas.microsoft.com/office/drawing/2014/main" id="{DA0B0DBE-F291-FE92-BF6F-B0029D074C6C}"/>
-              </a:ext>
-            </a:extLst>
-          </p:cNvPr>
-          <p:cNvSpPr>
-            <a:spLocks noGrp="1"/>
-          </p:cNvSpPr>
-          <p:nvPr>
-            <p:ph type="title"/>
-          </p:nvPr>
-        </p:nvSpPr>
-        <p:spPr/>
-        <p:txBody>
-          <a:bodyPr/>
-          <a:lstStyle/>
-          <a:p>
-            <a:r>
-              <a:rPr kumimoji="1" lang="ja-JP" altLang="en-US" dirty="0"/>
-              <a:t>考案するバッファ回路</a:t>
-            </a:r>
-          </a:p>
-        </p:txBody>
-      </p:sp>
-      <mc:AlternateContent xmlns:mc="http://schemas.openxmlformats.org/markup-compatibility/2006">
-        <mc:Choice xmlns:a14="http://schemas.microsoft.com/office/drawing/2010/main" Requires="a14">
-          <p:sp>
-            <p:nvSpPr>
-              <p:cNvPr id="5" name="テキスト ボックス 4">
-                <a:extLst>
-                  <a:ext uri="{FF2B5EF4-FFF2-40B4-BE49-F238E27FC236}">
-                    <a16:creationId xmlns:a16="http://schemas.microsoft.com/office/drawing/2014/main" id="{1D691765-4C8A-2311-E940-C7BEA3300B16}"/>
-                  </a:ext>
-                </a:extLst>
-              </p:cNvPr>
-              <p:cNvSpPr txBox="1"/>
-              <p:nvPr/>
-            </p:nvSpPr>
-            <p:spPr>
-              <a:xfrm>
-                <a:off x="716275" y="1625601"/>
-                <a:ext cx="6227618" cy="3207673"/>
-              </a:xfrm>
-              <a:prstGeom prst="rect">
-                <a:avLst/>
-              </a:prstGeom>
-              <a:noFill/>
-            </p:spPr>
-            <p:txBody>
-              <a:bodyPr wrap="square" rtlCol="0">
-                <a:spAutoFit/>
-              </a:bodyPr>
-              <a:lstStyle/>
-              <a:p>
-                <a14:m>
-                  <m:oMathPara xmlns:m="http://schemas.openxmlformats.org/officeDocument/2006/math">
-                    <m:oMathParaPr>
-                      <m:jc m:val="centerGroup"/>
-                    </m:oMathParaPr>
-                    <m:oMath xmlns:m="http://schemas.openxmlformats.org/officeDocument/2006/math">
                       <m:sSub>
                         <m:sSubPr>
                           <m:ctrlPr>
@@ -5736,7 +4465,7 @@
                             <a:rPr lang="en-US" altLang="ja-JP" b="0" i="1" smtClean="0">
                               <a:latin typeface="Cambria Math" panose="02040503050406030204" pitchFamily="18" charset="0"/>
                             </a:rPr>
-                            <m:t>𝑔</m:t>
+                            <m:t>𝑉</m:t>
                           </m:r>
                         </m:e>
                         <m:sub>
@@ -5744,88 +4473,62 @@
                             <a:rPr lang="en-US" altLang="ja-JP" b="0" i="1" smtClean="0">
                               <a:latin typeface="Cambria Math" panose="02040503050406030204" pitchFamily="18" charset="0"/>
                             </a:rPr>
-                            <m:t>𝑚</m:t>
+                            <m:t>𝑜𝑢𝑡</m:t>
                           </m:r>
                         </m:sub>
                       </m:sSub>
-                      <m:r>
-                        <a:rPr lang="en-US" altLang="ja-JP" b="0" i="1" smtClean="0">
-                          <a:latin typeface="Cambria Math" panose="02040503050406030204" pitchFamily="18" charset="0"/>
-                        </a:rPr>
-                        <m:t>+</m:t>
-                      </m:r>
-                      <m:sSub>
-                        <m:sSubPr>
-                          <m:ctrlPr>
-                            <a:rPr lang="en-US" altLang="ja-JP" b="0" i="1" smtClean="0">
-                              <a:latin typeface="Cambria Math" panose="02040503050406030204" pitchFamily="18" charset="0"/>
-                            </a:rPr>
-                          </m:ctrlPr>
-                        </m:sSubPr>
-                        <m:e>
-                          <m:r>
-                            <a:rPr lang="en-US" altLang="ja-JP" b="0" i="1" smtClean="0">
-                              <a:latin typeface="Cambria Math" panose="02040503050406030204" pitchFamily="18" charset="0"/>
-                            </a:rPr>
-                            <m:t>𝑔</m:t>
-                          </m:r>
-                        </m:e>
-                        <m:sub>
-                          <m:r>
-                            <a:rPr lang="en-US" altLang="ja-JP" b="0" i="1" smtClean="0">
-                              <a:latin typeface="Cambria Math" panose="02040503050406030204" pitchFamily="18" charset="0"/>
-                            </a:rPr>
-                            <m:t>𝑈</m:t>
-                          </m:r>
-                        </m:sub>
-                      </m:sSub>
-                      <m:r>
-                        <a:rPr lang="en-US" altLang="ja-JP" b="0" i="1" smtClean="0">
-                          <a:latin typeface="Cambria Math" panose="02040503050406030204" pitchFamily="18" charset="0"/>
-                        </a:rPr>
-                        <m:t>+</m:t>
-                      </m:r>
-                      <m:sSub>
-                        <m:sSubPr>
-                          <m:ctrlPr>
-                            <a:rPr lang="en-US" altLang="ja-JP" b="0" i="1" smtClean="0">
-                              <a:latin typeface="Cambria Math" panose="02040503050406030204" pitchFamily="18" charset="0"/>
-                            </a:rPr>
-                          </m:ctrlPr>
-                        </m:sSubPr>
-                        <m:e>
-                          <m:r>
-                            <a:rPr lang="en-US" altLang="ja-JP" b="0" i="1" smtClean="0">
-                              <a:latin typeface="Cambria Math" panose="02040503050406030204" pitchFamily="18" charset="0"/>
-                            </a:rPr>
-                            <m:t>𝑔</m:t>
-                          </m:r>
-                        </m:e>
-                        <m:sub>
-                          <m:r>
-                            <a:rPr lang="en-US" altLang="ja-JP" b="0" i="1" smtClean="0">
-                              <a:latin typeface="Cambria Math" panose="02040503050406030204" pitchFamily="18" charset="0"/>
-                            </a:rPr>
-                            <m:t>𝐿</m:t>
-                          </m:r>
-                        </m:sub>
-                      </m:sSub>
-                      <m:r>
-                        <a:rPr lang="en-US" altLang="ja-JP" b="0" i="1" smtClean="0">
-                          <a:latin typeface="Cambria Math" panose="02040503050406030204" pitchFamily="18" charset="0"/>
-                        </a:rPr>
-                        <m:t>=20 </m:t>
-                      </m:r>
-                      <m:r>
-                        <a:rPr lang="en-US" altLang="ja-JP" b="0" i="1" smtClean="0">
-                          <a:latin typeface="Cambria Math" panose="02040503050406030204" pitchFamily="18" charset="0"/>
-                        </a:rPr>
-                        <m:t>𝑚𝑆</m:t>
-                      </m:r>
                     </m:oMath>
                   </m:oMathPara>
                 </a14:m>
                 <a:endParaRPr lang="en-US" altLang="ja-JP" b="0" dirty="0"/>
+              </a:p>
+              <a:p>
+                <a:r>
+                  <a:rPr lang="ja-JP" altLang="en-US" dirty="0"/>
+                  <a:t>この</a:t>
+                </a:r>
+                <a:r>
+                  <a:rPr lang="en-US" altLang="ja-JP" dirty="0"/>
+                  <a:t>2</a:t>
+                </a:r>
+                <a:r>
+                  <a:rPr lang="ja-JP" altLang="en-US" dirty="0"/>
+                  <a:t>式を連立すると</a:t>
+                </a:r>
+                <a14:m>
+                  <m:oMath xmlns:m="http://schemas.openxmlformats.org/officeDocument/2006/math">
+                    <m:sSub>
+                      <m:sSubPr>
+                        <m:ctrlPr>
+                          <a:rPr lang="en-US" altLang="ja-JP" b="0" i="1" smtClean="0">
+                            <a:latin typeface="Cambria Math" panose="02040503050406030204" pitchFamily="18" charset="0"/>
+                          </a:rPr>
+                        </m:ctrlPr>
+                      </m:sSubPr>
+                      <m:e>
+                        <m:r>
+                          <a:rPr lang="en-US" altLang="ja-JP" b="0" i="1" smtClean="0">
+                            <a:latin typeface="Cambria Math" panose="02040503050406030204" pitchFamily="18" charset="0"/>
+                          </a:rPr>
+                          <m:t>𝑔</m:t>
+                        </m:r>
+                      </m:e>
+                      <m:sub>
+                        <m:r>
+                          <a:rPr lang="en-US" altLang="ja-JP" b="0" i="1" smtClean="0">
+                            <a:latin typeface="Cambria Math" panose="02040503050406030204" pitchFamily="18" charset="0"/>
+                          </a:rPr>
+                          <m:t>𝑚</m:t>
+                        </m:r>
+                      </m:sub>
+                    </m:sSub>
+                  </m:oMath>
+                </a14:m>
+                <a:r>
+                  <a:rPr lang="ja-JP" altLang="en-US" dirty="0"/>
+                  <a:t>が等しいとき</a:t>
+                </a:r>
+                <a:endParaRPr lang="en-US" altLang="ja-JP" dirty="0"/>
               </a:p>
               <a:p>
                 <a14:m>
@@ -5834,210 +4537,6 @@
                       <m:jc m:val="centerGroup"/>
                     </m:oMathParaPr>
                     <m:oMath xmlns:m="http://schemas.openxmlformats.org/officeDocument/2006/math">
-                      <m:sSub>
-                        <m:sSubPr>
-                          <m:ctrlPr>
-                            <a:rPr lang="en-US" altLang="ja-JP" b="0" i="1" smtClean="0">
-                              <a:latin typeface="Cambria Math" panose="02040503050406030204" pitchFamily="18" charset="0"/>
-                            </a:rPr>
-                          </m:ctrlPr>
-                        </m:sSubPr>
-                        <m:e>
-                          <m:r>
-                            <a:rPr lang="en-US" altLang="ja-JP" b="0" i="1" smtClean="0">
-                              <a:latin typeface="Cambria Math" panose="02040503050406030204" pitchFamily="18" charset="0"/>
-                            </a:rPr>
-                            <m:t>𝑖</m:t>
-                          </m:r>
-                        </m:e>
-                        <m:sub>
-                          <m:r>
-                            <a:rPr lang="en-US" altLang="ja-JP" b="0" i="1" smtClean="0">
-                              <a:latin typeface="Cambria Math" panose="02040503050406030204" pitchFamily="18" charset="0"/>
-                            </a:rPr>
-                            <m:t>𝑚</m:t>
-                          </m:r>
-                        </m:sub>
-                      </m:sSub>
-                      <m:r>
-                        <a:rPr lang="en-US" altLang="ja-JP" b="0" i="1" smtClean="0">
-                          <a:latin typeface="Cambria Math" panose="02040503050406030204" pitchFamily="18" charset="0"/>
-                        </a:rPr>
-                        <m:t>+</m:t>
-                      </m:r>
-                      <m:d>
-                        <m:dPr>
-                          <m:begChr m:val="{"/>
-                          <m:endChr m:val="}"/>
-                          <m:ctrlPr>
-                            <a:rPr lang="en-US" altLang="ja-JP" b="0" i="1" smtClean="0">
-                              <a:latin typeface="Cambria Math" panose="02040503050406030204" pitchFamily="18" charset="0"/>
-                            </a:rPr>
-                          </m:ctrlPr>
-                        </m:dPr>
-                        <m:e>
-                          <m:sSub>
-                            <m:sSubPr>
-                              <m:ctrlPr>
-                                <a:rPr lang="en-US" altLang="ja-JP" b="0" i="1" smtClean="0">
-                                  <a:latin typeface="Cambria Math" panose="02040503050406030204" pitchFamily="18" charset="0"/>
-                                </a:rPr>
-                              </m:ctrlPr>
-                            </m:sSubPr>
-                            <m:e>
-                              <m:r>
-                                <a:rPr lang="en-US" altLang="ja-JP" b="0" i="1" smtClean="0">
-                                  <a:latin typeface="Cambria Math" panose="02040503050406030204" pitchFamily="18" charset="0"/>
-                                </a:rPr>
-                                <m:t>𝑉</m:t>
-                              </m:r>
-                            </m:e>
-                            <m:sub>
-                              <m:r>
-                                <a:rPr lang="en-US" altLang="ja-JP" b="0" i="1" smtClean="0">
-                                  <a:latin typeface="Cambria Math" panose="02040503050406030204" pitchFamily="18" charset="0"/>
-                                </a:rPr>
-                                <m:t>𝑑𝑑</m:t>
-                              </m:r>
-                            </m:sub>
-                          </m:sSub>
-                          <m:r>
-                            <a:rPr lang="en-US" altLang="ja-JP" b="0" i="1" smtClean="0">
-                              <a:latin typeface="Cambria Math" panose="02040503050406030204" pitchFamily="18" charset="0"/>
-                            </a:rPr>
-                            <m:t>−</m:t>
-                          </m:r>
-                          <m:d>
-                            <m:dPr>
-                              <m:ctrlPr>
-                                <a:rPr lang="en-US" altLang="ja-JP" b="0" i="1" smtClean="0">
-                                  <a:latin typeface="Cambria Math" panose="02040503050406030204" pitchFamily="18" charset="0"/>
-                                </a:rPr>
-                              </m:ctrlPr>
-                            </m:dPr>
-                            <m:e>
-                              <m:sSub>
-                                <m:sSubPr>
-                                  <m:ctrlPr>
-                                    <a:rPr lang="en-US" altLang="ja-JP" b="0" i="1" smtClean="0">
-                                      <a:latin typeface="Cambria Math" panose="02040503050406030204" pitchFamily="18" charset="0"/>
-                                    </a:rPr>
-                                  </m:ctrlPr>
-                                </m:sSubPr>
-                                <m:e>
-                                  <m:r>
-                                    <a:rPr lang="en-US" altLang="ja-JP" b="0" i="1" smtClean="0">
-                                      <a:latin typeface="Cambria Math" panose="02040503050406030204" pitchFamily="18" charset="0"/>
-                                    </a:rPr>
-                                    <m:t>𝑉</m:t>
-                                  </m:r>
-                                </m:e>
-                                <m:sub>
-                                  <m:r>
-                                    <a:rPr lang="en-US" altLang="ja-JP" b="0" i="1" smtClean="0">
-                                      <a:latin typeface="Cambria Math" panose="02040503050406030204" pitchFamily="18" charset="0"/>
-                                    </a:rPr>
-                                    <m:t>𝑜𝑢𝑡</m:t>
-                                  </m:r>
-                                </m:sub>
-                              </m:sSub>
-                              <m:r>
-                                <a:rPr lang="en-US" altLang="ja-JP" b="0" i="1" smtClean="0">
-                                  <a:latin typeface="Cambria Math" panose="02040503050406030204" pitchFamily="18" charset="0"/>
-                                </a:rPr>
-                                <m:t>+</m:t>
-                              </m:r>
-                              <m:sSub>
-                                <m:sSubPr>
-                                  <m:ctrlPr>
-                                    <a:rPr lang="en-US" altLang="ja-JP" b="0" i="1" smtClean="0">
-                                      <a:latin typeface="Cambria Math" panose="02040503050406030204" pitchFamily="18" charset="0"/>
-                                    </a:rPr>
-                                  </m:ctrlPr>
-                                </m:sSubPr>
-                                <m:e>
-                                  <m:r>
-                                    <a:rPr lang="en-US" altLang="ja-JP" b="0" i="1" smtClean="0">
-                                      <a:latin typeface="Cambria Math" panose="02040503050406030204" pitchFamily="18" charset="0"/>
-                                    </a:rPr>
-                                    <m:t>𝑣</m:t>
-                                  </m:r>
-                                </m:e>
-                                <m:sub>
-                                  <m:r>
-                                    <a:rPr lang="en-US" altLang="ja-JP" b="0" i="1" smtClean="0">
-                                      <a:latin typeface="Cambria Math" panose="02040503050406030204" pitchFamily="18" charset="0"/>
-                                    </a:rPr>
-                                    <m:t>𝑜𝑢𝑡</m:t>
-                                  </m:r>
-                                </m:sub>
-                              </m:sSub>
-                            </m:e>
-                          </m:d>
-                        </m:e>
-                      </m:d>
-                      <m:sSub>
-                        <m:sSubPr>
-                          <m:ctrlPr>
-                            <a:rPr lang="en-US" altLang="ja-JP" b="0" i="1" smtClean="0">
-                              <a:latin typeface="Cambria Math" panose="02040503050406030204" pitchFamily="18" charset="0"/>
-                            </a:rPr>
-                          </m:ctrlPr>
-                        </m:sSubPr>
-                        <m:e>
-                          <m:r>
-                            <a:rPr lang="en-US" altLang="ja-JP" b="0" i="1" smtClean="0">
-                              <a:latin typeface="Cambria Math" panose="02040503050406030204" pitchFamily="18" charset="0"/>
-                            </a:rPr>
-                            <m:t>𝑔</m:t>
-                          </m:r>
-                        </m:e>
-                        <m:sub>
-                          <m:r>
-                            <a:rPr lang="en-US" altLang="ja-JP" b="0" i="1" smtClean="0">
-                              <a:latin typeface="Cambria Math" panose="02040503050406030204" pitchFamily="18" charset="0"/>
-                            </a:rPr>
-                            <m:t>𝑈</m:t>
-                          </m:r>
-                        </m:sub>
-                      </m:sSub>
-                      <m:r>
-                        <a:rPr lang="en-US" altLang="ja-JP" b="0" i="1" smtClean="0">
-                          <a:latin typeface="Cambria Math" panose="02040503050406030204" pitchFamily="18" charset="0"/>
-                        </a:rPr>
-                        <m:t>=(</m:t>
-                      </m:r>
-                      <m:sSub>
-                        <m:sSubPr>
-                          <m:ctrlPr>
-                            <a:rPr lang="en-US" altLang="ja-JP" b="0" i="1" smtClean="0">
-                              <a:latin typeface="Cambria Math" panose="02040503050406030204" pitchFamily="18" charset="0"/>
-                            </a:rPr>
-                          </m:ctrlPr>
-                        </m:sSubPr>
-                        <m:e>
-                          <m:r>
-                            <a:rPr lang="en-US" altLang="ja-JP" b="0" i="1" smtClean="0">
-                              <a:latin typeface="Cambria Math" panose="02040503050406030204" pitchFamily="18" charset="0"/>
-                            </a:rPr>
-                            <m:t>𝑔</m:t>
-                          </m:r>
-                        </m:e>
-                        <m:sub>
-                          <m:r>
-                            <a:rPr lang="en-US" altLang="ja-JP" b="0" i="1" smtClean="0">
-                              <a:latin typeface="Cambria Math" panose="02040503050406030204" pitchFamily="18" charset="0"/>
-                            </a:rPr>
-                            <m:t>𝐿</m:t>
-                          </m:r>
-                        </m:sub>
-                      </m:sSub>
-                      <m:r>
-                        <a:rPr lang="en-US" altLang="ja-JP" b="0" i="1" smtClean="0">
-                          <a:latin typeface="Cambria Math" panose="02040503050406030204" pitchFamily="18" charset="0"/>
-                        </a:rPr>
-                        <m:t>+20)(</m:t>
-                      </m:r>
                       <m:sSub>
                         <m:sSubPr>
                           <m:ctrlPr>
@@ -6067,423 +4566,25 @@
                         <a:rPr lang="en-US" altLang="ja-JP" b="0" i="1" smtClean="0">
                           <a:latin typeface="Cambria Math" panose="02040503050406030204" pitchFamily="18" charset="0"/>
                         </a:rPr>
-                        <m:t>+</m:t>
-                      </m:r>
-                      <m:sSub>
-                        <m:sSubPr>
-                          <m:ctrlPr>
-                            <a:rPr lang="en-US" altLang="ja-JP" b="0" i="1" smtClean="0">
-                              <a:latin typeface="Cambria Math" panose="02040503050406030204" pitchFamily="18" charset="0"/>
-                            </a:rPr>
-                          </m:ctrlPr>
-                        </m:sSubPr>
-                        <m:e>
-                          <m:r>
-                            <a:rPr lang="en-US" altLang="ja-JP" b="0" i="1" smtClean="0">
-                              <a:latin typeface="Cambria Math" panose="02040503050406030204" pitchFamily="18" charset="0"/>
-                            </a:rPr>
-                            <m:t>𝑣</m:t>
-                          </m:r>
-                        </m:e>
-                        <m:sub>
-                          <m:r>
-                            <a:rPr lang="en-US" altLang="ja-JP" b="0" i="1" smtClean="0">
-                              <a:latin typeface="Cambria Math" panose="02040503050406030204" pitchFamily="18" charset="0"/>
-                            </a:rPr>
-                            <m:t>𝑜𝑢𝑡</m:t>
-                          </m:r>
-                        </m:sub>
-                      </m:sSub>
-                      <m:r>
-                        <a:rPr lang="en-US" altLang="ja-JP" b="0" i="1" smtClean="0">
-                          <a:latin typeface="Cambria Math" panose="02040503050406030204" pitchFamily="18" charset="0"/>
-                        </a:rPr>
-                        <m:t>)</m:t>
+                        <m:t>=1.4±1.07238⋯=0.3276⋯, 2.4723⋯</m:t>
                       </m:r>
                     </m:oMath>
                   </m:oMathPara>
                 </a14:m>
-                <a:endParaRPr lang="en-US" altLang="ja-JP" dirty="0"/>
-              </a:p>
-              <a:p>
-                <a14:m>
-                  <m:oMathPara xmlns:m="http://schemas.openxmlformats.org/officeDocument/2006/math">
-                    <m:oMathParaPr>
-                      <m:jc m:val="centerGroup"/>
-                    </m:oMathParaPr>
-                    <m:oMath xmlns:m="http://schemas.openxmlformats.org/officeDocument/2006/math">
-                      <m:sSub>
-                        <m:sSubPr>
-                          <m:ctrlPr>
-                            <a:rPr lang="en-US" altLang="ja-JP" i="1">
-                              <a:latin typeface="Cambria Math" panose="02040503050406030204" pitchFamily="18" charset="0"/>
-                            </a:rPr>
-                          </m:ctrlPr>
-                        </m:sSubPr>
-                        <m:e>
-                          <m:r>
-                            <a:rPr lang="en-US" altLang="ja-JP" i="1">
-                              <a:latin typeface="Cambria Math" panose="02040503050406030204" pitchFamily="18" charset="0"/>
-                            </a:rPr>
-                            <m:t>𝑖</m:t>
-                          </m:r>
-                        </m:e>
-                        <m:sub>
-                          <m:r>
-                            <a:rPr lang="en-US" altLang="ja-JP" i="1">
-                              <a:latin typeface="Cambria Math" panose="02040503050406030204" pitchFamily="18" charset="0"/>
-                            </a:rPr>
-                            <m:t>𝑚</m:t>
-                          </m:r>
-                        </m:sub>
-                      </m:sSub>
-                      <m:r>
-                        <a:rPr lang="en-US" altLang="ja-JP" i="1">
-                          <a:latin typeface="Cambria Math" panose="02040503050406030204" pitchFamily="18" charset="0"/>
-                        </a:rPr>
-                        <m:t>=</m:t>
-                      </m:r>
-                      <m:f>
-                        <m:fPr>
-                          <m:ctrlPr>
-                            <a:rPr lang="en-US" altLang="ja-JP" i="1">
-                              <a:latin typeface="Cambria Math" panose="02040503050406030204" pitchFamily="18" charset="0"/>
-                            </a:rPr>
-                          </m:ctrlPr>
-                        </m:fPr>
-                        <m:num>
-                          <m:r>
-                            <a:rPr lang="en-US" altLang="ja-JP" i="1">
-                              <a:latin typeface="Cambria Math" panose="02040503050406030204" pitchFamily="18" charset="0"/>
-                            </a:rPr>
-                            <m:t>1</m:t>
-                          </m:r>
-                        </m:num>
-                        <m:den>
-                          <m:r>
-                            <a:rPr lang="en-US" altLang="ja-JP" i="1">
-                              <a:latin typeface="Cambria Math" panose="02040503050406030204" pitchFamily="18" charset="0"/>
-                            </a:rPr>
-                            <m:t>2</m:t>
-                          </m:r>
-                        </m:den>
-                      </m:f>
-                      <m:sSub>
-                        <m:sSubPr>
-                          <m:ctrlPr>
-                            <a:rPr lang="en-US" altLang="ja-JP" i="1">
-                              <a:latin typeface="Cambria Math" panose="02040503050406030204" pitchFamily="18" charset="0"/>
-                            </a:rPr>
-                          </m:ctrlPr>
-                        </m:sSubPr>
-                        <m:e>
-                          <m:r>
-                            <a:rPr lang="en-US" altLang="ja-JP" i="1">
-                              <a:latin typeface="Cambria Math" panose="02040503050406030204" pitchFamily="18" charset="0"/>
-                            </a:rPr>
-                            <m:t>𝑔</m:t>
-                          </m:r>
-                        </m:e>
-                        <m:sub>
-                          <m:r>
-                            <a:rPr lang="en-US" altLang="ja-JP" i="1">
-                              <a:latin typeface="Cambria Math" panose="02040503050406030204" pitchFamily="18" charset="0"/>
-                            </a:rPr>
-                            <m:t>𝑚</m:t>
-                          </m:r>
-                        </m:sub>
-                      </m:sSub>
-                      <m:d>
-                        <m:dPr>
-                          <m:ctrlPr>
-                            <a:rPr lang="en-US" altLang="ja-JP" i="1">
-                              <a:latin typeface="Cambria Math" panose="02040503050406030204" pitchFamily="18" charset="0"/>
-                            </a:rPr>
-                          </m:ctrlPr>
-                        </m:dPr>
-                        <m:e>
-                          <m:sSub>
-                            <m:sSubPr>
-                              <m:ctrlPr>
-                                <a:rPr lang="en-US" altLang="ja-JP" i="1">
-                                  <a:latin typeface="Cambria Math" panose="02040503050406030204" pitchFamily="18" charset="0"/>
-                                </a:rPr>
-                              </m:ctrlPr>
-                            </m:sSubPr>
-                            <m:e>
-                              <m:r>
-                                <a:rPr lang="en-US" altLang="ja-JP" i="1">
-                                  <a:latin typeface="Cambria Math" panose="02040503050406030204" pitchFamily="18" charset="0"/>
-                                </a:rPr>
-                                <m:t>𝑉</m:t>
-                              </m:r>
-                            </m:e>
-                            <m:sub>
-                              <m:r>
-                                <a:rPr lang="en-US" altLang="ja-JP" i="1">
-                                  <a:latin typeface="Cambria Math" panose="02040503050406030204" pitchFamily="18" charset="0"/>
-                                </a:rPr>
-                                <m:t>𝑖𝑛</m:t>
-                              </m:r>
-                            </m:sub>
-                          </m:sSub>
-                          <m:r>
-                            <a:rPr lang="en-US" altLang="ja-JP" i="1">
-                              <a:latin typeface="Cambria Math" panose="02040503050406030204" pitchFamily="18" charset="0"/>
-                            </a:rPr>
-                            <m:t>−</m:t>
-                          </m:r>
-                          <m:sSub>
-                            <m:sSubPr>
-                              <m:ctrlPr>
-                                <a:rPr lang="en-US" altLang="ja-JP" i="1">
-                                  <a:latin typeface="Cambria Math" panose="02040503050406030204" pitchFamily="18" charset="0"/>
-                                </a:rPr>
-                              </m:ctrlPr>
-                            </m:sSubPr>
-                            <m:e>
-                              <m:r>
-                                <a:rPr lang="en-US" altLang="ja-JP" i="1">
-                                  <a:latin typeface="Cambria Math" panose="02040503050406030204" pitchFamily="18" charset="0"/>
-                                </a:rPr>
-                                <m:t>𝑉</m:t>
-                              </m:r>
-                            </m:e>
-                            <m:sub>
-                              <m:r>
-                                <a:rPr lang="en-US" altLang="ja-JP" i="1">
-                                  <a:latin typeface="Cambria Math" panose="02040503050406030204" pitchFamily="18" charset="0"/>
-                                </a:rPr>
-                                <m:t>𝑜𝑢𝑡</m:t>
-                              </m:r>
-                            </m:sub>
-                          </m:sSub>
-                          <m:r>
-                            <a:rPr lang="en-US" altLang="ja-JP" i="1">
-                              <a:latin typeface="Cambria Math" panose="02040503050406030204" pitchFamily="18" charset="0"/>
-                            </a:rPr>
-                            <m:t>+</m:t>
-                          </m:r>
-                          <m:f>
-                            <m:fPr>
-                              <m:ctrlPr>
-                                <a:rPr lang="en-US" altLang="ja-JP" i="1">
-                                  <a:latin typeface="Cambria Math" panose="02040503050406030204" pitchFamily="18" charset="0"/>
-                                </a:rPr>
-                              </m:ctrlPr>
-                            </m:fPr>
-                            <m:num>
-                              <m:r>
-                                <a:rPr lang="en-US" altLang="ja-JP" i="1">
-                                  <a:latin typeface="Cambria Math" panose="02040503050406030204" pitchFamily="18" charset="0"/>
-                                </a:rPr>
-                                <m:t>1</m:t>
-                              </m:r>
-                            </m:num>
-                            <m:den>
-                              <m:r>
-                                <a:rPr lang="en-US" altLang="ja-JP" i="1">
-                                  <a:latin typeface="Cambria Math" panose="02040503050406030204" pitchFamily="18" charset="0"/>
-                                </a:rPr>
-                                <m:t>2</m:t>
-                              </m:r>
-                            </m:den>
-                          </m:f>
-                          <m:sSub>
-                            <m:sSubPr>
-                              <m:ctrlPr>
-                                <a:rPr lang="en-US" altLang="ja-JP" i="1">
-                                  <a:latin typeface="Cambria Math" panose="02040503050406030204" pitchFamily="18" charset="0"/>
-                                </a:rPr>
-                              </m:ctrlPr>
-                            </m:sSubPr>
-                            <m:e>
-                              <m:r>
-                                <a:rPr lang="en-US" altLang="ja-JP" i="1">
-                                  <a:latin typeface="Cambria Math" panose="02040503050406030204" pitchFamily="18" charset="0"/>
-                                </a:rPr>
-                                <m:t>𝑣</m:t>
-                              </m:r>
-                            </m:e>
-                            <m:sub>
-                              <m:r>
-                                <a:rPr lang="en-US" altLang="ja-JP" i="1">
-                                  <a:latin typeface="Cambria Math" panose="02040503050406030204" pitchFamily="18" charset="0"/>
-                                </a:rPr>
-                                <m:t>𝑖𝑛</m:t>
-                              </m:r>
-                            </m:sub>
-                          </m:sSub>
-                          <m:r>
-                            <a:rPr lang="en-US" altLang="ja-JP" i="1">
-                              <a:latin typeface="Cambria Math" panose="02040503050406030204" pitchFamily="18" charset="0"/>
-                            </a:rPr>
-                            <m:t>−</m:t>
-                          </m:r>
-                          <m:sSub>
-                            <m:sSubPr>
-                              <m:ctrlPr>
-                                <a:rPr lang="en-US" altLang="ja-JP" i="1">
-                                  <a:latin typeface="Cambria Math" panose="02040503050406030204" pitchFamily="18" charset="0"/>
-                                </a:rPr>
-                              </m:ctrlPr>
-                            </m:sSubPr>
-                            <m:e>
-                              <m:r>
-                                <a:rPr lang="en-US" altLang="ja-JP" i="1">
-                                  <a:latin typeface="Cambria Math" panose="02040503050406030204" pitchFamily="18" charset="0"/>
-                                </a:rPr>
-                                <m:t>𝑉</m:t>
-                              </m:r>
-                            </m:e>
-                            <m:sub>
-                              <m:r>
-                                <a:rPr lang="en-US" altLang="ja-JP" i="1">
-                                  <a:latin typeface="Cambria Math" panose="02040503050406030204" pitchFamily="18" charset="0"/>
-                                </a:rPr>
-                                <m:t>𝑡h</m:t>
-                              </m:r>
-                            </m:sub>
-                          </m:sSub>
-                        </m:e>
-                      </m:d>
-                    </m:oMath>
-                  </m:oMathPara>
-                </a14:m>
-                <a:endParaRPr kumimoji="1" lang="en-US" altLang="ja-JP" dirty="0"/>
-              </a:p>
-              <a:p>
-                <a:endParaRPr kumimoji="1" lang="en-US" altLang="ja-JP" dirty="0"/>
+                <a:endParaRPr lang="en-US" altLang="ja-JP" b="0" dirty="0"/>
               </a:p>
               <a:p>
                 <a:r>
                   <a:rPr lang="ja-JP" altLang="en-US" dirty="0"/>
-                  <a:t>今回、乗算回路の出力は</a:t>
+                  <a:t>となる。ただし、</a:t>
                 </a:r>
-                <a14:m>
-                  <m:oMath xmlns:m="http://schemas.openxmlformats.org/officeDocument/2006/math">
-                    <m:r>
-                      <a:rPr lang="en-US" altLang="ja-JP" b="0" i="1" smtClean="0">
-                        <a:latin typeface="Cambria Math" panose="02040503050406030204" pitchFamily="18" charset="0"/>
-                      </a:rPr>
-                      <m:t>1.26</m:t>
-                    </m:r>
-                  </m:oMath>
-                </a14:m>
                 <a:r>
                   <a:rPr lang="en-US" altLang="ja-JP" dirty="0"/>
-                  <a:t> V</a:t>
+                  <a:t>.op</a:t>
                 </a:r>
                 <a:r>
                   <a:rPr lang="ja-JP" altLang="en-US" dirty="0"/>
-                  <a:t>のバイアスと</a:t>
-                </a:r>
-                <a14:m>
-                  <m:oMath xmlns:m="http://schemas.openxmlformats.org/officeDocument/2006/math">
-                    <m:r>
-                      <a:rPr lang="en-US" altLang="ja-JP" b="0" i="1" smtClean="0">
-                        <a:latin typeface="Cambria Math" panose="02040503050406030204" pitchFamily="18" charset="0"/>
-                      </a:rPr>
-                      <m:t>±0.3</m:t>
-                    </m:r>
-                  </m:oMath>
-                </a14:m>
-                <a:r>
-                  <a:rPr lang="en-US" altLang="ja-JP" dirty="0"/>
-                  <a:t> V</a:t>
-                </a:r>
-                <a:r>
-                  <a:rPr lang="ja-JP" altLang="en-US" dirty="0"/>
-                  <a:t>の信号振幅を持っているので、</a:t>
-                </a:r>
-                <a14:m>
-                  <m:oMath xmlns:m="http://schemas.openxmlformats.org/officeDocument/2006/math">
-                    <m:sSub>
-                      <m:sSubPr>
-                        <m:ctrlPr>
-                          <a:rPr lang="en-US" altLang="ja-JP" b="0" i="1" smtClean="0">
-                            <a:latin typeface="Cambria Math" panose="02040503050406030204" pitchFamily="18" charset="0"/>
-                          </a:rPr>
-                        </m:ctrlPr>
-                      </m:sSubPr>
-                      <m:e>
-                        <m:r>
-                          <a:rPr lang="en-US" altLang="ja-JP" b="0" i="1" smtClean="0">
-                            <a:latin typeface="Cambria Math" panose="02040503050406030204" pitchFamily="18" charset="0"/>
-                          </a:rPr>
-                          <m:t>𝑉</m:t>
-                        </m:r>
-                      </m:e>
-                      <m:sub>
-                        <m:r>
-                          <a:rPr lang="en-US" altLang="ja-JP" b="0" i="1" smtClean="0">
-                            <a:latin typeface="Cambria Math" panose="02040503050406030204" pitchFamily="18" charset="0"/>
-                          </a:rPr>
-                          <m:t>𝑖𝑛</m:t>
-                        </m:r>
-                      </m:sub>
-                    </m:sSub>
-                    <m:r>
-                      <a:rPr lang="en-US" altLang="ja-JP" b="0" i="1" smtClean="0">
-                        <a:latin typeface="Cambria Math" panose="02040503050406030204" pitchFamily="18" charset="0"/>
-                      </a:rPr>
-                      <m:t>=1.26</m:t>
-                    </m:r>
-                  </m:oMath>
-                </a14:m>
-                <a:r>
-                  <a:rPr lang="en-US" altLang="ja-JP" dirty="0"/>
-                  <a:t> V,</a:t>
-                </a:r>
-                <a14:m>
-                  <m:oMath xmlns:m="http://schemas.openxmlformats.org/officeDocument/2006/math">
-                    <m:sSub>
-                      <m:sSubPr>
-                        <m:ctrlPr>
-                          <a:rPr lang="en-US" altLang="ja-JP" b="0" i="1" smtClean="0">
-                            <a:latin typeface="Cambria Math" panose="02040503050406030204" pitchFamily="18" charset="0"/>
-                          </a:rPr>
-                        </m:ctrlPr>
-                      </m:sSubPr>
-                      <m:e>
-                        <m:r>
-                          <a:rPr lang="en-US" altLang="ja-JP" b="0" i="1" smtClean="0">
-                            <a:latin typeface="Cambria Math" panose="02040503050406030204" pitchFamily="18" charset="0"/>
-                          </a:rPr>
-                          <m:t>𝑣</m:t>
-                        </m:r>
-                      </m:e>
-                      <m:sub>
-                        <m:r>
-                          <a:rPr lang="en-US" altLang="ja-JP" b="0" i="1" smtClean="0">
-                            <a:latin typeface="Cambria Math" panose="02040503050406030204" pitchFamily="18" charset="0"/>
-                          </a:rPr>
-                          <m:t>𝑖𝑛</m:t>
-                        </m:r>
-                      </m:sub>
-                    </m:sSub>
-                    <m:r>
-                      <a:rPr lang="en-US" altLang="ja-JP" b="0" i="1" smtClean="0">
-                        <a:latin typeface="Cambria Math" panose="02040503050406030204" pitchFamily="18" charset="0"/>
-                      </a:rPr>
-                      <m:t>=±0.3</m:t>
-                    </m:r>
-                  </m:oMath>
-                </a14:m>
-                <a:r>
-                  <a:rPr lang="en-US" altLang="ja-JP" dirty="0"/>
-                  <a:t> V</a:t>
-                </a:r>
-                <a:r>
-                  <a:rPr lang="ja-JP" altLang="en-US" dirty="0"/>
-                  <a:t>とした。</a:t>
-                </a:r>
-                <a:endParaRPr lang="en-US" altLang="ja-JP" dirty="0"/>
-              </a:p>
-              <a:p>
-                <a:r>
-                  <a:rPr lang="ja-JP" altLang="en-US" dirty="0"/>
-                  <a:t>また、しきい値電圧</a:t>
+                  <a:t>解析の結果から</a:t>
                 </a:r>
                 <a14:m>
                   <m:oMath xmlns:m="http://schemas.openxmlformats.org/officeDocument/2006/math">
@@ -6512,19 +4613,78 @@
                         </m:r>
                       </m:sub>
                     </m:sSub>
+                    <m:r>
+                      <a:rPr lang="en-US" altLang="ja-JP" b="0" i="1" smtClean="0">
+                        <a:latin typeface="Cambria Math" panose="02040503050406030204" pitchFamily="18" charset="0"/>
+                      </a:rPr>
+                      <m:t>=0.53 </m:t>
+                    </m:r>
+                    <m:r>
+                      <a:rPr lang="en-US" altLang="ja-JP" b="0" i="1" smtClean="0">
+                        <a:latin typeface="Cambria Math" panose="02040503050406030204" pitchFamily="18" charset="0"/>
+                      </a:rPr>
+                      <m:t>𝑉</m:t>
+                    </m:r>
                   </m:oMath>
                 </a14:m>
                 <a:r>
                   <a:rPr lang="ja-JP" altLang="en-US" dirty="0"/>
-                  <a:t>は</a:t>
+                  <a:t>とした。</a:t>
+                </a:r>
+                <a:endParaRPr lang="en-US" altLang="ja-JP" dirty="0"/>
+              </a:p>
+              <a:p>
+                <a:r>
+                  <a:rPr lang="ja-JP" altLang="en-US" dirty="0"/>
+                  <a:t>すなわち電流と</a:t>
+                </a:r>
+                <a14:m>
+                  <m:oMath xmlns:m="http://schemas.openxmlformats.org/officeDocument/2006/math">
+                    <m:sSub>
+                      <m:sSubPr>
+                        <m:ctrlPr>
+                          <a:rPr lang="en-US" altLang="ja-JP" b="0" i="1" smtClean="0">
+                            <a:latin typeface="Cambria Math" panose="02040503050406030204" pitchFamily="18" charset="0"/>
+                          </a:rPr>
+                        </m:ctrlPr>
+                      </m:sSubPr>
+                      <m:e>
+                        <m:r>
+                          <a:rPr lang="en-US" altLang="ja-JP" b="0" i="1" smtClean="0">
+                            <a:latin typeface="Cambria Math" panose="02040503050406030204" pitchFamily="18" charset="0"/>
+                          </a:rPr>
+                          <m:t>𝑔</m:t>
+                        </m:r>
+                      </m:e>
+                      <m:sub>
+                        <m:r>
+                          <a:rPr lang="en-US" altLang="ja-JP" b="0" i="1" smtClean="0">
+                            <a:latin typeface="Cambria Math" panose="02040503050406030204" pitchFamily="18" charset="0"/>
+                          </a:rPr>
+                          <m:t>𝑚</m:t>
+                        </m:r>
+                      </m:sub>
+                    </m:sSub>
+                  </m:oMath>
+                </a14:m>
+                <a:r>
+                  <a:rPr lang="ja-JP" altLang="en-US" dirty="0"/>
+                  <a:t>の条件を満たす出力電位は</a:t>
+                </a:r>
+                <a:endParaRPr lang="en-US" altLang="ja-JP" dirty="0"/>
+              </a:p>
+              <a:p>
+                <a:r>
+                  <a:rPr lang="ja-JP" altLang="en-US" dirty="0"/>
+                  <a:t>約</a:t>
                 </a:r>
                 <a14:m>
                   <m:oMath xmlns:m="http://schemas.openxmlformats.org/officeDocument/2006/math">
                     <m:r>
-                      <a:rPr lang="en-US" altLang="ja-JP" b="0" i="1" dirty="0" smtClean="0">
+                      <a:rPr lang="en-US" altLang="ja-JP" b="0" i="1" smtClean="0">
                         <a:latin typeface="Cambria Math" panose="02040503050406030204" pitchFamily="18" charset="0"/>
                       </a:rPr>
-                      <m:t>0.5</m:t>
+                      <m:t>0.33</m:t>
                     </m:r>
                   </m:oMath>
                 </a14:m>
@@ -6534,17 +4694,85 @@
                 </a:r>
                 <a:r>
                   <a:rPr lang="ja-JP" altLang="en-US" dirty="0"/>
-                  <a:t>として計算した。</a:t>
+                  <a:t>と決められる。</a:t>
                 </a:r>
                 <a:endParaRPr lang="en-US" altLang="ja-JP" dirty="0"/>
               </a:p>
               <a:p>
-                <a:endParaRPr lang="en-US" altLang="ja-JP" dirty="0"/>
-              </a:p>
-              <a:p>
-                <a:endParaRPr lang="en-US" altLang="ja-JP" dirty="0"/>
-              </a:p>
-              <a:p>
+                <a:r>
+                  <a:rPr lang="ja-JP" altLang="en-US" dirty="0"/>
+                  <a:t>この条件で電流が</a:t>
+                </a:r>
+                <a14:m>
+                  <m:oMath xmlns:m="http://schemas.openxmlformats.org/officeDocument/2006/math">
+                    <m:sSub>
+                      <m:sSubPr>
+                        <m:ctrlPr>
+                          <a:rPr lang="en-US" altLang="ja-JP" b="0" i="1" smtClean="0">
+                            <a:latin typeface="Cambria Math" panose="02040503050406030204" pitchFamily="18" charset="0"/>
+                          </a:rPr>
+                        </m:ctrlPr>
+                      </m:sSubPr>
+                      <m:e>
+                        <m:r>
+                          <a:rPr lang="en-US" altLang="ja-JP" b="0" i="1" smtClean="0">
+                            <a:latin typeface="Cambria Math" panose="02040503050406030204" pitchFamily="18" charset="0"/>
+                          </a:rPr>
+                          <m:t>𝑔</m:t>
+                        </m:r>
+                      </m:e>
+                      <m:sub>
+                        <m:r>
+                          <a:rPr lang="en-US" altLang="ja-JP" b="0" i="1" smtClean="0">
+                            <a:latin typeface="Cambria Math" panose="02040503050406030204" pitchFamily="18" charset="0"/>
+                          </a:rPr>
+                          <m:t>𝑚</m:t>
+                        </m:r>
+                      </m:sub>
+                    </m:sSub>
+                    <m:sSub>
+                      <m:sSubPr>
+                        <m:ctrlPr>
+                          <a:rPr lang="en-US" altLang="ja-JP" b="0" i="1" smtClean="0">
+                            <a:latin typeface="Cambria Math" panose="02040503050406030204" pitchFamily="18" charset="0"/>
+                          </a:rPr>
+                        </m:ctrlPr>
+                      </m:sSubPr>
+                      <m:e>
+                        <m:r>
+                          <a:rPr lang="en-US" altLang="ja-JP" b="0" i="1" smtClean="0">
+                            <a:latin typeface="Cambria Math" panose="02040503050406030204" pitchFamily="18" charset="0"/>
+                          </a:rPr>
+                          <m:t>𝑉</m:t>
+                        </m:r>
+                      </m:e>
+                      <m:sub>
+                        <m:r>
+                          <a:rPr lang="en-US" altLang="ja-JP" b="0" i="1" smtClean="0">
+                            <a:latin typeface="Cambria Math" panose="02040503050406030204" pitchFamily="18" charset="0"/>
+                          </a:rPr>
+                          <m:t>𝑜𝑢𝑡</m:t>
+                        </m:r>
+                      </m:sub>
+                    </m:sSub>
+                    <m:r>
+                      <a:rPr lang="en-US" altLang="ja-JP" b="0" i="1" smtClean="0">
+                        <a:latin typeface="Cambria Math" panose="02040503050406030204" pitchFamily="18" charset="0"/>
+                      </a:rPr>
+                      <m:t>=6.6 </m:t>
+                    </m:r>
+                    <m:r>
+                      <a:rPr lang="en-US" altLang="ja-JP" b="0" i="1" smtClean="0">
+                        <a:latin typeface="Cambria Math" panose="02040503050406030204" pitchFamily="18" charset="0"/>
+                      </a:rPr>
+                      <m:t>𝑚𝐴</m:t>
+                    </m:r>
+                  </m:oMath>
+                </a14:m>
+                <a:r>
+                  <a:rPr lang="ja-JP" altLang="en-US" dirty="0"/>
+                  <a:t>となる形状を探せばよい。</a:t>
+                </a:r>
                 <a:endParaRPr lang="en-US" altLang="ja-JP" dirty="0"/>
               </a:p>
             </p:txBody>
@@ -6553,10 +4781,10 @@
         <mc:Fallback>
           <p:sp>
             <p:nvSpPr>
-              <p:cNvPr id="5" name="テキスト ボックス 4">
+              <p:cNvPr id="3" name="テキスト ボックス 2">
                 <a:extLst>
                   <a:ext uri="{FF2B5EF4-FFF2-40B4-BE49-F238E27FC236}">
-                    <a16:creationId xmlns:a16="http://schemas.microsoft.com/office/drawing/2014/main" id="{1D691765-4C8A-2311-E940-C7BEA3300B16}"/>
+                    <a16:creationId xmlns:a16="http://schemas.microsoft.com/office/drawing/2014/main" id="{7169ACA2-CCC8-39E1-DB63-33CD85E25ED0}"/>
                   </a:ext>
                 </a:extLst>
               </p:cNvPr>
@@ -6567,8 +4795,8 @@
             </p:nvSpPr>
             <p:spPr>
               <a:xfrm>
-                <a:off x="716275" y="1625601"/>
-                <a:ext cx="6227618" cy="3207673"/>
+                <a:off x="443883" y="1429305"/>
+                <a:ext cx="6702641" cy="4488921"/>
               </a:xfrm>
               <a:prstGeom prst="rect">
                 <a:avLst/>
@@ -6576,7 +4804,7 @@
               <a:blipFill>
                 <a:blip r:embed="rId2"/>
                 <a:stretch>
-                  <a:fillRect l="-783" r="-489"/>
+                  <a:fillRect l="-819" t="-678" b="-1221"/>
                 </a:stretch>
               </a:blipFill>
             </p:spPr>
@@ -6597,10 +4825,10 @@
       </mc:AlternateContent>
       <p:pic>
         <p:nvPicPr>
-          <p:cNvPr id="7" name="図 6" descr="ロゴ が含まれている画像&#10;&#10;自動的に生成された説明">
-            <a:extLst>
-              <a:ext uri="{FF2B5EF4-FFF2-40B4-BE49-F238E27FC236}">
-                <a16:creationId xmlns:a16="http://schemas.microsoft.com/office/drawing/2014/main" id="{B3B16A68-814A-9DCA-F98C-4E6AE71AB973}"/>
+          <p:cNvPr id="5" name="図 4" descr="アイコン が含まれている画像&#10;&#10;自動的に生成された説明">
+            <a:extLst>
+              <a:ext uri="{FF2B5EF4-FFF2-40B4-BE49-F238E27FC236}">
+                <a16:creationId xmlns:a16="http://schemas.microsoft.com/office/drawing/2014/main" id="{CAE2ABF9-7AC7-BBF6-63ED-5588E6408B97}"/>
               </a:ext>
             </a:extLst>
           </p:cNvPr>
@@ -6623,8 +4851,8 @@
         </p:blipFill>
         <p:spPr>
           <a:xfrm>
-            <a:off x="6943893" y="3042964"/>
-            <a:ext cx="5120650" cy="3118110"/>
+            <a:off x="6971245" y="2477932"/>
+            <a:ext cx="4517145" cy="3127254"/>
           </a:xfrm>
           <a:prstGeom prst="rect">
             <a:avLst/>
@@ -6634,7 +4862,7 @@
     </p:spTree>
     <p:extLst>
       <p:ext uri="{BB962C8B-B14F-4D97-AF65-F5344CB8AC3E}">
-        <p14:creationId xmlns:p14="http://schemas.microsoft.com/office/powerpoint/2010/main" val="1013455714"/>
+        <p14:creationId xmlns:p14="http://schemas.microsoft.com/office/powerpoint/2010/main" val="2519636895"/>
       </p:ext>
     </p:extLst>
   </p:cSld>

--- a/folded_gilbert/seminar/20231205/めも.pptx
+++ b/folded_gilbert/seminar/20231205/めも.pptx
@@ -262,7 +262,7 @@
           <a:p>
             <a:fld id="{FA014DDC-67F7-42FD-960F-8443CFFC6889}" type="datetimeFigureOut">
               <a:rPr kumimoji="1" lang="ja-JP" altLang="en-US" smtClean="0"/>
-              <a:t>2023/11/24</a:t>
+              <a:t>2023/11/25</a:t>
             </a:fld>
             <a:endParaRPr kumimoji="1" lang="ja-JP" altLang="en-US"/>
           </a:p>
@@ -492,7 +492,7 @@
           <a:p>
             <a:fld id="{FA014DDC-67F7-42FD-960F-8443CFFC6889}" type="datetimeFigureOut">
               <a:rPr kumimoji="1" lang="ja-JP" altLang="en-US" smtClean="0"/>
-              <a:t>2023/11/24</a:t>
+              <a:t>2023/11/25</a:t>
             </a:fld>
             <a:endParaRPr kumimoji="1" lang="ja-JP" altLang="en-US"/>
           </a:p>
@@ -732,7 +732,7 @@
           <a:p>
             <a:fld id="{FA014DDC-67F7-42FD-960F-8443CFFC6889}" type="datetimeFigureOut">
               <a:rPr kumimoji="1" lang="ja-JP" altLang="en-US" smtClean="0"/>
-              <a:t>2023/11/24</a:t>
+              <a:t>2023/11/25</a:t>
             </a:fld>
             <a:endParaRPr kumimoji="1" lang="ja-JP" altLang="en-US"/>
           </a:p>
@@ -962,7 +962,7 @@
           <a:p>
             <a:fld id="{FA014DDC-67F7-42FD-960F-8443CFFC6889}" type="datetimeFigureOut">
               <a:rPr kumimoji="1" lang="ja-JP" altLang="en-US" smtClean="0"/>
-              <a:t>2023/11/24</a:t>
+              <a:t>2023/11/25</a:t>
             </a:fld>
             <a:endParaRPr kumimoji="1" lang="ja-JP" altLang="en-US"/>
           </a:p>
@@ -1237,7 +1237,7 @@
           <a:p>
             <a:fld id="{FA014DDC-67F7-42FD-960F-8443CFFC6889}" type="datetimeFigureOut">
               <a:rPr kumimoji="1" lang="ja-JP" altLang="en-US" smtClean="0"/>
-              <a:t>2023/11/24</a:t>
+              <a:t>2023/11/25</a:t>
             </a:fld>
             <a:endParaRPr kumimoji="1" lang="ja-JP" altLang="en-US"/>
           </a:p>
@@ -1566,7 +1566,7 @@
           <a:p>
             <a:fld id="{FA014DDC-67F7-42FD-960F-8443CFFC6889}" type="datetimeFigureOut">
               <a:rPr kumimoji="1" lang="ja-JP" altLang="en-US" smtClean="0"/>
-              <a:t>2023/11/24</a:t>
+              <a:t>2023/11/25</a:t>
             </a:fld>
             <a:endParaRPr kumimoji="1" lang="ja-JP" altLang="en-US"/>
           </a:p>
@@ -2042,7 +2042,7 @@
           <a:p>
             <a:fld id="{FA014DDC-67F7-42FD-960F-8443CFFC6889}" type="datetimeFigureOut">
               <a:rPr kumimoji="1" lang="ja-JP" altLang="en-US" smtClean="0"/>
-              <a:t>2023/11/24</a:t>
+              <a:t>2023/11/25</a:t>
             </a:fld>
             <a:endParaRPr kumimoji="1" lang="ja-JP" altLang="en-US"/>
           </a:p>
@@ -2183,7 +2183,7 @@
           <a:p>
             <a:fld id="{FA014DDC-67F7-42FD-960F-8443CFFC6889}" type="datetimeFigureOut">
               <a:rPr kumimoji="1" lang="ja-JP" altLang="en-US" smtClean="0"/>
-              <a:t>2023/11/24</a:t>
+              <a:t>2023/11/25</a:t>
             </a:fld>
             <a:endParaRPr kumimoji="1" lang="ja-JP" altLang="en-US"/>
           </a:p>
@@ -2296,7 +2296,7 @@
           <a:p>
             <a:fld id="{FA014DDC-67F7-42FD-960F-8443CFFC6889}" type="datetimeFigureOut">
               <a:rPr kumimoji="1" lang="ja-JP" altLang="en-US" smtClean="0"/>
-              <a:t>2023/11/24</a:t>
+              <a:t>2023/11/25</a:t>
             </a:fld>
             <a:endParaRPr kumimoji="1" lang="ja-JP" altLang="en-US"/>
           </a:p>
@@ -2639,7 +2639,7 @@
           <a:p>
             <a:fld id="{FA014DDC-67F7-42FD-960F-8443CFFC6889}" type="datetimeFigureOut">
               <a:rPr kumimoji="1" lang="ja-JP" altLang="en-US" smtClean="0"/>
-              <a:t>2023/11/24</a:t>
+              <a:t>2023/11/25</a:t>
             </a:fld>
             <a:endParaRPr kumimoji="1" lang="ja-JP" altLang="en-US"/>
           </a:p>
@@ -2927,7 +2927,7 @@
           <a:p>
             <a:fld id="{FA014DDC-67F7-42FD-960F-8443CFFC6889}" type="datetimeFigureOut">
               <a:rPr kumimoji="1" lang="ja-JP" altLang="en-US" smtClean="0"/>
-              <a:t>2023/11/24</a:t>
+              <a:t>2023/11/25</a:t>
             </a:fld>
             <a:endParaRPr kumimoji="1" lang="ja-JP" altLang="en-US"/>
           </a:p>
@@ -3200,7 +3200,7 @@
           <a:p>
             <a:fld id="{FA014DDC-67F7-42FD-960F-8443CFFC6889}" type="datetimeFigureOut">
               <a:rPr kumimoji="1" lang="ja-JP" altLang="en-US" smtClean="0"/>
-              <a:t>2023/11/24</a:t>
+              <a:t>2023/11/25</a:t>
             </a:fld>
             <a:endParaRPr kumimoji="1" lang="ja-JP" altLang="en-US"/>
           </a:p>
@@ -3750,7 +3750,7 @@
         <p:spPr>
           <a:xfrm>
             <a:off x="838200" y="1609105"/>
-            <a:ext cx="10360241" cy="523220"/>
+            <a:ext cx="10360241" cy="954107"/>
           </a:xfrm>
           <a:prstGeom prst="rect">
             <a:avLst/>
@@ -3769,8 +3769,20 @@
             </a:pPr>
             <a:r>
               <a:rPr kumimoji="1" lang="ja-JP" altLang="en-US" sz="2800" dirty="0"/>
-              <a:t>試作したい回路</a:t>
-            </a:r>
+              <a:t>ギルバート乗算回路</a:t>
+            </a:r>
+            <a:endParaRPr kumimoji="1" lang="en-US" altLang="ja-JP" sz="2800" dirty="0"/>
+          </a:p>
+          <a:p>
+            <a:pPr marL="285750" indent="-285750">
+              <a:buFont typeface="Arial" panose="020B0604020202020204" pitchFamily="34" charset="0"/>
+              <a:buChar char="•"/>
+            </a:pPr>
+            <a:r>
+              <a:rPr lang="ja-JP" altLang="en-US" sz="2800" dirty="0"/>
+              <a:t>バッファ回路</a:t>
+            </a:r>
+            <a:endParaRPr lang="en-US" altLang="ja-JP" sz="2800" dirty="0"/>
           </a:p>
         </p:txBody>
       </p:sp>
@@ -4038,8 +4050,8 @@
           </a:p>
         </p:txBody>
       </p:sp>
-      <mc:AlternateContent xmlns:mc="http://schemas.openxmlformats.org/markup-compatibility/2006">
-        <mc:Choice xmlns:a14="http://schemas.microsoft.com/office/drawing/2010/main" Requires="a14">
+      <mc:AlternateContent xmlns:mc="http://schemas.openxmlformats.org/markup-compatibility/2006" xmlns:a14="http://schemas.microsoft.com/office/drawing/2010/main">
+        <mc:Choice Requires="a14">
           <p:sp>
             <p:nvSpPr>
               <p:cNvPr id="3" name="テキスト ボックス 2">
@@ -4134,6 +4146,7 @@
                 <a:endParaRPr lang="en-US" altLang="ja-JP" dirty="0"/>
               </a:p>
               <a:p>
+                <a:pPr/>
                 <a14:m>
                   <m:oMathPara xmlns:m="http://schemas.openxmlformats.org/officeDocument/2006/math">
                     <m:oMathParaPr>
@@ -4340,6 +4353,7 @@
                 <a:endParaRPr lang="en-US" altLang="ja-JP" dirty="0"/>
               </a:p>
               <a:p>
+                <a:pPr/>
                 <a14:m>
                   <m:oMathPara xmlns:m="http://schemas.openxmlformats.org/officeDocument/2006/math">
                     <m:oMathParaPr>
@@ -4531,6 +4545,7 @@
                 <a:endParaRPr lang="en-US" altLang="ja-JP" dirty="0"/>
               </a:p>
               <a:p>
+                <a:pPr/>
                 <a14:m>
                   <m:oMathPara xmlns:m="http://schemas.openxmlformats.org/officeDocument/2006/math">
                     <m:oMathParaPr>
@@ -4778,7 +4793,7 @@
             </p:txBody>
           </p:sp>
         </mc:Choice>
-        <mc:Fallback>
+        <mc:Fallback xmlns="">
           <p:sp>
             <p:nvSpPr>
               <p:cNvPr id="3" name="テキスト ボックス 2">
